--- a/Prezentáció.pptx
+++ b/Prezentáció.pptx
@@ -12,15 +12,15 @@
     <p:sldId id="260" r:id="rId3"/>
     <p:sldId id="262" r:id="rId4"/>
     <p:sldId id="286" r:id="rId5"/>
-    <p:sldId id="294" r:id="rId6"/>
-    <p:sldId id="295" r:id="rId7"/>
-    <p:sldId id="296" r:id="rId8"/>
-    <p:sldId id="293" r:id="rId9"/>
-    <p:sldId id="266" r:id="rId10"/>
-    <p:sldId id="288" r:id="rId11"/>
-    <p:sldId id="263" r:id="rId12"/>
-    <p:sldId id="291" r:id="rId13"/>
-    <p:sldId id="292" r:id="rId14"/>
+    <p:sldId id="293" r:id="rId6"/>
+    <p:sldId id="291" r:id="rId7"/>
+    <p:sldId id="292" r:id="rId8"/>
+    <p:sldId id="266" r:id="rId9"/>
+    <p:sldId id="288" r:id="rId10"/>
+    <p:sldId id="263" r:id="rId11"/>
+    <p:sldId id="294" r:id="rId12"/>
+    <p:sldId id="295" r:id="rId13"/>
+    <p:sldId id="296" r:id="rId14"/>
     <p:sldId id="284" r:id="rId15"/>
     <p:sldId id="290" r:id="rId16"/>
     <p:sldId id="274" r:id="rId17"/>
@@ -29201,13 +29201,13 @@
   <p:clrMapOvr>
     <a:masterClrMapping/>
   </p:clrMapOvr>
-  <mc:AlternateContent xmlns:mc="http://schemas.openxmlformats.org/markup-compatibility/2006">
-    <mc:Choice xmlns:p15="http://schemas.microsoft.com/office/powerpoint/2012/main" Requires="p15">
+  <mc:AlternateContent xmlns:mc="http://schemas.openxmlformats.org/markup-compatibility/2006" xmlns:p15="http://schemas.microsoft.com/office/powerpoint/2012/main">
+    <mc:Choice Requires="p15">
       <p:transition xmlns:p14="http://schemas.microsoft.com/office/powerpoint/2010/main" spd="slow" p14:dur="6000">
         <p15:prstTrans prst="curtains"/>
       </p:transition>
     </mc:Choice>
-    <mc:Fallback>
+    <mc:Fallback xmlns="">
       <p:transition spd="slow">
         <p:fade/>
       </p:transition>
@@ -29217,2415 +29217,6 @@
 </file>
 
 <file path=ppt/slides/slide10.xml><?xml version="1.0" encoding="utf-8"?>
-<p:sld xmlns:a="http://schemas.openxmlformats.org/drawingml/2006/main" xmlns:r="http://schemas.openxmlformats.org/officeDocument/2006/relationships" xmlns:p="http://schemas.openxmlformats.org/presentationml/2006/main">
-  <p:cSld>
-    <p:bg>
-      <p:bgPr>
-        <a:solidFill>
-          <a:srgbClr val="7DBFF8"/>
-        </a:solidFill>
-        <a:effectLst/>
-      </p:bgPr>
-    </p:bg>
-    <p:spTree>
-      <p:nvGrpSpPr>
-        <p:cNvPr id="1" name="Shape 858"/>
-        <p:cNvGrpSpPr/>
-        <p:nvPr/>
-      </p:nvGrpSpPr>
-      <p:grpSpPr>
-        <a:xfrm>
-          <a:off x="0" y="0"/>
-          <a:ext cx="0" cy="0"/>
-          <a:chOff x="0" y="0"/>
-          <a:chExt cx="0" cy="0"/>
-        </a:xfrm>
-      </p:grpSpPr>
-      <p:grpSp>
-        <p:nvGrpSpPr>
-          <p:cNvPr id="859" name="Google Shape;859;p20"/>
-          <p:cNvGrpSpPr/>
-          <p:nvPr/>
-        </p:nvGrpSpPr>
-        <p:grpSpPr>
-          <a:xfrm>
-            <a:off x="15384711" y="-7367874"/>
-            <a:ext cx="6568145" cy="10644284"/>
-            <a:chOff x="1" y="1"/>
-            <a:chExt cx="8757526" cy="14192379"/>
-          </a:xfrm>
-        </p:grpSpPr>
-        <p:grpSp>
-          <p:nvGrpSpPr>
-            <p:cNvPr id="860" name="Google Shape;860;p20"/>
-            <p:cNvGrpSpPr/>
-            <p:nvPr/>
-          </p:nvGrpSpPr>
-          <p:grpSpPr>
-            <a:xfrm rot="-13330">
-              <a:off x="27419" y="16820"/>
-              <a:ext cx="8702690" cy="14158740"/>
-              <a:chOff x="0" y="0"/>
-              <a:chExt cx="660400" cy="1074430"/>
-            </a:xfrm>
-          </p:grpSpPr>
-          <p:sp>
-            <p:nvSpPr>
-              <p:cNvPr id="861" name="Google Shape;861;p20"/>
-              <p:cNvSpPr/>
-              <p:nvPr/>
-            </p:nvSpPr>
-            <p:spPr>
-              <a:xfrm>
-                <a:off x="0" y="0"/>
-                <a:ext cx="660400" cy="1074430"/>
-              </a:xfrm>
-              <a:custGeom>
-                <a:avLst/>
-                <a:gdLst/>
-                <a:ahLst/>
-                <a:cxnLst/>
-                <a:rect l="l" t="t" r="r" b="b"/>
-                <a:pathLst>
-                  <a:path w="660400" h="1074430" extrusionOk="0">
-                    <a:moveTo>
-                      <a:pt x="220252" y="1055361"/>
-                    </a:moveTo>
-                    <a:cubicBezTo>
-                      <a:pt x="254109" y="1066875"/>
-                      <a:pt x="292600" y="1074430"/>
-                      <a:pt x="330378" y="1074430"/>
-                    </a:cubicBezTo>
-                    <a:cubicBezTo>
-                      <a:pt x="368157" y="1074430"/>
-                      <a:pt x="404509" y="1067953"/>
-                      <a:pt x="438009" y="1056439"/>
-                    </a:cubicBezTo>
-                    <a:cubicBezTo>
-                      <a:pt x="438723" y="1056080"/>
-                      <a:pt x="439435" y="1056080"/>
-                      <a:pt x="440148" y="1055720"/>
-                    </a:cubicBezTo>
-                    <a:cubicBezTo>
-                      <a:pt x="565955" y="1009665"/>
-                      <a:pt x="658618" y="888051"/>
-                      <a:pt x="660400" y="740117"/>
-                    </a:cubicBezTo>
-                    <a:lnTo>
-                      <a:pt x="660400" y="0"/>
-                    </a:lnTo>
-                    <a:lnTo>
-                      <a:pt x="0" y="0"/>
-                    </a:lnTo>
-                    <a:lnTo>
-                      <a:pt x="0" y="739567"/>
-                    </a:lnTo>
-                    <a:cubicBezTo>
-                      <a:pt x="1782" y="888770"/>
-                      <a:pt x="93019" y="1010385"/>
-                      <a:pt x="220252" y="1055361"/>
-                    </a:cubicBezTo>
-                    <a:close/>
-                  </a:path>
-                </a:pathLst>
-              </a:custGeom>
-              <a:solidFill>
-                <a:srgbClr val="000000">
-                  <a:alpha val="0"/>
-                </a:srgbClr>
-              </a:solidFill>
-              <a:ln w="57150" cap="flat" cmpd="sng">
-                <a:solidFill>
-                  <a:srgbClr val="FFFFFF"/>
-                </a:solidFill>
-                <a:prstDash val="solid"/>
-                <a:round/>
-                <a:headEnd type="none" w="sm" len="sm"/>
-                <a:tailEnd type="none" w="sm" len="sm"/>
-              </a:ln>
-            </p:spPr>
-            <p:txBody>
-              <a:bodyPr spcFirstLastPara="1" wrap="square" lIns="91425" tIns="91425" rIns="91425" bIns="91425" anchor="ctr" anchorCtr="0">
-                <a:noAutofit/>
-              </a:bodyPr>
-              <a:lstStyle/>
-              <a:p>
-                <a:pPr marL="0" lvl="0" indent="0" algn="l" rtl="0">
-                  <a:spcBef>
-                    <a:spcPts val="0"/>
-                  </a:spcBef>
-                  <a:spcAft>
-                    <a:spcPts val="0"/>
-                  </a:spcAft>
-                  <a:buNone/>
-                </a:pPr>
-                <a:endParaRPr/>
-              </a:p>
-            </p:txBody>
-          </p:sp>
-          <p:sp>
-            <p:nvSpPr>
-              <p:cNvPr id="862" name="Google Shape;862;p20"/>
-              <p:cNvSpPr txBox="1"/>
-              <p:nvPr/>
-            </p:nvSpPr>
-            <p:spPr>
-              <a:xfrm>
-                <a:off x="0" y="0"/>
-                <a:ext cx="660400" cy="685800"/>
-              </a:xfrm>
-              <a:prstGeom prst="rect">
-                <a:avLst/>
-              </a:prstGeom>
-              <a:noFill/>
-              <a:ln>
-                <a:noFill/>
-              </a:ln>
-            </p:spPr>
-            <p:txBody>
-              <a:bodyPr spcFirstLastPara="1" wrap="square" lIns="95725" tIns="95725" rIns="95725" bIns="95725" anchor="ctr" anchorCtr="0">
-                <a:noAutofit/>
-              </a:bodyPr>
-              <a:lstStyle/>
-              <a:p>
-                <a:pPr marL="0" marR="0" lvl="0" indent="0" algn="ctr" rtl="0">
-                  <a:lnSpc>
-                    <a:spcPct val="183055"/>
-                  </a:lnSpc>
-                  <a:spcBef>
-                    <a:spcPts val="0"/>
-                  </a:spcBef>
-                  <a:spcAft>
-                    <a:spcPts val="0"/>
-                  </a:spcAft>
-                  <a:buNone/>
-                </a:pPr>
-                <a:endParaRPr sz="1800" b="0" i="0" u="none" strike="noStrike" cap="none">
-                  <a:solidFill>
-                    <a:schemeClr val="dk1"/>
-                  </a:solidFill>
-                  <a:latin typeface="Calibri"/>
-                  <a:ea typeface="Calibri"/>
-                  <a:cs typeface="Calibri"/>
-                  <a:sym typeface="Calibri"/>
-                </a:endParaRPr>
-              </a:p>
-            </p:txBody>
-          </p:sp>
-        </p:grpSp>
-        <p:grpSp>
-          <p:nvGrpSpPr>
-            <p:cNvPr id="863" name="Google Shape;863;p20"/>
-            <p:cNvGrpSpPr/>
-            <p:nvPr/>
-          </p:nvGrpSpPr>
-          <p:grpSpPr>
-            <a:xfrm rot="-13330">
-              <a:off x="648402" y="705475"/>
-              <a:ext cx="7537530" cy="12832230"/>
-              <a:chOff x="0" y="0"/>
-              <a:chExt cx="660400" cy="1124295"/>
-            </a:xfrm>
-          </p:grpSpPr>
-          <p:sp>
-            <p:nvSpPr>
-              <p:cNvPr id="864" name="Google Shape;864;p20"/>
-              <p:cNvSpPr/>
-              <p:nvPr/>
-            </p:nvSpPr>
-            <p:spPr>
-              <a:xfrm>
-                <a:off x="0" y="0"/>
-                <a:ext cx="660400" cy="1124295"/>
-              </a:xfrm>
-              <a:custGeom>
-                <a:avLst/>
-                <a:gdLst/>
-                <a:ahLst/>
-                <a:cxnLst/>
-                <a:rect l="l" t="t" r="r" b="b"/>
-                <a:pathLst>
-                  <a:path w="660400" h="1124295" extrusionOk="0">
-                    <a:moveTo>
-                      <a:pt x="220252" y="1105226"/>
-                    </a:moveTo>
-                    <a:cubicBezTo>
-                      <a:pt x="254109" y="1116739"/>
-                      <a:pt x="292600" y="1124295"/>
-                      <a:pt x="330378" y="1124295"/>
-                    </a:cubicBezTo>
-                    <a:cubicBezTo>
-                      <a:pt x="368157" y="1124295"/>
-                      <a:pt x="404509" y="1117818"/>
-                      <a:pt x="438009" y="1106304"/>
-                    </a:cubicBezTo>
-                    <a:cubicBezTo>
-                      <a:pt x="438723" y="1105945"/>
-                      <a:pt x="439435" y="1105945"/>
-                      <a:pt x="440148" y="1105585"/>
-                    </a:cubicBezTo>
-                    <a:cubicBezTo>
-                      <a:pt x="565955" y="1059530"/>
-                      <a:pt x="658618" y="937916"/>
-                      <a:pt x="660400" y="788874"/>
-                    </a:cubicBezTo>
-                    <a:lnTo>
-                      <a:pt x="660400" y="0"/>
-                    </a:lnTo>
-                    <a:lnTo>
-                      <a:pt x="0" y="0"/>
-                    </a:lnTo>
-                    <a:lnTo>
-                      <a:pt x="0" y="788288"/>
-                    </a:lnTo>
-                    <a:cubicBezTo>
-                      <a:pt x="1782" y="938635"/>
-                      <a:pt x="93019" y="1060250"/>
-                      <a:pt x="220252" y="1105226"/>
-                    </a:cubicBezTo>
-                    <a:close/>
-                  </a:path>
-                </a:pathLst>
-              </a:custGeom>
-              <a:solidFill>
-                <a:srgbClr val="000000">
-                  <a:alpha val="0"/>
-                </a:srgbClr>
-              </a:solidFill>
-              <a:ln w="57150" cap="flat" cmpd="sng">
-                <a:solidFill>
-                  <a:srgbClr val="FFFFFF"/>
-                </a:solidFill>
-                <a:prstDash val="solid"/>
-                <a:round/>
-                <a:headEnd type="none" w="sm" len="sm"/>
-                <a:tailEnd type="none" w="sm" len="sm"/>
-              </a:ln>
-            </p:spPr>
-            <p:txBody>
-              <a:bodyPr spcFirstLastPara="1" wrap="square" lIns="91425" tIns="91425" rIns="91425" bIns="91425" anchor="ctr" anchorCtr="0">
-                <a:noAutofit/>
-              </a:bodyPr>
-              <a:lstStyle/>
-              <a:p>
-                <a:pPr marL="0" lvl="0" indent="0" algn="l" rtl="0">
-                  <a:spcBef>
-                    <a:spcPts val="0"/>
-                  </a:spcBef>
-                  <a:spcAft>
-                    <a:spcPts val="0"/>
-                  </a:spcAft>
-                  <a:buNone/>
-                </a:pPr>
-                <a:endParaRPr/>
-              </a:p>
-            </p:txBody>
-          </p:sp>
-          <p:sp>
-            <p:nvSpPr>
-              <p:cNvPr id="865" name="Google Shape;865;p20"/>
-              <p:cNvSpPr txBox="1"/>
-              <p:nvPr/>
-            </p:nvSpPr>
-            <p:spPr>
-              <a:xfrm>
-                <a:off x="0" y="0"/>
-                <a:ext cx="660400" cy="685800"/>
-              </a:xfrm>
-              <a:prstGeom prst="rect">
-                <a:avLst/>
-              </a:prstGeom>
-              <a:noFill/>
-              <a:ln>
-                <a:noFill/>
-              </a:ln>
-            </p:spPr>
-            <p:txBody>
-              <a:bodyPr spcFirstLastPara="1" wrap="square" lIns="95725" tIns="95725" rIns="95725" bIns="95725" anchor="ctr" anchorCtr="0">
-                <a:noAutofit/>
-              </a:bodyPr>
-              <a:lstStyle/>
-              <a:p>
-                <a:pPr marL="0" marR="0" lvl="0" indent="0" algn="ctr" rtl="0">
-                  <a:lnSpc>
-                    <a:spcPct val="183055"/>
-                  </a:lnSpc>
-                  <a:spcBef>
-                    <a:spcPts val="0"/>
-                  </a:spcBef>
-                  <a:spcAft>
-                    <a:spcPts val="0"/>
-                  </a:spcAft>
-                  <a:buNone/>
-                </a:pPr>
-                <a:endParaRPr sz="1800" b="0" i="0" u="none" strike="noStrike" cap="none">
-                  <a:solidFill>
-                    <a:schemeClr val="dk1"/>
-                  </a:solidFill>
-                  <a:latin typeface="Calibri"/>
-                  <a:ea typeface="Calibri"/>
-                  <a:cs typeface="Calibri"/>
-                  <a:sym typeface="Calibri"/>
-                </a:endParaRPr>
-              </a:p>
-            </p:txBody>
-          </p:sp>
-        </p:grpSp>
-        <p:grpSp>
-          <p:nvGrpSpPr>
-            <p:cNvPr id="866" name="Google Shape;866;p20"/>
-            <p:cNvGrpSpPr/>
-            <p:nvPr/>
-          </p:nvGrpSpPr>
-          <p:grpSpPr>
-            <a:xfrm rot="-13330">
-              <a:off x="1299019" y="1526588"/>
-              <a:ext cx="6236652" cy="11291604"/>
-              <a:chOff x="0" y="0"/>
-              <a:chExt cx="660400" cy="1195670"/>
-            </a:xfrm>
-          </p:grpSpPr>
-          <p:sp>
-            <p:nvSpPr>
-              <p:cNvPr id="867" name="Google Shape;867;p20"/>
-              <p:cNvSpPr/>
-              <p:nvPr/>
-            </p:nvSpPr>
-            <p:spPr>
-              <a:xfrm>
-                <a:off x="0" y="0"/>
-                <a:ext cx="660400" cy="1195670"/>
-              </a:xfrm>
-              <a:custGeom>
-                <a:avLst/>
-                <a:gdLst/>
-                <a:ahLst/>
-                <a:cxnLst/>
-                <a:rect l="l" t="t" r="r" b="b"/>
-                <a:pathLst>
-                  <a:path w="660400" h="1195670" extrusionOk="0">
-                    <a:moveTo>
-                      <a:pt x="220252" y="1176601"/>
-                    </a:moveTo>
-                    <a:cubicBezTo>
-                      <a:pt x="254109" y="1188114"/>
-                      <a:pt x="292600" y="1195670"/>
-                      <a:pt x="330378" y="1195670"/>
-                    </a:cubicBezTo>
-                    <a:cubicBezTo>
-                      <a:pt x="368157" y="1195670"/>
-                      <a:pt x="404509" y="1189193"/>
-                      <a:pt x="438009" y="1177679"/>
-                    </a:cubicBezTo>
-                    <a:cubicBezTo>
-                      <a:pt x="438723" y="1177320"/>
-                      <a:pt x="439435" y="1177320"/>
-                      <a:pt x="440148" y="1176960"/>
-                    </a:cubicBezTo>
-                    <a:cubicBezTo>
-                      <a:pt x="565955" y="1130905"/>
-                      <a:pt x="658618" y="1009291"/>
-                      <a:pt x="660400" y="858663"/>
-                    </a:cubicBezTo>
-                    <a:lnTo>
-                      <a:pt x="660400" y="0"/>
-                    </a:lnTo>
-                    <a:lnTo>
-                      <a:pt x="0" y="0"/>
-                    </a:lnTo>
-                    <a:lnTo>
-                      <a:pt x="0" y="858026"/>
-                    </a:lnTo>
-                    <a:cubicBezTo>
-                      <a:pt x="1782" y="1010010"/>
-                      <a:pt x="93019" y="1131625"/>
-                      <a:pt x="220252" y="1176601"/>
-                    </a:cubicBezTo>
-                    <a:close/>
-                  </a:path>
-                </a:pathLst>
-              </a:custGeom>
-              <a:solidFill>
-                <a:srgbClr val="000000">
-                  <a:alpha val="0"/>
-                </a:srgbClr>
-              </a:solidFill>
-              <a:ln w="57150" cap="flat" cmpd="sng">
-                <a:solidFill>
-                  <a:srgbClr val="FFFFFF"/>
-                </a:solidFill>
-                <a:prstDash val="solid"/>
-                <a:round/>
-                <a:headEnd type="none" w="sm" len="sm"/>
-                <a:tailEnd type="none" w="sm" len="sm"/>
-              </a:ln>
-            </p:spPr>
-            <p:txBody>
-              <a:bodyPr spcFirstLastPara="1" wrap="square" lIns="91425" tIns="91425" rIns="91425" bIns="91425" anchor="ctr" anchorCtr="0">
-                <a:noAutofit/>
-              </a:bodyPr>
-              <a:lstStyle/>
-              <a:p>
-                <a:pPr marL="0" lvl="0" indent="0" algn="l" rtl="0">
-                  <a:spcBef>
-                    <a:spcPts val="0"/>
-                  </a:spcBef>
-                  <a:spcAft>
-                    <a:spcPts val="0"/>
-                  </a:spcAft>
-                  <a:buNone/>
-                </a:pPr>
-                <a:endParaRPr/>
-              </a:p>
-            </p:txBody>
-          </p:sp>
-          <p:sp>
-            <p:nvSpPr>
-              <p:cNvPr id="868" name="Google Shape;868;p20"/>
-              <p:cNvSpPr txBox="1"/>
-              <p:nvPr/>
-            </p:nvSpPr>
-            <p:spPr>
-              <a:xfrm>
-                <a:off x="0" y="0"/>
-                <a:ext cx="660400" cy="685800"/>
-              </a:xfrm>
-              <a:prstGeom prst="rect">
-                <a:avLst/>
-              </a:prstGeom>
-              <a:noFill/>
-              <a:ln>
-                <a:noFill/>
-              </a:ln>
-            </p:spPr>
-            <p:txBody>
-              <a:bodyPr spcFirstLastPara="1" wrap="square" lIns="95725" tIns="95725" rIns="95725" bIns="95725" anchor="ctr" anchorCtr="0">
-                <a:noAutofit/>
-              </a:bodyPr>
-              <a:lstStyle/>
-              <a:p>
-                <a:pPr marL="0" marR="0" lvl="0" indent="0" algn="ctr" rtl="0">
-                  <a:lnSpc>
-                    <a:spcPct val="183055"/>
-                  </a:lnSpc>
-                  <a:spcBef>
-                    <a:spcPts val="0"/>
-                  </a:spcBef>
-                  <a:spcAft>
-                    <a:spcPts val="0"/>
-                  </a:spcAft>
-                  <a:buNone/>
-                </a:pPr>
-                <a:endParaRPr sz="1800" b="0" i="0" u="none" strike="noStrike" cap="none">
-                  <a:solidFill>
-                    <a:schemeClr val="dk1"/>
-                  </a:solidFill>
-                  <a:latin typeface="Calibri"/>
-                  <a:ea typeface="Calibri"/>
-                  <a:cs typeface="Calibri"/>
-                  <a:sym typeface="Calibri"/>
-                </a:endParaRPr>
-              </a:p>
-            </p:txBody>
-          </p:sp>
-        </p:grpSp>
-        <p:grpSp>
-          <p:nvGrpSpPr>
-            <p:cNvPr id="869" name="Google Shape;869;p20"/>
-            <p:cNvGrpSpPr/>
-            <p:nvPr/>
-          </p:nvGrpSpPr>
-          <p:grpSpPr>
-            <a:xfrm rot="-13330">
-              <a:off x="1959040" y="2341986"/>
-              <a:ext cx="4915848" cy="9763559"/>
-              <a:chOff x="0" y="0"/>
-              <a:chExt cx="660400" cy="1311646"/>
-            </a:xfrm>
-          </p:grpSpPr>
-          <p:sp>
-            <p:nvSpPr>
-              <p:cNvPr id="870" name="Google Shape;870;p20"/>
-              <p:cNvSpPr/>
-              <p:nvPr/>
-            </p:nvSpPr>
-            <p:spPr>
-              <a:xfrm>
-                <a:off x="0" y="0"/>
-                <a:ext cx="660400" cy="1311646"/>
-              </a:xfrm>
-              <a:custGeom>
-                <a:avLst/>
-                <a:gdLst/>
-                <a:ahLst/>
-                <a:cxnLst/>
-                <a:rect l="l" t="t" r="r" b="b"/>
-                <a:pathLst>
-                  <a:path w="660400" h="1311646" extrusionOk="0">
-                    <a:moveTo>
-                      <a:pt x="220252" y="1292577"/>
-                    </a:moveTo>
-                    <a:cubicBezTo>
-                      <a:pt x="254109" y="1304091"/>
-                      <a:pt x="292600" y="1311646"/>
-                      <a:pt x="330378" y="1311646"/>
-                    </a:cubicBezTo>
-                    <a:cubicBezTo>
-                      <a:pt x="368157" y="1311646"/>
-                      <a:pt x="404509" y="1305169"/>
-                      <a:pt x="438009" y="1293656"/>
-                    </a:cubicBezTo>
-                    <a:cubicBezTo>
-                      <a:pt x="438723" y="1293296"/>
-                      <a:pt x="439435" y="1293296"/>
-                      <a:pt x="440148" y="1292937"/>
-                    </a:cubicBezTo>
-                    <a:cubicBezTo>
-                      <a:pt x="565955" y="1246881"/>
-                      <a:pt x="658618" y="1125267"/>
-                      <a:pt x="660400" y="972064"/>
-                    </a:cubicBezTo>
-                    <a:lnTo>
-                      <a:pt x="660400" y="0"/>
-                    </a:lnTo>
-                    <a:lnTo>
-                      <a:pt x="0" y="0"/>
-                    </a:lnTo>
-                    <a:lnTo>
-                      <a:pt x="0" y="971342"/>
-                    </a:lnTo>
-                    <a:cubicBezTo>
-                      <a:pt x="1782" y="1125986"/>
-                      <a:pt x="93019" y="1247601"/>
-                      <a:pt x="220252" y="1292577"/>
-                    </a:cubicBezTo>
-                    <a:close/>
-                  </a:path>
-                </a:pathLst>
-              </a:custGeom>
-              <a:solidFill>
-                <a:srgbClr val="000000">
-                  <a:alpha val="0"/>
-                </a:srgbClr>
-              </a:solidFill>
-              <a:ln w="57150" cap="flat" cmpd="sng">
-                <a:solidFill>
-                  <a:srgbClr val="FFFFFF"/>
-                </a:solidFill>
-                <a:prstDash val="solid"/>
-                <a:round/>
-                <a:headEnd type="none" w="sm" len="sm"/>
-                <a:tailEnd type="none" w="sm" len="sm"/>
-              </a:ln>
-            </p:spPr>
-            <p:txBody>
-              <a:bodyPr spcFirstLastPara="1" wrap="square" lIns="91425" tIns="91425" rIns="91425" bIns="91425" anchor="ctr" anchorCtr="0">
-                <a:noAutofit/>
-              </a:bodyPr>
-              <a:lstStyle/>
-              <a:p>
-                <a:pPr marL="0" lvl="0" indent="0" algn="l" rtl="0">
-                  <a:spcBef>
-                    <a:spcPts val="0"/>
-                  </a:spcBef>
-                  <a:spcAft>
-                    <a:spcPts val="0"/>
-                  </a:spcAft>
-                  <a:buNone/>
-                </a:pPr>
-                <a:endParaRPr/>
-              </a:p>
-            </p:txBody>
-          </p:sp>
-          <p:sp>
-            <p:nvSpPr>
-              <p:cNvPr id="871" name="Google Shape;871;p20"/>
-              <p:cNvSpPr txBox="1"/>
-              <p:nvPr/>
-            </p:nvSpPr>
-            <p:spPr>
-              <a:xfrm>
-                <a:off x="0" y="0"/>
-                <a:ext cx="660400" cy="685800"/>
-              </a:xfrm>
-              <a:prstGeom prst="rect">
-                <a:avLst/>
-              </a:prstGeom>
-              <a:noFill/>
-              <a:ln>
-                <a:noFill/>
-              </a:ln>
-            </p:spPr>
-            <p:txBody>
-              <a:bodyPr spcFirstLastPara="1" wrap="square" lIns="95725" tIns="95725" rIns="95725" bIns="95725" anchor="ctr" anchorCtr="0">
-                <a:noAutofit/>
-              </a:bodyPr>
-              <a:lstStyle/>
-              <a:p>
-                <a:pPr marL="0" marR="0" lvl="0" indent="0" algn="ctr" rtl="0">
-                  <a:lnSpc>
-                    <a:spcPct val="183055"/>
-                  </a:lnSpc>
-                  <a:spcBef>
-                    <a:spcPts val="0"/>
-                  </a:spcBef>
-                  <a:spcAft>
-                    <a:spcPts val="0"/>
-                  </a:spcAft>
-                  <a:buNone/>
-                </a:pPr>
-                <a:endParaRPr sz="1800" b="0" i="0" u="none" strike="noStrike" cap="none">
-                  <a:solidFill>
-                    <a:schemeClr val="dk1"/>
-                  </a:solidFill>
-                  <a:latin typeface="Calibri"/>
-                  <a:ea typeface="Calibri"/>
-                  <a:cs typeface="Calibri"/>
-                  <a:sym typeface="Calibri"/>
-                </a:endParaRPr>
-              </a:p>
-            </p:txBody>
-          </p:sp>
-        </p:grpSp>
-        <p:grpSp>
-          <p:nvGrpSpPr>
-            <p:cNvPr id="872" name="Google Shape;872;p20"/>
-            <p:cNvGrpSpPr/>
-            <p:nvPr/>
-          </p:nvGrpSpPr>
-          <p:grpSpPr>
-            <a:xfrm rot="-13330">
-              <a:off x="2514030" y="2969157"/>
-              <a:ext cx="3805887" cy="8513792"/>
-              <a:chOff x="0" y="0"/>
-              <a:chExt cx="660400" cy="1477319"/>
-            </a:xfrm>
-          </p:grpSpPr>
-          <p:sp>
-            <p:nvSpPr>
-              <p:cNvPr id="873" name="Google Shape;873;p20"/>
-              <p:cNvSpPr/>
-              <p:nvPr/>
-            </p:nvSpPr>
-            <p:spPr>
-              <a:xfrm>
-                <a:off x="0" y="0"/>
-                <a:ext cx="660400" cy="1477319"/>
-              </a:xfrm>
-              <a:custGeom>
-                <a:avLst/>
-                <a:gdLst/>
-                <a:ahLst/>
-                <a:cxnLst/>
-                <a:rect l="l" t="t" r="r" b="b"/>
-                <a:pathLst>
-                  <a:path w="660400" h="1477319" extrusionOk="0">
-                    <a:moveTo>
-                      <a:pt x="220252" y="1458250"/>
-                    </a:moveTo>
-                    <a:cubicBezTo>
-                      <a:pt x="254109" y="1469763"/>
-                      <a:pt x="292600" y="1477319"/>
-                      <a:pt x="330378" y="1477319"/>
-                    </a:cubicBezTo>
-                    <a:cubicBezTo>
-                      <a:pt x="368157" y="1477319"/>
-                      <a:pt x="404509" y="1470842"/>
-                      <a:pt x="438009" y="1459328"/>
-                    </a:cubicBezTo>
-                    <a:cubicBezTo>
-                      <a:pt x="438723" y="1458968"/>
-                      <a:pt x="439435" y="1458968"/>
-                      <a:pt x="440148" y="1458609"/>
-                    </a:cubicBezTo>
-                    <a:cubicBezTo>
-                      <a:pt x="565955" y="1412554"/>
-                      <a:pt x="658618" y="1290940"/>
-                      <a:pt x="660400" y="1134056"/>
-                    </a:cubicBezTo>
-                    <a:lnTo>
-                      <a:pt x="660400" y="0"/>
-                    </a:lnTo>
-                    <a:lnTo>
-                      <a:pt x="0" y="0"/>
-                    </a:lnTo>
-                    <a:lnTo>
-                      <a:pt x="0" y="1133214"/>
-                    </a:lnTo>
-                    <a:cubicBezTo>
-                      <a:pt x="1782" y="1291659"/>
-                      <a:pt x="93019" y="1413274"/>
-                      <a:pt x="220252" y="1458250"/>
-                    </a:cubicBezTo>
-                    <a:close/>
-                  </a:path>
-                </a:pathLst>
-              </a:custGeom>
-              <a:solidFill>
-                <a:srgbClr val="000000">
-                  <a:alpha val="0"/>
-                </a:srgbClr>
-              </a:solidFill>
-              <a:ln w="57150" cap="flat" cmpd="sng">
-                <a:solidFill>
-                  <a:srgbClr val="FFFFFF"/>
-                </a:solidFill>
-                <a:prstDash val="solid"/>
-                <a:round/>
-                <a:headEnd type="none" w="sm" len="sm"/>
-                <a:tailEnd type="none" w="sm" len="sm"/>
-              </a:ln>
-            </p:spPr>
-            <p:txBody>
-              <a:bodyPr spcFirstLastPara="1" wrap="square" lIns="91425" tIns="91425" rIns="91425" bIns="91425" anchor="ctr" anchorCtr="0">
-                <a:noAutofit/>
-              </a:bodyPr>
-              <a:lstStyle/>
-              <a:p>
-                <a:pPr marL="0" lvl="0" indent="0" algn="l" rtl="0">
-                  <a:spcBef>
-                    <a:spcPts val="0"/>
-                  </a:spcBef>
-                  <a:spcAft>
-                    <a:spcPts val="0"/>
-                  </a:spcAft>
-                  <a:buNone/>
-                </a:pPr>
-                <a:endParaRPr/>
-              </a:p>
-            </p:txBody>
-          </p:sp>
-          <p:sp>
-            <p:nvSpPr>
-              <p:cNvPr id="874" name="Google Shape;874;p20"/>
-              <p:cNvSpPr txBox="1"/>
-              <p:nvPr/>
-            </p:nvSpPr>
-            <p:spPr>
-              <a:xfrm>
-                <a:off x="0" y="0"/>
-                <a:ext cx="660400" cy="685800"/>
-              </a:xfrm>
-              <a:prstGeom prst="rect">
-                <a:avLst/>
-              </a:prstGeom>
-              <a:noFill/>
-              <a:ln>
-                <a:noFill/>
-              </a:ln>
-            </p:spPr>
-            <p:txBody>
-              <a:bodyPr spcFirstLastPara="1" wrap="square" lIns="95725" tIns="95725" rIns="95725" bIns="95725" anchor="ctr" anchorCtr="0">
-                <a:noAutofit/>
-              </a:bodyPr>
-              <a:lstStyle/>
-              <a:p>
-                <a:pPr marL="0" marR="0" lvl="0" indent="0" algn="ctr" rtl="0">
-                  <a:lnSpc>
-                    <a:spcPct val="183055"/>
-                  </a:lnSpc>
-                  <a:spcBef>
-                    <a:spcPts val="0"/>
-                  </a:spcBef>
-                  <a:spcAft>
-                    <a:spcPts val="0"/>
-                  </a:spcAft>
-                  <a:buNone/>
-                </a:pPr>
-                <a:endParaRPr sz="1800" b="0" i="0" u="none" strike="noStrike" cap="none">
-                  <a:solidFill>
-                    <a:schemeClr val="dk1"/>
-                  </a:solidFill>
-                  <a:latin typeface="Calibri"/>
-                  <a:ea typeface="Calibri"/>
-                  <a:cs typeface="Calibri"/>
-                  <a:sym typeface="Calibri"/>
-                </a:endParaRPr>
-              </a:p>
-            </p:txBody>
-          </p:sp>
-        </p:grpSp>
-        <p:grpSp>
-          <p:nvGrpSpPr>
-            <p:cNvPr id="875" name="Google Shape;875;p20"/>
-            <p:cNvGrpSpPr/>
-            <p:nvPr/>
-          </p:nvGrpSpPr>
-          <p:grpSpPr>
-            <a:xfrm rot="-13330">
-              <a:off x="2995591" y="3536797"/>
-              <a:ext cx="2842534" cy="7318907"/>
-              <a:chOff x="0" y="0"/>
-              <a:chExt cx="660400" cy="1700386"/>
-            </a:xfrm>
-          </p:grpSpPr>
-          <p:sp>
-            <p:nvSpPr>
-              <p:cNvPr id="876" name="Google Shape;876;p20"/>
-              <p:cNvSpPr/>
-              <p:nvPr/>
-            </p:nvSpPr>
-            <p:spPr>
-              <a:xfrm>
-                <a:off x="0" y="0"/>
-                <a:ext cx="660400" cy="1700386"/>
-              </a:xfrm>
-              <a:custGeom>
-                <a:avLst/>
-                <a:gdLst/>
-                <a:ahLst/>
-                <a:cxnLst/>
-                <a:rect l="l" t="t" r="r" b="b"/>
-                <a:pathLst>
-                  <a:path w="660400" h="1700386" extrusionOk="0">
-                    <a:moveTo>
-                      <a:pt x="220252" y="1681317"/>
-                    </a:moveTo>
-                    <a:cubicBezTo>
-                      <a:pt x="254109" y="1692831"/>
-                      <a:pt x="292600" y="1700386"/>
-                      <a:pt x="330378" y="1700386"/>
-                    </a:cubicBezTo>
-                    <a:cubicBezTo>
-                      <a:pt x="368157" y="1700386"/>
-                      <a:pt x="404509" y="1693909"/>
-                      <a:pt x="438009" y="1682396"/>
-                    </a:cubicBezTo>
-                    <a:cubicBezTo>
-                      <a:pt x="438723" y="1682036"/>
-                      <a:pt x="439435" y="1682036"/>
-                      <a:pt x="440148" y="1681677"/>
-                    </a:cubicBezTo>
-                    <a:cubicBezTo>
-                      <a:pt x="565955" y="1635621"/>
-                      <a:pt x="658618" y="1514007"/>
-                      <a:pt x="660400" y="1352169"/>
-                    </a:cubicBezTo>
-                    <a:lnTo>
-                      <a:pt x="660400" y="0"/>
-                    </a:lnTo>
-                    <a:lnTo>
-                      <a:pt x="0" y="0"/>
-                    </a:lnTo>
-                    <a:lnTo>
-                      <a:pt x="0" y="1351165"/>
-                    </a:lnTo>
-                    <a:cubicBezTo>
-                      <a:pt x="1782" y="1514726"/>
-                      <a:pt x="93019" y="1636342"/>
-                      <a:pt x="220252" y="1681317"/>
-                    </a:cubicBezTo>
-                    <a:close/>
-                  </a:path>
-                </a:pathLst>
-              </a:custGeom>
-              <a:solidFill>
-                <a:srgbClr val="000000">
-                  <a:alpha val="0"/>
-                </a:srgbClr>
-              </a:solidFill>
-              <a:ln w="57150" cap="flat" cmpd="sng">
-                <a:solidFill>
-                  <a:srgbClr val="FFFFFF"/>
-                </a:solidFill>
-                <a:prstDash val="solid"/>
-                <a:round/>
-                <a:headEnd type="none" w="sm" len="sm"/>
-                <a:tailEnd type="none" w="sm" len="sm"/>
-              </a:ln>
-            </p:spPr>
-            <p:txBody>
-              <a:bodyPr spcFirstLastPara="1" wrap="square" lIns="91425" tIns="91425" rIns="91425" bIns="91425" anchor="ctr" anchorCtr="0">
-                <a:noAutofit/>
-              </a:bodyPr>
-              <a:lstStyle/>
-              <a:p>
-                <a:pPr marL="0" lvl="0" indent="0" algn="l" rtl="0">
-                  <a:spcBef>
-                    <a:spcPts val="0"/>
-                  </a:spcBef>
-                  <a:spcAft>
-                    <a:spcPts val="0"/>
-                  </a:spcAft>
-                  <a:buNone/>
-                </a:pPr>
-                <a:endParaRPr/>
-              </a:p>
-            </p:txBody>
-          </p:sp>
-          <p:sp>
-            <p:nvSpPr>
-              <p:cNvPr id="877" name="Google Shape;877;p20"/>
-              <p:cNvSpPr txBox="1"/>
-              <p:nvPr/>
-            </p:nvSpPr>
-            <p:spPr>
-              <a:xfrm>
-                <a:off x="0" y="0"/>
-                <a:ext cx="660400" cy="685800"/>
-              </a:xfrm>
-              <a:prstGeom prst="rect">
-                <a:avLst/>
-              </a:prstGeom>
-              <a:noFill/>
-              <a:ln>
-                <a:noFill/>
-              </a:ln>
-            </p:spPr>
-            <p:txBody>
-              <a:bodyPr spcFirstLastPara="1" wrap="square" lIns="95725" tIns="95725" rIns="95725" bIns="95725" anchor="ctr" anchorCtr="0">
-                <a:noAutofit/>
-              </a:bodyPr>
-              <a:lstStyle/>
-              <a:p>
-                <a:pPr marL="0" marR="0" lvl="0" indent="0" algn="ctr" rtl="0">
-                  <a:lnSpc>
-                    <a:spcPct val="183055"/>
-                  </a:lnSpc>
-                  <a:spcBef>
-                    <a:spcPts val="0"/>
-                  </a:spcBef>
-                  <a:spcAft>
-                    <a:spcPts val="0"/>
-                  </a:spcAft>
-                  <a:buNone/>
-                </a:pPr>
-                <a:endParaRPr sz="1800" b="0" i="0" u="none" strike="noStrike" cap="none">
-                  <a:solidFill>
-                    <a:schemeClr val="dk1"/>
-                  </a:solidFill>
-                  <a:latin typeface="Calibri"/>
-                  <a:ea typeface="Calibri"/>
-                  <a:cs typeface="Calibri"/>
-                  <a:sym typeface="Calibri"/>
-                </a:endParaRPr>
-              </a:p>
-            </p:txBody>
-          </p:sp>
-        </p:grpSp>
-      </p:grpSp>
-      <p:grpSp>
-        <p:nvGrpSpPr>
-          <p:cNvPr id="878" name="Google Shape;878;p20"/>
-          <p:cNvGrpSpPr/>
-          <p:nvPr/>
-        </p:nvGrpSpPr>
-        <p:grpSpPr>
-          <a:xfrm>
-            <a:off x="-3263509" y="6649625"/>
-            <a:ext cx="6527018" cy="10619055"/>
-            <a:chOff x="0" y="0"/>
-            <a:chExt cx="8702690" cy="14158740"/>
-          </a:xfrm>
-        </p:grpSpPr>
-        <p:grpSp>
-          <p:nvGrpSpPr>
-            <p:cNvPr id="879" name="Google Shape;879;p20"/>
-            <p:cNvGrpSpPr/>
-            <p:nvPr/>
-          </p:nvGrpSpPr>
-          <p:grpSpPr>
-            <a:xfrm rot="10800000">
-              <a:off x="0" y="0"/>
-              <a:ext cx="8702690" cy="14158740"/>
-              <a:chOff x="0" y="0"/>
-              <a:chExt cx="660400" cy="1074430"/>
-            </a:xfrm>
-          </p:grpSpPr>
-          <p:sp>
-            <p:nvSpPr>
-              <p:cNvPr id="880" name="Google Shape;880;p20"/>
-              <p:cNvSpPr/>
-              <p:nvPr/>
-            </p:nvSpPr>
-            <p:spPr>
-              <a:xfrm>
-                <a:off x="0" y="0"/>
-                <a:ext cx="660400" cy="1074430"/>
-              </a:xfrm>
-              <a:custGeom>
-                <a:avLst/>
-                <a:gdLst/>
-                <a:ahLst/>
-                <a:cxnLst/>
-                <a:rect l="l" t="t" r="r" b="b"/>
-                <a:pathLst>
-                  <a:path w="660400" h="1074430" extrusionOk="0">
-                    <a:moveTo>
-                      <a:pt x="220252" y="1055361"/>
-                    </a:moveTo>
-                    <a:cubicBezTo>
-                      <a:pt x="254109" y="1066875"/>
-                      <a:pt x="292600" y="1074430"/>
-                      <a:pt x="330378" y="1074430"/>
-                    </a:cubicBezTo>
-                    <a:cubicBezTo>
-                      <a:pt x="368157" y="1074430"/>
-                      <a:pt x="404509" y="1067953"/>
-                      <a:pt x="438009" y="1056439"/>
-                    </a:cubicBezTo>
-                    <a:cubicBezTo>
-                      <a:pt x="438723" y="1056080"/>
-                      <a:pt x="439435" y="1056080"/>
-                      <a:pt x="440148" y="1055720"/>
-                    </a:cubicBezTo>
-                    <a:cubicBezTo>
-                      <a:pt x="565955" y="1009665"/>
-                      <a:pt x="658618" y="888051"/>
-                      <a:pt x="660400" y="740117"/>
-                    </a:cubicBezTo>
-                    <a:lnTo>
-                      <a:pt x="660400" y="0"/>
-                    </a:lnTo>
-                    <a:lnTo>
-                      <a:pt x="0" y="0"/>
-                    </a:lnTo>
-                    <a:lnTo>
-                      <a:pt x="0" y="739567"/>
-                    </a:lnTo>
-                    <a:cubicBezTo>
-                      <a:pt x="1782" y="888770"/>
-                      <a:pt x="93019" y="1010385"/>
-                      <a:pt x="220252" y="1055361"/>
-                    </a:cubicBezTo>
-                    <a:close/>
-                  </a:path>
-                </a:pathLst>
-              </a:custGeom>
-              <a:solidFill>
-                <a:srgbClr val="000000">
-                  <a:alpha val="0"/>
-                </a:srgbClr>
-              </a:solidFill>
-              <a:ln w="57150" cap="flat" cmpd="sng">
-                <a:solidFill>
-                  <a:srgbClr val="FFFFFF"/>
-                </a:solidFill>
-                <a:prstDash val="solid"/>
-                <a:round/>
-                <a:headEnd type="none" w="sm" len="sm"/>
-                <a:tailEnd type="none" w="sm" len="sm"/>
-              </a:ln>
-            </p:spPr>
-            <p:txBody>
-              <a:bodyPr spcFirstLastPara="1" wrap="square" lIns="91425" tIns="91425" rIns="91425" bIns="91425" anchor="ctr" anchorCtr="0">
-                <a:noAutofit/>
-              </a:bodyPr>
-              <a:lstStyle/>
-              <a:p>
-                <a:pPr marL="0" lvl="0" indent="0" algn="l" rtl="0">
-                  <a:spcBef>
-                    <a:spcPts val="0"/>
-                  </a:spcBef>
-                  <a:spcAft>
-                    <a:spcPts val="0"/>
-                  </a:spcAft>
-                  <a:buNone/>
-                </a:pPr>
-                <a:endParaRPr/>
-              </a:p>
-            </p:txBody>
-          </p:sp>
-          <p:sp>
-            <p:nvSpPr>
-              <p:cNvPr id="881" name="Google Shape;881;p20"/>
-              <p:cNvSpPr txBox="1"/>
-              <p:nvPr/>
-            </p:nvSpPr>
-            <p:spPr>
-              <a:xfrm>
-                <a:off x="0" y="0"/>
-                <a:ext cx="660400" cy="685800"/>
-              </a:xfrm>
-              <a:prstGeom prst="rect">
-                <a:avLst/>
-              </a:prstGeom>
-              <a:noFill/>
-              <a:ln>
-                <a:noFill/>
-              </a:ln>
-            </p:spPr>
-            <p:txBody>
-              <a:bodyPr spcFirstLastPara="1" wrap="square" lIns="50800" tIns="50800" rIns="50800" bIns="50800" anchor="ctr" anchorCtr="0">
-                <a:noAutofit/>
-              </a:bodyPr>
-              <a:lstStyle/>
-              <a:p>
-                <a:pPr marL="0" marR="0" lvl="0" indent="0" algn="ctr" rtl="0">
-                  <a:lnSpc>
-                    <a:spcPct val="183055"/>
-                  </a:lnSpc>
-                  <a:spcBef>
-                    <a:spcPts val="0"/>
-                  </a:spcBef>
-                  <a:spcAft>
-                    <a:spcPts val="0"/>
-                  </a:spcAft>
-                  <a:buNone/>
-                </a:pPr>
-                <a:endParaRPr sz="1800" b="0" i="0" u="none" strike="noStrike" cap="none">
-                  <a:solidFill>
-                    <a:schemeClr val="dk1"/>
-                  </a:solidFill>
-                  <a:latin typeface="Calibri"/>
-                  <a:ea typeface="Calibri"/>
-                  <a:cs typeface="Calibri"/>
-                  <a:sym typeface="Calibri"/>
-                </a:endParaRPr>
-              </a:p>
-            </p:txBody>
-          </p:sp>
-        </p:grpSp>
-        <p:grpSp>
-          <p:nvGrpSpPr>
-            <p:cNvPr id="882" name="Google Shape;882;p20"/>
-            <p:cNvGrpSpPr/>
-            <p:nvPr/>
-          </p:nvGrpSpPr>
-          <p:grpSpPr>
-            <a:xfrm rot="10800000">
-              <a:off x="582580" y="585023"/>
-              <a:ext cx="7537530" cy="12832230"/>
-              <a:chOff x="0" y="0"/>
-              <a:chExt cx="660400" cy="1124295"/>
-            </a:xfrm>
-          </p:grpSpPr>
-          <p:sp>
-            <p:nvSpPr>
-              <p:cNvPr id="883" name="Google Shape;883;p20"/>
-              <p:cNvSpPr/>
-              <p:nvPr/>
-            </p:nvSpPr>
-            <p:spPr>
-              <a:xfrm>
-                <a:off x="0" y="0"/>
-                <a:ext cx="660400" cy="1124295"/>
-              </a:xfrm>
-              <a:custGeom>
-                <a:avLst/>
-                <a:gdLst/>
-                <a:ahLst/>
-                <a:cxnLst/>
-                <a:rect l="l" t="t" r="r" b="b"/>
-                <a:pathLst>
-                  <a:path w="660400" h="1124295" extrusionOk="0">
-                    <a:moveTo>
-                      <a:pt x="220252" y="1105226"/>
-                    </a:moveTo>
-                    <a:cubicBezTo>
-                      <a:pt x="254109" y="1116739"/>
-                      <a:pt x="292600" y="1124295"/>
-                      <a:pt x="330378" y="1124295"/>
-                    </a:cubicBezTo>
-                    <a:cubicBezTo>
-                      <a:pt x="368157" y="1124295"/>
-                      <a:pt x="404509" y="1117818"/>
-                      <a:pt x="438009" y="1106304"/>
-                    </a:cubicBezTo>
-                    <a:cubicBezTo>
-                      <a:pt x="438723" y="1105945"/>
-                      <a:pt x="439435" y="1105945"/>
-                      <a:pt x="440148" y="1105585"/>
-                    </a:cubicBezTo>
-                    <a:cubicBezTo>
-                      <a:pt x="565955" y="1059530"/>
-                      <a:pt x="658618" y="937916"/>
-                      <a:pt x="660400" y="788874"/>
-                    </a:cubicBezTo>
-                    <a:lnTo>
-                      <a:pt x="660400" y="0"/>
-                    </a:lnTo>
-                    <a:lnTo>
-                      <a:pt x="0" y="0"/>
-                    </a:lnTo>
-                    <a:lnTo>
-                      <a:pt x="0" y="788288"/>
-                    </a:lnTo>
-                    <a:cubicBezTo>
-                      <a:pt x="1782" y="938635"/>
-                      <a:pt x="93019" y="1060250"/>
-                      <a:pt x="220252" y="1105226"/>
-                    </a:cubicBezTo>
-                    <a:close/>
-                  </a:path>
-                </a:pathLst>
-              </a:custGeom>
-              <a:solidFill>
-                <a:srgbClr val="000000">
-                  <a:alpha val="0"/>
-                </a:srgbClr>
-              </a:solidFill>
-              <a:ln w="57150" cap="flat" cmpd="sng">
-                <a:solidFill>
-                  <a:srgbClr val="FFFFFF"/>
-                </a:solidFill>
-                <a:prstDash val="solid"/>
-                <a:round/>
-                <a:headEnd type="none" w="sm" len="sm"/>
-                <a:tailEnd type="none" w="sm" len="sm"/>
-              </a:ln>
-            </p:spPr>
-            <p:txBody>
-              <a:bodyPr spcFirstLastPara="1" wrap="square" lIns="91425" tIns="91425" rIns="91425" bIns="91425" anchor="ctr" anchorCtr="0">
-                <a:noAutofit/>
-              </a:bodyPr>
-              <a:lstStyle/>
-              <a:p>
-                <a:pPr marL="0" lvl="0" indent="0" algn="l" rtl="0">
-                  <a:spcBef>
-                    <a:spcPts val="0"/>
-                  </a:spcBef>
-                  <a:spcAft>
-                    <a:spcPts val="0"/>
-                  </a:spcAft>
-                  <a:buNone/>
-                </a:pPr>
-                <a:endParaRPr/>
-              </a:p>
-            </p:txBody>
-          </p:sp>
-          <p:sp>
-            <p:nvSpPr>
-              <p:cNvPr id="884" name="Google Shape;884;p20"/>
-              <p:cNvSpPr txBox="1"/>
-              <p:nvPr/>
-            </p:nvSpPr>
-            <p:spPr>
-              <a:xfrm>
-                <a:off x="0" y="0"/>
-                <a:ext cx="660400" cy="685800"/>
-              </a:xfrm>
-              <a:prstGeom prst="rect">
-                <a:avLst/>
-              </a:prstGeom>
-              <a:noFill/>
-              <a:ln>
-                <a:noFill/>
-              </a:ln>
-            </p:spPr>
-            <p:txBody>
-              <a:bodyPr spcFirstLastPara="1" wrap="square" lIns="50800" tIns="50800" rIns="50800" bIns="50800" anchor="ctr" anchorCtr="0">
-                <a:noAutofit/>
-              </a:bodyPr>
-              <a:lstStyle/>
-              <a:p>
-                <a:pPr marL="0" marR="0" lvl="0" indent="0" algn="ctr" rtl="0">
-                  <a:lnSpc>
-                    <a:spcPct val="183055"/>
-                  </a:lnSpc>
-                  <a:spcBef>
-                    <a:spcPts val="0"/>
-                  </a:spcBef>
-                  <a:spcAft>
-                    <a:spcPts val="0"/>
-                  </a:spcAft>
-                  <a:buNone/>
-                </a:pPr>
-                <a:endParaRPr sz="1800" b="0" i="0" u="none" strike="noStrike" cap="none">
-                  <a:solidFill>
-                    <a:schemeClr val="dk1"/>
-                  </a:solidFill>
-                  <a:latin typeface="Calibri"/>
-                  <a:ea typeface="Calibri"/>
-                  <a:cs typeface="Calibri"/>
-                  <a:sym typeface="Calibri"/>
-                </a:endParaRPr>
-              </a:p>
-            </p:txBody>
-          </p:sp>
-        </p:grpSp>
-        <p:grpSp>
-          <p:nvGrpSpPr>
-            <p:cNvPr id="885" name="Google Shape;885;p20"/>
-            <p:cNvGrpSpPr/>
-            <p:nvPr/>
-          </p:nvGrpSpPr>
-          <p:grpSpPr>
-            <a:xfrm rot="10800000">
-              <a:off x="1233019" y="1309578"/>
-              <a:ext cx="6236652" cy="11291604"/>
-              <a:chOff x="0" y="0"/>
-              <a:chExt cx="660400" cy="1195670"/>
-            </a:xfrm>
-          </p:grpSpPr>
-          <p:sp>
-            <p:nvSpPr>
-              <p:cNvPr id="886" name="Google Shape;886;p20"/>
-              <p:cNvSpPr/>
-              <p:nvPr/>
-            </p:nvSpPr>
-            <p:spPr>
-              <a:xfrm>
-                <a:off x="0" y="0"/>
-                <a:ext cx="660400" cy="1195670"/>
-              </a:xfrm>
-              <a:custGeom>
-                <a:avLst/>
-                <a:gdLst/>
-                <a:ahLst/>
-                <a:cxnLst/>
-                <a:rect l="l" t="t" r="r" b="b"/>
-                <a:pathLst>
-                  <a:path w="660400" h="1195670" extrusionOk="0">
-                    <a:moveTo>
-                      <a:pt x="220252" y="1176601"/>
-                    </a:moveTo>
-                    <a:cubicBezTo>
-                      <a:pt x="254109" y="1188114"/>
-                      <a:pt x="292600" y="1195670"/>
-                      <a:pt x="330378" y="1195670"/>
-                    </a:cubicBezTo>
-                    <a:cubicBezTo>
-                      <a:pt x="368157" y="1195670"/>
-                      <a:pt x="404509" y="1189193"/>
-                      <a:pt x="438009" y="1177679"/>
-                    </a:cubicBezTo>
-                    <a:cubicBezTo>
-                      <a:pt x="438723" y="1177320"/>
-                      <a:pt x="439435" y="1177320"/>
-                      <a:pt x="440148" y="1176960"/>
-                    </a:cubicBezTo>
-                    <a:cubicBezTo>
-                      <a:pt x="565955" y="1130905"/>
-                      <a:pt x="658618" y="1009291"/>
-                      <a:pt x="660400" y="858663"/>
-                    </a:cubicBezTo>
-                    <a:lnTo>
-                      <a:pt x="660400" y="0"/>
-                    </a:lnTo>
-                    <a:lnTo>
-                      <a:pt x="0" y="0"/>
-                    </a:lnTo>
-                    <a:lnTo>
-                      <a:pt x="0" y="858026"/>
-                    </a:lnTo>
-                    <a:cubicBezTo>
-                      <a:pt x="1782" y="1010010"/>
-                      <a:pt x="93019" y="1131625"/>
-                      <a:pt x="220252" y="1176601"/>
-                    </a:cubicBezTo>
-                    <a:close/>
-                  </a:path>
-                </a:pathLst>
-              </a:custGeom>
-              <a:solidFill>
-                <a:srgbClr val="000000">
-                  <a:alpha val="0"/>
-                </a:srgbClr>
-              </a:solidFill>
-              <a:ln w="57150" cap="flat" cmpd="sng">
-                <a:solidFill>
-                  <a:srgbClr val="FFFFFF"/>
-                </a:solidFill>
-                <a:prstDash val="solid"/>
-                <a:round/>
-                <a:headEnd type="none" w="sm" len="sm"/>
-                <a:tailEnd type="none" w="sm" len="sm"/>
-              </a:ln>
-            </p:spPr>
-            <p:txBody>
-              <a:bodyPr spcFirstLastPara="1" wrap="square" lIns="91425" tIns="91425" rIns="91425" bIns="91425" anchor="ctr" anchorCtr="0">
-                <a:noAutofit/>
-              </a:bodyPr>
-              <a:lstStyle/>
-              <a:p>
-                <a:pPr marL="0" lvl="0" indent="0" algn="l" rtl="0">
-                  <a:spcBef>
-                    <a:spcPts val="0"/>
-                  </a:spcBef>
-                  <a:spcAft>
-                    <a:spcPts val="0"/>
-                  </a:spcAft>
-                  <a:buNone/>
-                </a:pPr>
-                <a:endParaRPr/>
-              </a:p>
-            </p:txBody>
-          </p:sp>
-          <p:sp>
-            <p:nvSpPr>
-              <p:cNvPr id="887" name="Google Shape;887;p20"/>
-              <p:cNvSpPr txBox="1"/>
-              <p:nvPr/>
-            </p:nvSpPr>
-            <p:spPr>
-              <a:xfrm>
-                <a:off x="0" y="0"/>
-                <a:ext cx="660400" cy="685800"/>
-              </a:xfrm>
-              <a:prstGeom prst="rect">
-                <a:avLst/>
-              </a:prstGeom>
-              <a:noFill/>
-              <a:ln>
-                <a:noFill/>
-              </a:ln>
-            </p:spPr>
-            <p:txBody>
-              <a:bodyPr spcFirstLastPara="1" wrap="square" lIns="50800" tIns="50800" rIns="50800" bIns="50800" anchor="ctr" anchorCtr="0">
-                <a:noAutofit/>
-              </a:bodyPr>
-              <a:lstStyle/>
-              <a:p>
-                <a:pPr marL="0" marR="0" lvl="0" indent="0" algn="ctr" rtl="0">
-                  <a:lnSpc>
-                    <a:spcPct val="183055"/>
-                  </a:lnSpc>
-                  <a:spcBef>
-                    <a:spcPts val="0"/>
-                  </a:spcBef>
-                  <a:spcAft>
-                    <a:spcPts val="0"/>
-                  </a:spcAft>
-                  <a:buNone/>
-                </a:pPr>
-                <a:endParaRPr sz="1800" b="0" i="0" u="none" strike="noStrike" cap="none">
-                  <a:solidFill>
-                    <a:schemeClr val="dk1"/>
-                  </a:solidFill>
-                  <a:latin typeface="Calibri"/>
-                  <a:ea typeface="Calibri"/>
-                  <a:cs typeface="Calibri"/>
-                  <a:sym typeface="Calibri"/>
-                </a:endParaRPr>
-              </a:p>
-            </p:txBody>
-          </p:sp>
-        </p:grpSp>
-        <p:grpSp>
-          <p:nvGrpSpPr>
-            <p:cNvPr id="888" name="Google Shape;888;p20"/>
-            <p:cNvGrpSpPr/>
-            <p:nvPr/>
-          </p:nvGrpSpPr>
-          <p:grpSpPr>
-            <a:xfrm rot="10800000">
-              <a:off x="1893421" y="2171615"/>
-              <a:ext cx="4915848" cy="9763559"/>
-              <a:chOff x="0" y="0"/>
-              <a:chExt cx="660400" cy="1311646"/>
-            </a:xfrm>
-          </p:grpSpPr>
-          <p:sp>
-            <p:nvSpPr>
-              <p:cNvPr id="889" name="Google Shape;889;p20"/>
-              <p:cNvSpPr/>
-              <p:nvPr/>
-            </p:nvSpPr>
-            <p:spPr>
-              <a:xfrm>
-                <a:off x="0" y="0"/>
-                <a:ext cx="660400" cy="1311646"/>
-              </a:xfrm>
-              <a:custGeom>
-                <a:avLst/>
-                <a:gdLst/>
-                <a:ahLst/>
-                <a:cxnLst/>
-                <a:rect l="l" t="t" r="r" b="b"/>
-                <a:pathLst>
-                  <a:path w="660400" h="1311646" extrusionOk="0">
-                    <a:moveTo>
-                      <a:pt x="220252" y="1292577"/>
-                    </a:moveTo>
-                    <a:cubicBezTo>
-                      <a:pt x="254109" y="1304091"/>
-                      <a:pt x="292600" y="1311646"/>
-                      <a:pt x="330378" y="1311646"/>
-                    </a:cubicBezTo>
-                    <a:cubicBezTo>
-                      <a:pt x="368157" y="1311646"/>
-                      <a:pt x="404509" y="1305169"/>
-                      <a:pt x="438009" y="1293656"/>
-                    </a:cubicBezTo>
-                    <a:cubicBezTo>
-                      <a:pt x="438723" y="1293296"/>
-                      <a:pt x="439435" y="1293296"/>
-                      <a:pt x="440148" y="1292937"/>
-                    </a:cubicBezTo>
-                    <a:cubicBezTo>
-                      <a:pt x="565955" y="1246881"/>
-                      <a:pt x="658618" y="1125267"/>
-                      <a:pt x="660400" y="972064"/>
-                    </a:cubicBezTo>
-                    <a:lnTo>
-                      <a:pt x="660400" y="0"/>
-                    </a:lnTo>
-                    <a:lnTo>
-                      <a:pt x="0" y="0"/>
-                    </a:lnTo>
-                    <a:lnTo>
-                      <a:pt x="0" y="971342"/>
-                    </a:lnTo>
-                    <a:cubicBezTo>
-                      <a:pt x="1782" y="1125986"/>
-                      <a:pt x="93019" y="1247601"/>
-                      <a:pt x="220252" y="1292577"/>
-                    </a:cubicBezTo>
-                    <a:close/>
-                  </a:path>
-                </a:pathLst>
-              </a:custGeom>
-              <a:solidFill>
-                <a:srgbClr val="000000">
-                  <a:alpha val="0"/>
-                </a:srgbClr>
-              </a:solidFill>
-              <a:ln w="57150" cap="flat" cmpd="sng">
-                <a:solidFill>
-                  <a:srgbClr val="FFFFFF"/>
-                </a:solidFill>
-                <a:prstDash val="solid"/>
-                <a:round/>
-                <a:headEnd type="none" w="sm" len="sm"/>
-                <a:tailEnd type="none" w="sm" len="sm"/>
-              </a:ln>
-            </p:spPr>
-            <p:txBody>
-              <a:bodyPr spcFirstLastPara="1" wrap="square" lIns="91425" tIns="91425" rIns="91425" bIns="91425" anchor="ctr" anchorCtr="0">
-                <a:noAutofit/>
-              </a:bodyPr>
-              <a:lstStyle/>
-              <a:p>
-                <a:pPr marL="0" lvl="0" indent="0" algn="l" rtl="0">
-                  <a:spcBef>
-                    <a:spcPts val="0"/>
-                  </a:spcBef>
-                  <a:spcAft>
-                    <a:spcPts val="0"/>
-                  </a:spcAft>
-                  <a:buNone/>
-                </a:pPr>
-                <a:endParaRPr/>
-              </a:p>
-            </p:txBody>
-          </p:sp>
-          <p:sp>
-            <p:nvSpPr>
-              <p:cNvPr id="890" name="Google Shape;890;p20"/>
-              <p:cNvSpPr txBox="1"/>
-              <p:nvPr/>
-            </p:nvSpPr>
-            <p:spPr>
-              <a:xfrm>
-                <a:off x="0" y="0"/>
-                <a:ext cx="660400" cy="685800"/>
-              </a:xfrm>
-              <a:prstGeom prst="rect">
-                <a:avLst/>
-              </a:prstGeom>
-              <a:noFill/>
-              <a:ln>
-                <a:noFill/>
-              </a:ln>
-            </p:spPr>
-            <p:txBody>
-              <a:bodyPr spcFirstLastPara="1" wrap="square" lIns="50800" tIns="50800" rIns="50800" bIns="50800" anchor="ctr" anchorCtr="0">
-                <a:noAutofit/>
-              </a:bodyPr>
-              <a:lstStyle/>
-              <a:p>
-                <a:pPr marL="0" marR="0" lvl="0" indent="0" algn="ctr" rtl="0">
-                  <a:lnSpc>
-                    <a:spcPct val="183055"/>
-                  </a:lnSpc>
-                  <a:spcBef>
-                    <a:spcPts val="0"/>
-                  </a:spcBef>
-                  <a:spcAft>
-                    <a:spcPts val="0"/>
-                  </a:spcAft>
-                  <a:buNone/>
-                </a:pPr>
-                <a:endParaRPr sz="1800" b="0" i="0" u="none" strike="noStrike" cap="none">
-                  <a:solidFill>
-                    <a:schemeClr val="dk1"/>
-                  </a:solidFill>
-                  <a:latin typeface="Calibri"/>
-                  <a:ea typeface="Calibri"/>
-                  <a:cs typeface="Calibri"/>
-                  <a:sym typeface="Calibri"/>
-                </a:endParaRPr>
-              </a:p>
-            </p:txBody>
-          </p:sp>
-        </p:grpSp>
-        <p:grpSp>
-          <p:nvGrpSpPr>
-            <p:cNvPr id="891" name="Google Shape;891;p20"/>
-            <p:cNvGrpSpPr/>
-            <p:nvPr/>
-          </p:nvGrpSpPr>
-          <p:grpSpPr>
-            <a:xfrm rot="10800000">
-              <a:off x="2448402" y="2794211"/>
-              <a:ext cx="3805887" cy="8513792"/>
-              <a:chOff x="0" y="0"/>
-              <a:chExt cx="660400" cy="1477319"/>
-            </a:xfrm>
-          </p:grpSpPr>
-          <p:sp>
-            <p:nvSpPr>
-              <p:cNvPr id="892" name="Google Shape;892;p20"/>
-              <p:cNvSpPr/>
-              <p:nvPr/>
-            </p:nvSpPr>
-            <p:spPr>
-              <a:xfrm>
-                <a:off x="0" y="0"/>
-                <a:ext cx="660400" cy="1477319"/>
-              </a:xfrm>
-              <a:custGeom>
-                <a:avLst/>
-                <a:gdLst/>
-                <a:ahLst/>
-                <a:cxnLst/>
-                <a:rect l="l" t="t" r="r" b="b"/>
-                <a:pathLst>
-                  <a:path w="660400" h="1477319" extrusionOk="0">
-                    <a:moveTo>
-                      <a:pt x="220252" y="1458250"/>
-                    </a:moveTo>
-                    <a:cubicBezTo>
-                      <a:pt x="254109" y="1469763"/>
-                      <a:pt x="292600" y="1477319"/>
-                      <a:pt x="330378" y="1477319"/>
-                    </a:cubicBezTo>
-                    <a:cubicBezTo>
-                      <a:pt x="368157" y="1477319"/>
-                      <a:pt x="404509" y="1470842"/>
-                      <a:pt x="438009" y="1459328"/>
-                    </a:cubicBezTo>
-                    <a:cubicBezTo>
-                      <a:pt x="438723" y="1458968"/>
-                      <a:pt x="439435" y="1458968"/>
-                      <a:pt x="440148" y="1458609"/>
-                    </a:cubicBezTo>
-                    <a:cubicBezTo>
-                      <a:pt x="565955" y="1412554"/>
-                      <a:pt x="658618" y="1290940"/>
-                      <a:pt x="660400" y="1134056"/>
-                    </a:cubicBezTo>
-                    <a:lnTo>
-                      <a:pt x="660400" y="0"/>
-                    </a:lnTo>
-                    <a:lnTo>
-                      <a:pt x="0" y="0"/>
-                    </a:lnTo>
-                    <a:lnTo>
-                      <a:pt x="0" y="1133214"/>
-                    </a:lnTo>
-                    <a:cubicBezTo>
-                      <a:pt x="1782" y="1291659"/>
-                      <a:pt x="93019" y="1413274"/>
-                      <a:pt x="220252" y="1458250"/>
-                    </a:cubicBezTo>
-                    <a:close/>
-                  </a:path>
-                </a:pathLst>
-              </a:custGeom>
-              <a:solidFill>
-                <a:srgbClr val="000000">
-                  <a:alpha val="0"/>
-                </a:srgbClr>
-              </a:solidFill>
-              <a:ln w="57150" cap="flat" cmpd="sng">
-                <a:solidFill>
-                  <a:srgbClr val="FFFFFF"/>
-                </a:solidFill>
-                <a:prstDash val="solid"/>
-                <a:round/>
-                <a:headEnd type="none" w="sm" len="sm"/>
-                <a:tailEnd type="none" w="sm" len="sm"/>
-              </a:ln>
-            </p:spPr>
-            <p:txBody>
-              <a:bodyPr spcFirstLastPara="1" wrap="square" lIns="91425" tIns="91425" rIns="91425" bIns="91425" anchor="ctr" anchorCtr="0">
-                <a:noAutofit/>
-              </a:bodyPr>
-              <a:lstStyle/>
-              <a:p>
-                <a:pPr marL="0" lvl="0" indent="0" algn="l" rtl="0">
-                  <a:spcBef>
-                    <a:spcPts val="0"/>
-                  </a:spcBef>
-                  <a:spcAft>
-                    <a:spcPts val="0"/>
-                  </a:spcAft>
-                  <a:buNone/>
-                </a:pPr>
-                <a:endParaRPr/>
-              </a:p>
-            </p:txBody>
-          </p:sp>
-          <p:sp>
-            <p:nvSpPr>
-              <p:cNvPr id="893" name="Google Shape;893;p20"/>
-              <p:cNvSpPr txBox="1"/>
-              <p:nvPr/>
-            </p:nvSpPr>
-            <p:spPr>
-              <a:xfrm>
-                <a:off x="0" y="0"/>
-                <a:ext cx="660400" cy="685800"/>
-              </a:xfrm>
-              <a:prstGeom prst="rect">
-                <a:avLst/>
-              </a:prstGeom>
-              <a:noFill/>
-              <a:ln>
-                <a:noFill/>
-              </a:ln>
-            </p:spPr>
-            <p:txBody>
-              <a:bodyPr spcFirstLastPara="1" wrap="square" lIns="50800" tIns="50800" rIns="50800" bIns="50800" anchor="ctr" anchorCtr="0">
-                <a:noAutofit/>
-              </a:bodyPr>
-              <a:lstStyle/>
-              <a:p>
-                <a:pPr marL="0" marR="0" lvl="0" indent="0" algn="ctr" rtl="0">
-                  <a:lnSpc>
-                    <a:spcPct val="183055"/>
-                  </a:lnSpc>
-                  <a:spcBef>
-                    <a:spcPts val="0"/>
-                  </a:spcBef>
-                  <a:spcAft>
-                    <a:spcPts val="0"/>
-                  </a:spcAft>
-                  <a:buNone/>
-                </a:pPr>
-                <a:endParaRPr sz="1800" b="0" i="0" u="none" strike="noStrike" cap="none">
-                  <a:solidFill>
-                    <a:schemeClr val="dk1"/>
-                  </a:solidFill>
-                  <a:latin typeface="Calibri"/>
-                  <a:ea typeface="Calibri"/>
-                  <a:cs typeface="Calibri"/>
-                  <a:sym typeface="Calibri"/>
-                </a:endParaRPr>
-              </a:p>
-            </p:txBody>
-          </p:sp>
-        </p:grpSp>
-        <p:grpSp>
-          <p:nvGrpSpPr>
-            <p:cNvPr id="894" name="Google Shape;894;p20"/>
-            <p:cNvGrpSpPr/>
-            <p:nvPr/>
-          </p:nvGrpSpPr>
-          <p:grpSpPr>
-            <a:xfrm rot="10800000">
-              <a:off x="2930078" y="3421456"/>
-              <a:ext cx="2842534" cy="7318907"/>
-              <a:chOff x="0" y="0"/>
-              <a:chExt cx="660400" cy="1700386"/>
-            </a:xfrm>
-          </p:grpSpPr>
-          <p:sp>
-            <p:nvSpPr>
-              <p:cNvPr id="895" name="Google Shape;895;p20"/>
-              <p:cNvSpPr/>
-              <p:nvPr/>
-            </p:nvSpPr>
-            <p:spPr>
-              <a:xfrm>
-                <a:off x="0" y="0"/>
-                <a:ext cx="660400" cy="1700386"/>
-              </a:xfrm>
-              <a:custGeom>
-                <a:avLst/>
-                <a:gdLst/>
-                <a:ahLst/>
-                <a:cxnLst/>
-                <a:rect l="l" t="t" r="r" b="b"/>
-                <a:pathLst>
-                  <a:path w="660400" h="1700386" extrusionOk="0">
-                    <a:moveTo>
-                      <a:pt x="220252" y="1681317"/>
-                    </a:moveTo>
-                    <a:cubicBezTo>
-                      <a:pt x="254109" y="1692831"/>
-                      <a:pt x="292600" y="1700386"/>
-                      <a:pt x="330378" y="1700386"/>
-                    </a:cubicBezTo>
-                    <a:cubicBezTo>
-                      <a:pt x="368157" y="1700386"/>
-                      <a:pt x="404509" y="1693909"/>
-                      <a:pt x="438009" y="1682396"/>
-                    </a:cubicBezTo>
-                    <a:cubicBezTo>
-                      <a:pt x="438723" y="1682036"/>
-                      <a:pt x="439435" y="1682036"/>
-                      <a:pt x="440148" y="1681677"/>
-                    </a:cubicBezTo>
-                    <a:cubicBezTo>
-                      <a:pt x="565955" y="1635621"/>
-                      <a:pt x="658618" y="1514007"/>
-                      <a:pt x="660400" y="1352169"/>
-                    </a:cubicBezTo>
-                    <a:lnTo>
-                      <a:pt x="660400" y="0"/>
-                    </a:lnTo>
-                    <a:lnTo>
-                      <a:pt x="0" y="0"/>
-                    </a:lnTo>
-                    <a:lnTo>
-                      <a:pt x="0" y="1351165"/>
-                    </a:lnTo>
-                    <a:cubicBezTo>
-                      <a:pt x="1782" y="1514726"/>
-                      <a:pt x="93019" y="1636342"/>
-                      <a:pt x="220252" y="1681317"/>
-                    </a:cubicBezTo>
-                    <a:close/>
-                  </a:path>
-                </a:pathLst>
-              </a:custGeom>
-              <a:solidFill>
-                <a:srgbClr val="000000">
-                  <a:alpha val="0"/>
-                </a:srgbClr>
-              </a:solidFill>
-              <a:ln w="57150" cap="flat" cmpd="sng">
-                <a:solidFill>
-                  <a:srgbClr val="FFFFFF"/>
-                </a:solidFill>
-                <a:prstDash val="solid"/>
-                <a:round/>
-                <a:headEnd type="none" w="sm" len="sm"/>
-                <a:tailEnd type="none" w="sm" len="sm"/>
-              </a:ln>
-            </p:spPr>
-            <p:txBody>
-              <a:bodyPr spcFirstLastPara="1" wrap="square" lIns="91425" tIns="91425" rIns="91425" bIns="91425" anchor="ctr" anchorCtr="0">
-                <a:noAutofit/>
-              </a:bodyPr>
-              <a:lstStyle/>
-              <a:p>
-                <a:pPr marL="0" lvl="0" indent="0" algn="l" rtl="0">
-                  <a:spcBef>
-                    <a:spcPts val="0"/>
-                  </a:spcBef>
-                  <a:spcAft>
-                    <a:spcPts val="0"/>
-                  </a:spcAft>
-                  <a:buNone/>
-                </a:pPr>
-                <a:endParaRPr/>
-              </a:p>
-            </p:txBody>
-          </p:sp>
-          <p:sp>
-            <p:nvSpPr>
-              <p:cNvPr id="896" name="Google Shape;896;p20"/>
-              <p:cNvSpPr txBox="1"/>
-              <p:nvPr/>
-            </p:nvSpPr>
-            <p:spPr>
-              <a:xfrm>
-                <a:off x="0" y="0"/>
-                <a:ext cx="660400" cy="685800"/>
-              </a:xfrm>
-              <a:prstGeom prst="rect">
-                <a:avLst/>
-              </a:prstGeom>
-              <a:noFill/>
-              <a:ln>
-                <a:noFill/>
-              </a:ln>
-            </p:spPr>
-            <p:txBody>
-              <a:bodyPr spcFirstLastPara="1" wrap="square" lIns="50800" tIns="50800" rIns="50800" bIns="50800" anchor="ctr" anchorCtr="0">
-                <a:noAutofit/>
-              </a:bodyPr>
-              <a:lstStyle/>
-              <a:p>
-                <a:pPr marL="0" marR="0" lvl="0" indent="0" algn="ctr" rtl="0">
-                  <a:lnSpc>
-                    <a:spcPct val="183055"/>
-                  </a:lnSpc>
-                  <a:spcBef>
-                    <a:spcPts val="0"/>
-                  </a:spcBef>
-                  <a:spcAft>
-                    <a:spcPts val="0"/>
-                  </a:spcAft>
-                  <a:buNone/>
-                </a:pPr>
-                <a:endParaRPr sz="1800" b="0" i="0" u="none" strike="noStrike" cap="none">
-                  <a:solidFill>
-                    <a:schemeClr val="dk1"/>
-                  </a:solidFill>
-                  <a:latin typeface="Calibri"/>
-                  <a:ea typeface="Calibri"/>
-                  <a:cs typeface="Calibri"/>
-                  <a:sym typeface="Calibri"/>
-                </a:endParaRPr>
-              </a:p>
-            </p:txBody>
-          </p:sp>
-        </p:grpSp>
-      </p:grpSp>
-      <p:grpSp>
-        <p:nvGrpSpPr>
-          <p:cNvPr id="897" name="Google Shape;897;p20"/>
-          <p:cNvGrpSpPr/>
-          <p:nvPr/>
-        </p:nvGrpSpPr>
-        <p:grpSpPr>
-          <a:xfrm>
-            <a:off x="1028700" y="1028700"/>
-            <a:ext cx="16230600" cy="8229600"/>
-            <a:chOff x="0" y="0"/>
-            <a:chExt cx="4274726" cy="2167467"/>
-          </a:xfrm>
-        </p:grpSpPr>
-        <p:sp>
-          <p:nvSpPr>
-            <p:cNvPr id="898" name="Google Shape;898;p20"/>
-            <p:cNvSpPr/>
-            <p:nvPr/>
-          </p:nvSpPr>
-          <p:spPr>
-            <a:xfrm>
-              <a:off x="0" y="0"/>
-              <a:ext cx="4274726" cy="2167467"/>
-            </a:xfrm>
-            <a:custGeom>
-              <a:avLst/>
-              <a:gdLst/>
-              <a:ahLst/>
-              <a:cxnLst/>
-              <a:rect l="l" t="t" r="r" b="b"/>
-              <a:pathLst>
-                <a:path w="4274726" h="2167467" extrusionOk="0">
-                  <a:moveTo>
-                    <a:pt x="0" y="0"/>
-                  </a:moveTo>
-                  <a:lnTo>
-                    <a:pt x="4274726" y="0"/>
-                  </a:lnTo>
-                  <a:lnTo>
-                    <a:pt x="4274726" y="2167467"/>
-                  </a:lnTo>
-                  <a:lnTo>
-                    <a:pt x="0" y="2167467"/>
-                  </a:lnTo>
-                  <a:close/>
-                </a:path>
-              </a:pathLst>
-            </a:custGeom>
-            <a:solidFill>
-              <a:srgbClr val="FFFFFF"/>
-            </a:solidFill>
-            <a:ln>
-              <a:noFill/>
-            </a:ln>
-          </p:spPr>
-        </p:sp>
-        <p:sp>
-          <p:nvSpPr>
-            <p:cNvPr id="899" name="Google Shape;899;p20"/>
-            <p:cNvSpPr txBox="1"/>
-            <p:nvPr/>
-          </p:nvSpPr>
-          <p:spPr>
-            <a:xfrm>
-              <a:off x="0" y="0"/>
-              <a:ext cx="812800" cy="812800"/>
-            </a:xfrm>
-            <a:prstGeom prst="rect">
-              <a:avLst/>
-            </a:prstGeom>
-            <a:noFill/>
-            <a:ln>
-              <a:noFill/>
-            </a:ln>
-          </p:spPr>
-          <p:txBody>
-            <a:bodyPr spcFirstLastPara="1" wrap="square" lIns="50800" tIns="50800" rIns="50800" bIns="50800" anchor="ctr" anchorCtr="0">
-              <a:noAutofit/>
-            </a:bodyPr>
-            <a:lstStyle/>
-            <a:p>
-              <a:pPr marL="0" marR="0" lvl="0" indent="0" algn="ctr" rtl="0">
-                <a:lnSpc>
-                  <a:spcPct val="97111"/>
-                </a:lnSpc>
-                <a:spcBef>
-                  <a:spcPts val="0"/>
-                </a:spcBef>
-                <a:spcAft>
-                  <a:spcPts val="0"/>
-                </a:spcAft>
-                <a:buNone/>
-              </a:pPr>
-              <a:endParaRPr sz="1800" b="0" i="0" u="none" strike="noStrike" cap="none">
-                <a:solidFill>
-                  <a:schemeClr val="dk1"/>
-                </a:solidFill>
-                <a:latin typeface="Calibri"/>
-                <a:ea typeface="Calibri"/>
-                <a:cs typeface="Calibri"/>
-                <a:sym typeface="Calibri"/>
-              </a:endParaRPr>
-            </a:p>
-          </p:txBody>
-        </p:sp>
-      </p:grpSp>
-      <p:grpSp>
-        <p:nvGrpSpPr>
-          <p:cNvPr id="900" name="Google Shape;900;p20"/>
-          <p:cNvGrpSpPr/>
-          <p:nvPr/>
-        </p:nvGrpSpPr>
-        <p:grpSpPr>
-          <a:xfrm>
-            <a:off x="1509264" y="1566144"/>
-            <a:ext cx="15312697" cy="7237746"/>
-            <a:chOff x="0" y="0"/>
-            <a:chExt cx="4032974" cy="1906238"/>
-          </a:xfrm>
-        </p:grpSpPr>
-        <p:sp>
-          <p:nvSpPr>
-            <p:cNvPr id="901" name="Google Shape;901;p20"/>
-            <p:cNvSpPr/>
-            <p:nvPr/>
-          </p:nvSpPr>
-          <p:spPr>
-            <a:xfrm>
-              <a:off x="0" y="0"/>
-              <a:ext cx="4032974" cy="1906238"/>
-            </a:xfrm>
-            <a:custGeom>
-              <a:avLst/>
-              <a:gdLst/>
-              <a:ahLst/>
-              <a:cxnLst/>
-              <a:rect l="l" t="t" r="r" b="b"/>
-              <a:pathLst>
-                <a:path w="4032974" h="1906238" extrusionOk="0">
-                  <a:moveTo>
-                    <a:pt x="0" y="0"/>
-                  </a:moveTo>
-                  <a:lnTo>
-                    <a:pt x="4032974" y="0"/>
-                  </a:lnTo>
-                  <a:lnTo>
-                    <a:pt x="4032974" y="1906238"/>
-                  </a:lnTo>
-                  <a:lnTo>
-                    <a:pt x="0" y="1906238"/>
-                  </a:lnTo>
-                  <a:close/>
-                </a:path>
-              </a:pathLst>
-            </a:custGeom>
-            <a:solidFill>
-              <a:srgbClr val="000000">
-                <a:alpha val="0"/>
-              </a:srgbClr>
-            </a:solidFill>
-            <a:ln w="57150" cap="flat" cmpd="sng">
-              <a:solidFill>
-                <a:srgbClr val="B89D40"/>
-              </a:solidFill>
-              <a:prstDash val="solid"/>
-              <a:round/>
-              <a:headEnd type="none" w="sm" len="sm"/>
-              <a:tailEnd type="none" w="sm" len="sm"/>
-            </a:ln>
-          </p:spPr>
-        </p:sp>
-        <p:sp>
-          <p:nvSpPr>
-            <p:cNvPr id="902" name="Google Shape;902;p20"/>
-            <p:cNvSpPr txBox="1"/>
-            <p:nvPr/>
-          </p:nvSpPr>
-          <p:spPr>
-            <a:xfrm>
-              <a:off x="0" y="0"/>
-              <a:ext cx="812800" cy="812800"/>
-            </a:xfrm>
-            <a:prstGeom prst="rect">
-              <a:avLst/>
-            </a:prstGeom>
-            <a:noFill/>
-            <a:ln>
-              <a:noFill/>
-            </a:ln>
-          </p:spPr>
-          <p:txBody>
-            <a:bodyPr spcFirstLastPara="1" wrap="square" lIns="50800" tIns="50800" rIns="50800" bIns="50800" anchor="ctr" anchorCtr="0">
-              <a:noAutofit/>
-            </a:bodyPr>
-            <a:lstStyle/>
-            <a:p>
-              <a:pPr marL="0" marR="0" lvl="0" indent="0" algn="ctr" rtl="0">
-                <a:lnSpc>
-                  <a:spcPct val="97111"/>
-                </a:lnSpc>
-                <a:spcBef>
-                  <a:spcPts val="0"/>
-                </a:spcBef>
-                <a:spcAft>
-                  <a:spcPts val="0"/>
-                </a:spcAft>
-                <a:buNone/>
-              </a:pPr>
-              <a:endParaRPr sz="1800" b="0" i="0" u="none" strike="noStrike" cap="none">
-                <a:solidFill>
-                  <a:schemeClr val="dk1"/>
-                </a:solidFill>
-                <a:latin typeface="Calibri"/>
-                <a:ea typeface="Calibri"/>
-                <a:cs typeface="Calibri"/>
-                <a:sym typeface="Calibri"/>
-              </a:endParaRPr>
-            </a:p>
-          </p:txBody>
-        </p:sp>
-      </p:grpSp>
-      <p:sp>
-        <p:nvSpPr>
-          <p:cNvPr id="904" name="Google Shape;904;p20"/>
-          <p:cNvSpPr txBox="1"/>
-          <p:nvPr/>
-        </p:nvSpPr>
-        <p:spPr>
-          <a:xfrm>
-            <a:off x="5777346" y="1866308"/>
-            <a:ext cx="7842072" cy="1661993"/>
-          </a:xfrm>
-          <a:prstGeom prst="rect">
-            <a:avLst/>
-          </a:prstGeom>
-          <a:noFill/>
-          <a:ln>
-            <a:noFill/>
-          </a:ln>
-        </p:spPr>
-        <p:txBody>
-          <a:bodyPr spcFirstLastPara="1" wrap="square" lIns="0" tIns="0" rIns="0" bIns="0" anchor="t" anchorCtr="0">
-            <a:spAutoFit/>
-          </a:bodyPr>
-          <a:lstStyle/>
-          <a:p>
-            <a:pPr marL="0" marR="0" lvl="0" indent="0" algn="l" rtl="0">
-              <a:lnSpc>
-                <a:spcPct val="120000"/>
-              </a:lnSpc>
-              <a:spcBef>
-                <a:spcPts val="0"/>
-              </a:spcBef>
-              <a:spcAft>
-                <a:spcPts val="0"/>
-              </a:spcAft>
-              <a:buNone/>
-            </a:pPr>
-            <a:r>
-              <a:rPr lang="hu-HU" sz="9000" b="0" i="0" u="none" strike="noStrike" cap="none" dirty="0">
-                <a:solidFill>
-                  <a:srgbClr val="000000"/>
-                </a:solidFill>
-                <a:latin typeface="Alice"/>
-                <a:ea typeface="Alice"/>
-                <a:cs typeface="Alice"/>
-                <a:sym typeface="Alice"/>
-              </a:rPr>
-              <a:t>Mozgás alapja</a:t>
-            </a:r>
-            <a:endParaRPr lang="en-US" dirty="0"/>
-          </a:p>
-        </p:txBody>
-      </p:sp>
-      <p:grpSp>
-        <p:nvGrpSpPr>
-          <p:cNvPr id="905" name="Google Shape;905;p20"/>
-          <p:cNvGrpSpPr/>
-          <p:nvPr/>
-        </p:nvGrpSpPr>
-        <p:grpSpPr>
-          <a:xfrm>
-            <a:off x="6193367" y="3792056"/>
-            <a:ext cx="5901267" cy="3086086"/>
-            <a:chOff x="0" y="0"/>
-            <a:chExt cx="1554243" cy="812800"/>
-          </a:xfrm>
-        </p:grpSpPr>
-        <p:sp>
-          <p:nvSpPr>
-            <p:cNvPr id="906" name="Google Shape;906;p20"/>
-            <p:cNvSpPr/>
-            <p:nvPr/>
-          </p:nvSpPr>
-          <p:spPr>
-            <a:xfrm>
-              <a:off x="0" y="0"/>
-              <a:ext cx="1554243" cy="38441"/>
-            </a:xfrm>
-            <a:custGeom>
-              <a:avLst/>
-              <a:gdLst/>
-              <a:ahLst/>
-              <a:cxnLst/>
-              <a:rect l="l" t="t" r="r" b="b"/>
-              <a:pathLst>
-                <a:path w="1554243" h="38441" extrusionOk="0">
-                  <a:moveTo>
-                    <a:pt x="0" y="0"/>
-                  </a:moveTo>
-                  <a:lnTo>
-                    <a:pt x="1554243" y="0"/>
-                  </a:lnTo>
-                  <a:lnTo>
-                    <a:pt x="1554243" y="38441"/>
-                  </a:lnTo>
-                  <a:lnTo>
-                    <a:pt x="0" y="38441"/>
-                  </a:lnTo>
-                  <a:close/>
-                </a:path>
-              </a:pathLst>
-            </a:custGeom>
-            <a:solidFill>
-              <a:srgbClr val="B89D40"/>
-            </a:solidFill>
-            <a:ln>
-              <a:noFill/>
-            </a:ln>
-          </p:spPr>
-        </p:sp>
-        <p:sp>
-          <p:nvSpPr>
-            <p:cNvPr id="907" name="Google Shape;907;p20"/>
-            <p:cNvSpPr txBox="1"/>
-            <p:nvPr/>
-          </p:nvSpPr>
-          <p:spPr>
-            <a:xfrm>
-              <a:off x="0" y="0"/>
-              <a:ext cx="812800" cy="812800"/>
-            </a:xfrm>
-            <a:prstGeom prst="rect">
-              <a:avLst/>
-            </a:prstGeom>
-            <a:noFill/>
-            <a:ln>
-              <a:noFill/>
-            </a:ln>
-          </p:spPr>
-          <p:txBody>
-            <a:bodyPr spcFirstLastPara="1" wrap="square" lIns="50800" tIns="50800" rIns="50800" bIns="50800" anchor="ctr" anchorCtr="0">
-              <a:noAutofit/>
-            </a:bodyPr>
-            <a:lstStyle/>
-            <a:p>
-              <a:pPr marL="0" marR="0" lvl="0" indent="0" algn="ctr" rtl="0">
-                <a:lnSpc>
-                  <a:spcPct val="97111"/>
-                </a:lnSpc>
-                <a:spcBef>
-                  <a:spcPts val="0"/>
-                </a:spcBef>
-                <a:spcAft>
-                  <a:spcPts val="0"/>
-                </a:spcAft>
-                <a:buNone/>
-              </a:pPr>
-              <a:endParaRPr sz="1800" b="0" i="0" u="none" strike="noStrike" cap="none">
-                <a:solidFill>
-                  <a:schemeClr val="dk1"/>
-                </a:solidFill>
-                <a:latin typeface="Calibri"/>
-                <a:ea typeface="Calibri"/>
-                <a:cs typeface="Calibri"/>
-                <a:sym typeface="Calibri"/>
-              </a:endParaRPr>
-            </a:p>
-          </p:txBody>
-        </p:sp>
-      </p:grpSp>
-      <p:pic>
-        <p:nvPicPr>
-          <p:cNvPr id="3" name="Kép 2">
-            <a:extLst>
-              <a:ext uri="{FF2B5EF4-FFF2-40B4-BE49-F238E27FC236}">
-                <a16:creationId xmlns:a16="http://schemas.microsoft.com/office/drawing/2014/main" id="{CD42463D-99F7-5299-500F-6DB44873EE54}"/>
-              </a:ext>
-            </a:extLst>
-          </p:cNvPr>
-          <p:cNvPicPr>
-            <a:picLocks noChangeAspect="1"/>
-          </p:cNvPicPr>
-          <p:nvPr/>
-        </p:nvPicPr>
-        <p:blipFill>
-          <a:blip r:embed="rId3"/>
-          <a:stretch>
-            <a:fillRect/>
-          </a:stretch>
-        </p:blipFill>
-        <p:spPr>
-          <a:xfrm>
-            <a:off x="7257330" y="4650915"/>
-            <a:ext cx="9321485" cy="3440071"/>
-          </a:xfrm>
-          <a:prstGeom prst="rect">
-            <a:avLst/>
-          </a:prstGeom>
-        </p:spPr>
-      </p:pic>
-      <p:pic>
-        <p:nvPicPr>
-          <p:cNvPr id="11" name="Kép 10" descr="A képen szöveg, poggyász, bőrönd, bélelt látható&#10;&#10;Automatikusan generált leírás">
-            <a:extLst>
-              <a:ext uri="{FF2B5EF4-FFF2-40B4-BE49-F238E27FC236}">
-                <a16:creationId xmlns:a16="http://schemas.microsoft.com/office/drawing/2014/main" id="{AAECFCDC-37A7-4DC9-774E-571AD72A303D}"/>
-              </a:ext>
-            </a:extLst>
-          </p:cNvPr>
-          <p:cNvPicPr>
-            <a:picLocks noChangeAspect="1"/>
-          </p:cNvPicPr>
-          <p:nvPr/>
-        </p:nvPicPr>
-        <p:blipFill>
-          <a:blip r:embed="rId4"/>
-          <a:stretch>
-            <a:fillRect/>
-          </a:stretch>
-        </p:blipFill>
-        <p:spPr>
-          <a:xfrm>
-            <a:off x="2582670" y="4421729"/>
-            <a:ext cx="3661795" cy="3854521"/>
-          </a:xfrm>
-          <a:prstGeom prst="rect">
-            <a:avLst/>
-          </a:prstGeom>
-        </p:spPr>
-      </p:pic>
-    </p:spTree>
-    <p:extLst>
-      <p:ext uri="{BB962C8B-B14F-4D97-AF65-F5344CB8AC3E}">
-        <p14:creationId xmlns:p14="http://schemas.microsoft.com/office/powerpoint/2010/main" val="3620260426"/>
-      </p:ext>
-    </p:extLst>
-  </p:cSld>
-  <p:clrMapOvr>
-    <a:masterClrMapping/>
-  </p:clrMapOvr>
-  <p:transition spd="slow">
-    <p:randomBar dir="vert"/>
-  </p:transition>
-</p:sld>
-</file>
-
-<file path=ppt/slides/slide11.xml><?xml version="1.0" encoding="utf-8"?>
 <p:sld xmlns:a="http://schemas.openxmlformats.org/drawingml/2006/main" xmlns:r="http://schemas.openxmlformats.org/officeDocument/2006/relationships" xmlns:p="http://schemas.openxmlformats.org/presentationml/2006/main">
   <p:cSld>
     <p:bg>
@@ -34100,6 +31691,209 @@
 </p:sld>
 </file>
 
+<file path=ppt/slides/slide11.xml><?xml version="1.0" encoding="utf-8"?>
+<p:sld xmlns:a="http://schemas.openxmlformats.org/drawingml/2006/main" xmlns:r="http://schemas.openxmlformats.org/officeDocument/2006/relationships" xmlns:p="http://schemas.openxmlformats.org/presentationml/2006/main">
+  <p:cSld>
+    <p:spTree>
+      <p:nvGrpSpPr>
+        <p:cNvPr id="1" name=""/>
+        <p:cNvGrpSpPr/>
+        <p:nvPr/>
+      </p:nvGrpSpPr>
+      <p:grpSpPr>
+        <a:xfrm>
+          <a:off x="0" y="0"/>
+          <a:ext cx="0" cy="0"/>
+          <a:chOff x="0" y="0"/>
+          <a:chExt cx="0" cy="0"/>
+        </a:xfrm>
+      </p:grpSpPr>
+      <p:sp>
+        <p:nvSpPr>
+          <p:cNvPr id="2" name="Cím 1">
+            <a:extLst>
+              <a:ext uri="{FF2B5EF4-FFF2-40B4-BE49-F238E27FC236}">
+                <a16:creationId xmlns:a16="http://schemas.microsoft.com/office/drawing/2014/main" id="{F922565C-411C-49D0-A66B-32DEBB0D361D}"/>
+              </a:ext>
+            </a:extLst>
+          </p:cNvPr>
+          <p:cNvSpPr>
+            <a:spLocks noGrp="1"/>
+          </p:cNvSpPr>
+          <p:nvPr>
+            <p:ph type="ctrTitle"/>
+          </p:nvPr>
+        </p:nvSpPr>
+        <p:spPr>
+          <a:xfrm>
+            <a:off x="3299100" y="1632550"/>
+            <a:ext cx="10760400" cy="1470000"/>
+          </a:xfrm>
+        </p:spPr>
+        <p:txBody>
+          <a:bodyPr>
+            <a:normAutofit fontScale="90000"/>
+          </a:bodyPr>
+          <a:lstStyle/>
+          <a:p>
+            <a:r>
+              <a:rPr lang="hu-HU" dirty="0"/>
+              <a:t>Kezdő oldal</a:t>
+            </a:r>
+          </a:p>
+        </p:txBody>
+      </p:sp>
+      <p:pic>
+        <p:nvPicPr>
+          <p:cNvPr id="4" name="Kép 3">
+            <a:extLst>
+              <a:ext uri="{FF2B5EF4-FFF2-40B4-BE49-F238E27FC236}">
+                <a16:creationId xmlns:a16="http://schemas.microsoft.com/office/drawing/2014/main" id="{FDB44262-3196-4236-8D4A-F0E577000217}"/>
+              </a:ext>
+            </a:extLst>
+          </p:cNvPr>
+          <p:cNvPicPr>
+            <a:picLocks noChangeAspect="1"/>
+          </p:cNvPicPr>
+          <p:nvPr/>
+        </p:nvPicPr>
+        <p:blipFill>
+          <a:blip r:embed="rId2"/>
+          <a:stretch>
+            <a:fillRect/>
+          </a:stretch>
+        </p:blipFill>
+        <p:spPr>
+          <a:xfrm>
+            <a:off x="3061855" y="3048554"/>
+            <a:ext cx="11346872" cy="5605896"/>
+          </a:xfrm>
+          <a:prstGeom prst="rect">
+            <a:avLst/>
+          </a:prstGeom>
+        </p:spPr>
+      </p:pic>
+      <p:pic>
+        <p:nvPicPr>
+          <p:cNvPr id="5" name="Kép 4">
+            <a:extLst>
+              <a:ext uri="{FF2B5EF4-FFF2-40B4-BE49-F238E27FC236}">
+                <a16:creationId xmlns:a16="http://schemas.microsoft.com/office/drawing/2014/main" id="{B8BE26DC-B3C7-47AC-B403-BF957E643049}"/>
+              </a:ext>
+            </a:extLst>
+          </p:cNvPr>
+          <p:cNvPicPr>
+            <a:picLocks noChangeAspect="1"/>
+          </p:cNvPicPr>
+          <p:nvPr/>
+        </p:nvPicPr>
+        <p:blipFill>
+          <a:blip r:embed="rId3"/>
+          <a:stretch>
+            <a:fillRect/>
+          </a:stretch>
+        </p:blipFill>
+        <p:spPr>
+          <a:xfrm>
+            <a:off x="2792334" y="1371600"/>
+            <a:ext cx="11718570" cy="7590437"/>
+          </a:xfrm>
+          <a:prstGeom prst="rect">
+            <a:avLst/>
+          </a:prstGeom>
+        </p:spPr>
+      </p:pic>
+    </p:spTree>
+    <p:extLst>
+      <p:ext uri="{BB962C8B-B14F-4D97-AF65-F5344CB8AC3E}">
+        <p14:creationId xmlns:p14="http://schemas.microsoft.com/office/powerpoint/2010/main" val="266764837"/>
+      </p:ext>
+    </p:extLst>
+  </p:cSld>
+  <p:clrMapOvr>
+    <a:masterClrMapping/>
+  </p:clrMapOvr>
+  <p:transition spd="slow">
+    <p:push dir="u"/>
+  </p:transition>
+  <p:timing>
+    <p:tnLst>
+      <p:par>
+        <p:cTn id="1" dur="indefinite" restart="never" nodeType="tmRoot">
+          <p:childTnLst>
+            <p:seq concurrent="1" nextAc="seek">
+              <p:cTn id="2" dur="indefinite" nodeType="mainSeq">
+                <p:childTnLst>
+                  <p:par>
+                    <p:cTn id="3" fill="hold">
+                      <p:stCondLst>
+                        <p:cond delay="indefinite"/>
+                      </p:stCondLst>
+                      <p:childTnLst>
+                        <p:par>
+                          <p:cTn id="4" fill="hold">
+                            <p:stCondLst>
+                              <p:cond delay="0"/>
+                            </p:stCondLst>
+                            <p:childTnLst>
+                              <p:par>
+                                <p:cTn id="5" presetID="1" presetClass="entr" presetSubtype="0" fill="hold" nodeType="clickEffect">
+                                  <p:stCondLst>
+                                    <p:cond delay="0"/>
+                                  </p:stCondLst>
+                                  <p:childTnLst>
+                                    <p:set>
+                                      <p:cBhvr>
+                                        <p:cTn id="6" dur="1" fill="hold">
+                                          <p:stCondLst>
+                                            <p:cond delay="0"/>
+                                          </p:stCondLst>
+                                        </p:cTn>
+                                        <p:tgtEl>
+                                          <p:spTgt spid="5"/>
+                                        </p:tgtEl>
+                                        <p:attrNameLst>
+                                          <p:attrName>style.visibility</p:attrName>
+                                        </p:attrNameLst>
+                                      </p:cBhvr>
+                                      <p:to>
+                                        <p:strVal val="visible"/>
+                                      </p:to>
+                                    </p:set>
+                                  </p:childTnLst>
+                                </p:cTn>
+                              </p:par>
+                            </p:childTnLst>
+                          </p:cTn>
+                        </p:par>
+                      </p:childTnLst>
+                    </p:cTn>
+                  </p:par>
+                </p:childTnLst>
+              </p:cTn>
+              <p:prevCondLst>
+                <p:cond evt="onPrev" delay="0">
+                  <p:tgtEl>
+                    <p:sldTgt/>
+                  </p:tgtEl>
+                </p:cond>
+              </p:prevCondLst>
+              <p:nextCondLst>
+                <p:cond evt="onNext" delay="0">
+                  <p:tgtEl>
+                    <p:sldTgt/>
+                  </p:tgtEl>
+                </p:cond>
+              </p:nextCondLst>
+            </p:seq>
+          </p:childTnLst>
+        </p:cTn>
+      </p:par>
+    </p:tnLst>
+  </p:timing>
+</p:sld>
+</file>
+
 <file path=ppt/slides/slide12.xml><?xml version="1.0" encoding="utf-8"?>
 <p:sld xmlns:a="http://schemas.openxmlformats.org/drawingml/2006/main" xmlns:r="http://schemas.openxmlformats.org/officeDocument/2006/relationships" xmlns:p="http://schemas.openxmlformats.org/presentationml/2006/main">
   <p:cSld>
@@ -34122,7 +31916,7 @@
           <p:cNvPr id="2" name="Cím 1">
             <a:extLst>
               <a:ext uri="{FF2B5EF4-FFF2-40B4-BE49-F238E27FC236}">
-                <a16:creationId xmlns:a16="http://schemas.microsoft.com/office/drawing/2014/main" id="{32D2EA90-FFFE-4748-B7B4-993E9A6C9573}"/>
+                <a16:creationId xmlns:a16="http://schemas.microsoft.com/office/drawing/2014/main" id="{96F7CFFD-EC13-44C3-A1FB-510D5567DAE3}"/>
               </a:ext>
             </a:extLst>
           </p:cNvPr>
@@ -34135,8 +31929,8 @@
         </p:nvSpPr>
         <p:spPr>
           <a:xfrm>
-            <a:off x="817388" y="1784950"/>
-            <a:ext cx="10760400" cy="1470000"/>
+            <a:off x="5412492" y="4408500"/>
+            <a:ext cx="7915580" cy="1470000"/>
           </a:xfrm>
         </p:spPr>
         <p:txBody>
@@ -34147,64 +31941,17 @@
           <a:p>
             <a:r>
               <a:rPr lang="hu-HU" dirty="0"/>
-              <a:t>Kígyós játék</a:t>
-            </a:r>
-          </a:p>
-        </p:txBody>
-      </p:sp>
-      <p:sp>
-        <p:nvSpPr>
-          <p:cNvPr id="3" name="Alcím 2">
-            <a:extLst>
-              <a:ext uri="{FF2B5EF4-FFF2-40B4-BE49-F238E27FC236}">
-                <a16:creationId xmlns:a16="http://schemas.microsoft.com/office/drawing/2014/main" id="{50763AEF-9D9A-406F-B1BE-3BD297BBE1D3}"/>
-              </a:ext>
-            </a:extLst>
-          </p:cNvPr>
-          <p:cNvSpPr>
-            <a:spLocks noGrp="1"/>
-          </p:cNvSpPr>
-          <p:nvPr>
-            <p:ph type="subTitle" idx="1"/>
-          </p:nvPr>
-        </p:nvSpPr>
-        <p:spPr>
-          <a:xfrm>
-            <a:off x="8598617" y="4064627"/>
-            <a:ext cx="6400800" cy="1752600"/>
-          </a:xfrm>
-        </p:spPr>
-        <p:txBody>
-          <a:bodyPr/>
-          <a:lstStyle/>
-          <a:p>
-            <a:pPr marL="596900" indent="-571500">
-              <a:buFont typeface="Wingdings" panose="05000000000000000000" pitchFamily="2" charset="2"/>
-              <a:buChar char="§"/>
-            </a:pPr>
-            <a:r>
-              <a:rPr lang="hu-HU" dirty="0"/>
-              <a:t>Kinézete </a:t>
-            </a:r>
-          </a:p>
-          <a:p>
-            <a:pPr marL="596900" indent="-571500">
-              <a:buFont typeface="Wingdings" panose="05000000000000000000" pitchFamily="2" charset="2"/>
-              <a:buChar char="§"/>
-            </a:pPr>
-            <a:r>
-              <a:rPr lang="hu-HU" dirty="0"/>
-              <a:t>Megvalósítása</a:t>
+              <a:t>Kvíz kinézete</a:t>
             </a:r>
           </a:p>
         </p:txBody>
       </p:sp>
       <p:pic>
         <p:nvPicPr>
-          <p:cNvPr id="5" name="Kép 4">
+          <p:cNvPr id="4" name="Kép 3">
             <a:extLst>
               <a:ext uri="{FF2B5EF4-FFF2-40B4-BE49-F238E27FC236}">
-                <a16:creationId xmlns:a16="http://schemas.microsoft.com/office/drawing/2014/main" id="{1CDCE6EB-F37E-48D2-8D43-B550DB5B7164}"/>
+                <a16:creationId xmlns:a16="http://schemas.microsoft.com/office/drawing/2014/main" id="{3AEA2D1A-041F-4598-A5CC-B45D6EF28794}"/>
               </a:ext>
             </a:extLst>
           </p:cNvPr>
@@ -34221,8 +31968,38 @@
         </p:blipFill>
         <p:spPr>
           <a:xfrm>
-            <a:off x="3585215" y="3372361"/>
-            <a:ext cx="4199620" cy="5129689"/>
+            <a:off x="1892431" y="1031117"/>
+            <a:ext cx="5893824" cy="8224766"/>
+          </a:xfrm>
+          <a:prstGeom prst="rect">
+            <a:avLst/>
+          </a:prstGeom>
+        </p:spPr>
+      </p:pic>
+      <p:pic>
+        <p:nvPicPr>
+          <p:cNvPr id="5" name="Kép 4">
+            <a:extLst>
+              <a:ext uri="{FF2B5EF4-FFF2-40B4-BE49-F238E27FC236}">
+                <a16:creationId xmlns:a16="http://schemas.microsoft.com/office/drawing/2014/main" id="{C149708D-1E73-4340-8788-F0AC741159F5}"/>
+              </a:ext>
+            </a:extLst>
+          </p:cNvPr>
+          <p:cNvPicPr>
+            <a:picLocks noChangeAspect="1"/>
+          </p:cNvPicPr>
+          <p:nvPr/>
+        </p:nvPicPr>
+        <p:blipFill>
+          <a:blip r:embed="rId3"/>
+          <a:stretch>
+            <a:fillRect/>
+          </a:stretch>
+        </p:blipFill>
+        <p:spPr>
+          <a:xfrm>
+            <a:off x="8936181" y="1031117"/>
+            <a:ext cx="5749877" cy="8039100"/>
           </a:xfrm>
           <a:prstGeom prst="rect">
             <a:avLst/>
@@ -34232,7 +32009,7 @@
     </p:spTree>
     <p:extLst>
       <p:ext uri="{BB962C8B-B14F-4D97-AF65-F5344CB8AC3E}">
-        <p14:creationId xmlns:p14="http://schemas.microsoft.com/office/powerpoint/2010/main" val="4164210501"/>
+        <p14:creationId xmlns:p14="http://schemas.microsoft.com/office/powerpoint/2010/main" val="3037937999"/>
       </p:ext>
     </p:extLst>
   </p:cSld>
@@ -34240,8 +32017,128 @@
     <a:masterClrMapping/>
   </p:clrMapOvr>
   <p:transition spd="slow">
-    <p:wipe/>
+    <p:push dir="u"/>
   </p:transition>
+  <p:timing>
+    <p:tnLst>
+      <p:par>
+        <p:cTn id="1" dur="indefinite" restart="never" nodeType="tmRoot">
+          <p:childTnLst>
+            <p:seq concurrent="1" nextAc="seek">
+              <p:cTn id="2" dur="indefinite" nodeType="mainSeq">
+                <p:childTnLst>
+                  <p:par>
+                    <p:cTn id="3" fill="hold">
+                      <p:stCondLst>
+                        <p:cond delay="indefinite"/>
+                      </p:stCondLst>
+                      <p:childTnLst>
+                        <p:par>
+                          <p:cTn id="4" fill="hold">
+                            <p:stCondLst>
+                              <p:cond delay="0"/>
+                            </p:stCondLst>
+                            <p:childTnLst>
+                              <p:par>
+                                <p:cTn id="5" presetID="1" presetClass="entr" presetSubtype="0" fill="hold" nodeType="clickEffect">
+                                  <p:stCondLst>
+                                    <p:cond delay="0"/>
+                                  </p:stCondLst>
+                                  <p:childTnLst>
+                                    <p:set>
+                                      <p:cBhvr>
+                                        <p:cTn id="6" dur="1" fill="hold">
+                                          <p:stCondLst>
+                                            <p:cond delay="0"/>
+                                          </p:stCondLst>
+                                        </p:cTn>
+                                        <p:tgtEl>
+                                          <p:spTgt spid="4"/>
+                                        </p:tgtEl>
+                                        <p:attrNameLst>
+                                          <p:attrName>style.visibility</p:attrName>
+                                        </p:attrNameLst>
+                                      </p:cBhvr>
+                                      <p:to>
+                                        <p:strVal val="visible"/>
+                                      </p:to>
+                                    </p:set>
+                                  </p:childTnLst>
+                                </p:cTn>
+                              </p:par>
+                            </p:childTnLst>
+                          </p:cTn>
+                        </p:par>
+                      </p:childTnLst>
+                    </p:cTn>
+                  </p:par>
+                  <p:par>
+                    <p:cTn id="7" fill="hold">
+                      <p:stCondLst>
+                        <p:cond delay="indefinite"/>
+                      </p:stCondLst>
+                      <p:childTnLst>
+                        <p:par>
+                          <p:cTn id="8" fill="hold">
+                            <p:stCondLst>
+                              <p:cond delay="0"/>
+                            </p:stCondLst>
+                            <p:childTnLst>
+                              <p:par>
+                                <p:cTn id="9" presetID="1" presetClass="entr" presetSubtype="0" fill="hold" nodeType="clickEffect">
+                                  <p:stCondLst>
+                                    <p:cond delay="0"/>
+                                  </p:stCondLst>
+                                  <p:childTnLst>
+                                    <p:set>
+                                      <p:cBhvr>
+                                        <p:cTn id="10" dur="1" fill="hold">
+                                          <p:stCondLst>
+                                            <p:cond delay="0"/>
+                                          </p:stCondLst>
+                                        </p:cTn>
+                                        <p:tgtEl>
+                                          <p:spTgt spid="5"/>
+                                        </p:tgtEl>
+                                        <p:attrNameLst>
+                                          <p:attrName>style.visibility</p:attrName>
+                                        </p:attrNameLst>
+                                      </p:cBhvr>
+                                      <p:to>
+                                        <p:strVal val="visible"/>
+                                      </p:to>
+                                    </p:set>
+                                  </p:childTnLst>
+                                </p:cTn>
+                              </p:par>
+                            </p:childTnLst>
+                          </p:cTn>
+                        </p:par>
+                      </p:childTnLst>
+                    </p:cTn>
+                  </p:par>
+                </p:childTnLst>
+              </p:cTn>
+              <p:prevCondLst>
+                <p:cond evt="onPrev" delay="0">
+                  <p:tgtEl>
+                    <p:sldTgt/>
+                  </p:tgtEl>
+                </p:cond>
+              </p:prevCondLst>
+              <p:nextCondLst>
+                <p:cond evt="onNext" delay="0">
+                  <p:tgtEl>
+                    <p:sldTgt/>
+                  </p:tgtEl>
+                </p:cond>
+              </p:nextCondLst>
+            </p:seq>
+          </p:childTnLst>
+        </p:cTn>
+      </p:par>
+    </p:tnLst>
+  </p:timing>
 </p:sld>
 </file>
 
@@ -34267,7 +32164,7 @@
           <p:cNvPr id="2" name="Cím 1">
             <a:extLst>
               <a:ext uri="{FF2B5EF4-FFF2-40B4-BE49-F238E27FC236}">
-                <a16:creationId xmlns:a16="http://schemas.microsoft.com/office/drawing/2014/main" id="{A383C154-E327-4CAC-B040-3B324F988893}"/>
+                <a16:creationId xmlns:a16="http://schemas.microsoft.com/office/drawing/2014/main" id="{BF2459A4-BC36-4F9F-B0BB-E4610A0E8BEA}"/>
               </a:ext>
             </a:extLst>
           </p:cNvPr>
@@ -34280,8 +32177,8 @@
         </p:nvSpPr>
         <p:spPr>
           <a:xfrm>
-            <a:off x="1035424" y="1411901"/>
-            <a:ext cx="16512988" cy="1470000"/>
+            <a:off x="10032291" y="3534209"/>
+            <a:ext cx="6426909" cy="2677390"/>
           </a:xfrm>
         </p:spPr>
         <p:txBody>
@@ -34292,42 +32189,17 @@
           <a:p>
             <a:r>
               <a:rPr lang="hu-HU" dirty="0"/>
-              <a:t>Mozgás és maga a kígyó</a:t>
+              <a:t>Kvíz Kódsora</a:t>
             </a:r>
-          </a:p>
-        </p:txBody>
-      </p:sp>
-      <p:sp>
-        <p:nvSpPr>
-          <p:cNvPr id="3" name="Alcím 2">
-            <a:extLst>
-              <a:ext uri="{FF2B5EF4-FFF2-40B4-BE49-F238E27FC236}">
-                <a16:creationId xmlns:a16="http://schemas.microsoft.com/office/drawing/2014/main" id="{C7983AC1-8036-4DD1-A243-87F834AF14B5}"/>
-              </a:ext>
-            </a:extLst>
-          </p:cNvPr>
-          <p:cNvSpPr>
-            <a:spLocks noGrp="1"/>
-          </p:cNvSpPr>
-          <p:nvPr>
-            <p:ph type="subTitle" idx="1"/>
-          </p:nvPr>
-        </p:nvSpPr>
-        <p:spPr/>
-        <p:txBody>
-          <a:bodyPr/>
-          <a:lstStyle/>
-          <a:p>
-            <a:endParaRPr lang="hu-HU"/>
           </a:p>
         </p:txBody>
       </p:sp>
       <p:pic>
         <p:nvPicPr>
-          <p:cNvPr id="5" name="Kép 4">
+          <p:cNvPr id="4" name="Kép 3">
             <a:extLst>
               <a:ext uri="{FF2B5EF4-FFF2-40B4-BE49-F238E27FC236}">
-                <a16:creationId xmlns:a16="http://schemas.microsoft.com/office/drawing/2014/main" id="{BE158AC1-4A1C-4C9D-BA60-718BD72B4576}"/>
+                <a16:creationId xmlns:a16="http://schemas.microsoft.com/office/drawing/2014/main" id="{5FCB8D1F-BA21-47C1-BD6D-2A7C9BB689FD}"/>
               </a:ext>
             </a:extLst>
           </p:cNvPr>
@@ -34344,8 +32216,8 @@
         </p:blipFill>
         <p:spPr>
           <a:xfrm>
-            <a:off x="1752848" y="2971514"/>
-            <a:ext cx="6081078" cy="6214826"/>
+            <a:off x="1607127" y="1690255"/>
+            <a:ext cx="8166798" cy="6365298"/>
           </a:xfrm>
           <a:prstGeom prst="rect">
             <a:avLst/>
@@ -34354,10 +32226,10 @@
       </p:pic>
       <p:pic>
         <p:nvPicPr>
-          <p:cNvPr id="7" name="Kép 6">
+          <p:cNvPr id="5" name="Kép 4">
             <a:extLst>
               <a:ext uri="{FF2B5EF4-FFF2-40B4-BE49-F238E27FC236}">
-                <a16:creationId xmlns:a16="http://schemas.microsoft.com/office/drawing/2014/main" id="{11CC3245-4B22-401E-9A15-D233DA31097E}"/>
+                <a16:creationId xmlns:a16="http://schemas.microsoft.com/office/drawing/2014/main" id="{5C7AA2E8-74B3-4419-93B3-E9E7F00B6BD1}"/>
               </a:ext>
             </a:extLst>
           </p:cNvPr>
@@ -34374,36 +32246,107 @@
         </p:blipFill>
         <p:spPr>
           <a:xfrm>
-            <a:off x="9399497" y="3751730"/>
-            <a:ext cx="6759138" cy="4163238"/>
+            <a:off x="12189402" y="3953741"/>
+            <a:ext cx="5133975" cy="1838325"/>
           </a:xfrm>
           <a:prstGeom prst="rect">
             <a:avLst/>
           </a:prstGeom>
+          <a:ln w="28575">
+            <a:solidFill>
+              <a:schemeClr val="bg2"/>
+            </a:solidFill>
+          </a:ln>
+        </p:spPr>
+      </p:pic>
+      <p:pic>
+        <p:nvPicPr>
+          <p:cNvPr id="6" name="Kép 5">
+            <a:extLst>
+              <a:ext uri="{FF2B5EF4-FFF2-40B4-BE49-F238E27FC236}">
+                <a16:creationId xmlns:a16="http://schemas.microsoft.com/office/drawing/2014/main" id="{F7906FD3-04CA-4279-B948-1616C3366D63}"/>
+              </a:ext>
+            </a:extLst>
+          </p:cNvPr>
+          <p:cNvPicPr>
+            <a:picLocks noChangeAspect="1"/>
+          </p:cNvPicPr>
+          <p:nvPr/>
+        </p:nvPicPr>
+        <p:blipFill>
+          <a:blip r:embed="rId4"/>
+          <a:stretch>
+            <a:fillRect/>
+          </a:stretch>
+        </p:blipFill>
+        <p:spPr>
+          <a:xfrm>
+            <a:off x="1348761" y="1190192"/>
+            <a:ext cx="6677025" cy="7629525"/>
+          </a:xfrm>
+          <a:prstGeom prst="roundRect">
+            <a:avLst>
+              <a:gd name="adj" fmla="val 8594"/>
+            </a:avLst>
+          </a:prstGeom>
+          <a:solidFill>
+            <a:srgbClr val="FFFFFF">
+              <a:shade val="85000"/>
+            </a:srgbClr>
+          </a:solidFill>
+          <a:ln w="28575">
+            <a:solidFill>
+              <a:schemeClr val="bg2"/>
+            </a:solidFill>
+          </a:ln>
+          <a:effectLst/>
+        </p:spPr>
+      </p:pic>
+      <p:pic>
+        <p:nvPicPr>
+          <p:cNvPr id="7" name="Kép 6">
+            <a:extLst>
+              <a:ext uri="{FF2B5EF4-FFF2-40B4-BE49-F238E27FC236}">
+                <a16:creationId xmlns:a16="http://schemas.microsoft.com/office/drawing/2014/main" id="{96BF1C29-D9B0-405F-ADEB-545E1A6B4CB0}"/>
+              </a:ext>
+            </a:extLst>
+          </p:cNvPr>
+          <p:cNvPicPr>
+            <a:picLocks noChangeAspect="1"/>
+          </p:cNvPicPr>
+          <p:nvPr/>
+        </p:nvPicPr>
+        <p:blipFill>
+          <a:blip r:embed="rId5"/>
+          <a:stretch>
+            <a:fillRect/>
+          </a:stretch>
+        </p:blipFill>
+        <p:spPr>
+          <a:xfrm>
+            <a:off x="8154969" y="1452995"/>
+            <a:ext cx="3905250" cy="7143750"/>
+          </a:xfrm>
+          <a:prstGeom prst="rect">
+            <a:avLst/>
+          </a:prstGeom>
+          <a:ln w="28575">
+            <a:solidFill>
+              <a:schemeClr val="bg2"/>
+            </a:solidFill>
+          </a:ln>
         </p:spPr>
       </p:pic>
     </p:spTree>
     <p:extLst>
       <p:ext uri="{BB962C8B-B14F-4D97-AF65-F5344CB8AC3E}">
-        <p14:creationId xmlns:p14="http://schemas.microsoft.com/office/powerpoint/2010/main" val="2134143917"/>
+        <p14:creationId xmlns:p14="http://schemas.microsoft.com/office/powerpoint/2010/main" val="2443653373"/>
       </p:ext>
     </p:extLst>
   </p:cSld>
   <p:clrMapOvr>
     <a:masterClrMapping/>
   </p:clrMapOvr>
-  <mc:AlternateContent xmlns:mc="http://schemas.openxmlformats.org/markup-compatibility/2006" xmlns:p14="http://schemas.microsoft.com/office/powerpoint/2010/main">
-    <mc:Choice Requires="p14">
-      <p:transition spd="slow" p14:dur="3400">
-        <p14:reveal/>
-      </p:transition>
-    </mc:Choice>
-    <mc:Fallback xmlns="">
-      <p:transition spd="slow">
-        <p:fade/>
-      </p:transition>
-    </mc:Fallback>
-  </mc:AlternateContent>
   <p:timing>
     <p:tnLst>
       <p:par>
@@ -34416,9 +32359,6 @@
                     <p:cTn id="3" fill="hold">
                       <p:stCondLst>
                         <p:cond delay="indefinite"/>
-                        <p:cond evt="onBegin" delay="0">
-                          <p:tn val="2"/>
-                        </p:cond>
                       </p:stCondLst>
                       <p:childTnLst>
                         <p:par>
@@ -34428,7 +32368,7 @@
                             </p:stCondLst>
                             <p:childTnLst>
                               <p:par>
-                                <p:cTn id="5" presetID="42" presetClass="entr" presetSubtype="0" fill="hold" nodeType="afterEffect">
+                                <p:cTn id="5" presetID="1" presetClass="entr" presetSubtype="0" fill="hold" nodeType="clickEffect">
                                   <p:stCondLst>
                                     <p:cond delay="0"/>
                                   </p:stCondLst>
@@ -34451,81 +32391,81 @@
                                         <p:strVal val="visible"/>
                                       </p:to>
                                     </p:set>
-                                    <p:animEffect transition="in" filter="fade">
-                                      <p:cBhvr>
-                                        <p:cTn id="7" dur="1000"/>
-                                        <p:tgtEl>
-                                          <p:spTgt spid="5"/>
-                                        </p:tgtEl>
-                                      </p:cBhvr>
-                                    </p:animEffect>
-                                    <p:anim calcmode="lin" valueType="num">
-                                      <p:cBhvr>
-                                        <p:cTn id="8" dur="1000" fill="hold"/>
-                                        <p:tgtEl>
-                                          <p:spTgt spid="5"/>
-                                        </p:tgtEl>
-                                        <p:attrNameLst>
-                                          <p:attrName>ppt_x</p:attrName>
-                                        </p:attrNameLst>
-                                      </p:cBhvr>
-                                      <p:tavLst>
-                                        <p:tav tm="0">
-                                          <p:val>
-                                            <p:strVal val="#ppt_x"/>
-                                          </p:val>
-                                        </p:tav>
-                                        <p:tav tm="100000">
-                                          <p:val>
-                                            <p:strVal val="#ppt_x"/>
-                                          </p:val>
-                                        </p:tav>
-                                      </p:tavLst>
-                                    </p:anim>
-                                    <p:anim calcmode="lin" valueType="num">
-                                      <p:cBhvr>
-                                        <p:cTn id="9" dur="1000" fill="hold"/>
-                                        <p:tgtEl>
-                                          <p:spTgt spid="5"/>
-                                        </p:tgtEl>
-                                        <p:attrNameLst>
-                                          <p:attrName>ppt_y</p:attrName>
-                                        </p:attrNameLst>
-                                      </p:cBhvr>
-                                      <p:tavLst>
-                                        <p:tav tm="0">
-                                          <p:val>
-                                            <p:strVal val="#ppt_y+.1"/>
-                                          </p:val>
-                                        </p:tav>
-                                        <p:tav tm="100000">
-                                          <p:val>
-                                            <p:strVal val="#ppt_y"/>
-                                          </p:val>
-                                        </p:tav>
-                                      </p:tavLst>
-                                    </p:anim>
                                   </p:childTnLst>
                                 </p:cTn>
                               </p:par>
                             </p:childTnLst>
                           </p:cTn>
                         </p:par>
+                      </p:childTnLst>
+                    </p:cTn>
+                  </p:par>
+                  <p:par>
+                    <p:cTn id="7" fill="hold">
+                      <p:stCondLst>
+                        <p:cond delay="indefinite"/>
+                      </p:stCondLst>
+                      <p:childTnLst>
                         <p:par>
-                          <p:cTn id="10" fill="hold">
+                          <p:cTn id="8" fill="hold">
                             <p:stCondLst>
-                              <p:cond delay="1000"/>
+                              <p:cond delay="0"/>
                             </p:stCondLst>
                             <p:childTnLst>
                               <p:par>
-                                <p:cTn id="11" presetID="14" presetClass="entr" presetSubtype="10" fill="hold" nodeType="afterEffect">
+                                <p:cTn id="9" presetID="1" presetClass="entr" presetSubtype="0" fill="hold" nodeType="clickEffect">
                                   <p:stCondLst>
                                     <p:cond delay="0"/>
                                   </p:stCondLst>
                                   <p:childTnLst>
                                     <p:set>
                                       <p:cBhvr>
-                                        <p:cTn id="12" dur="1" fill="hold">
+                                        <p:cTn id="10" dur="1" fill="hold">
+                                          <p:stCondLst>
+                                            <p:cond delay="0"/>
+                                          </p:stCondLst>
+                                        </p:cTn>
+                                        <p:tgtEl>
+                                          <p:spTgt spid="6"/>
+                                        </p:tgtEl>
+                                        <p:attrNameLst>
+                                          <p:attrName>style.visibility</p:attrName>
+                                        </p:attrNameLst>
+                                      </p:cBhvr>
+                                      <p:to>
+                                        <p:strVal val="visible"/>
+                                      </p:to>
+                                    </p:set>
+                                  </p:childTnLst>
+                                </p:cTn>
+                              </p:par>
+                            </p:childTnLst>
+                          </p:cTn>
+                        </p:par>
+                      </p:childTnLst>
+                    </p:cTn>
+                  </p:par>
+                  <p:par>
+                    <p:cTn id="11" fill="hold">
+                      <p:stCondLst>
+                        <p:cond delay="indefinite"/>
+                      </p:stCondLst>
+                      <p:childTnLst>
+                        <p:par>
+                          <p:cTn id="12" fill="hold">
+                            <p:stCondLst>
+                              <p:cond delay="0"/>
+                            </p:stCondLst>
+                            <p:childTnLst>
+                              <p:par>
+                                <p:cTn id="13" presetID="1" presetClass="entr" presetSubtype="0" fill="hold" nodeType="clickEffect">
+                                  <p:stCondLst>
+                                    <p:cond delay="0"/>
+                                  </p:stCondLst>
+                                  <p:childTnLst>
+                                    <p:set>
+                                      <p:cBhvr>
+                                        <p:cTn id="14" dur="1" fill="hold">
                                           <p:stCondLst>
                                             <p:cond delay="0"/>
                                           </p:stCondLst>
@@ -34541,14 +32481,6 @@
                                         <p:strVal val="visible"/>
                                       </p:to>
                                     </p:set>
-                                    <p:animEffect transition="in" filter="randombar(horizontal)">
-                                      <p:cBhvr>
-                                        <p:cTn id="13" dur="500"/>
-                                        <p:tgtEl>
-                                          <p:spTgt spid="7"/>
-                                        </p:tgtEl>
-                                      </p:cBhvr>
-                                    </p:animEffect>
                                   </p:childTnLst>
                                 </p:cTn>
                               </p:par>
@@ -37359,13 +35291,13 @@
   <p:clrMapOvr>
     <a:masterClrMapping/>
   </p:clrMapOvr>
-  <mc:AlternateContent xmlns:mc="http://schemas.openxmlformats.org/markup-compatibility/2006">
-    <mc:Choice xmlns:p15="http://schemas.microsoft.com/office/powerpoint/2012/main" Requires="p15">
+  <mc:AlternateContent xmlns:mc="http://schemas.openxmlformats.org/markup-compatibility/2006" xmlns:p15="http://schemas.microsoft.com/office/powerpoint/2012/main">
+    <mc:Choice Requires="p15">
       <p:transition xmlns:p14="http://schemas.microsoft.com/office/powerpoint/2010/main" spd="slow" p14:dur="2000">
         <p15:prstTrans prst="drape"/>
       </p:transition>
     </mc:Choice>
-    <mc:Fallback>
+    <mc:Fallback xmlns="">
       <p:transition spd="slow">
         <p:fade/>
       </p:transition>
@@ -39638,13 +37570,13 @@
   <p:clrMapOvr>
     <a:masterClrMapping/>
   </p:clrMapOvr>
-  <mc:AlternateContent xmlns:mc="http://schemas.openxmlformats.org/markup-compatibility/2006">
-    <mc:Choice xmlns:p14="http://schemas.microsoft.com/office/powerpoint/2010/main" Requires="p14">
+  <mc:AlternateContent xmlns:mc="http://schemas.openxmlformats.org/markup-compatibility/2006" xmlns:p14="http://schemas.microsoft.com/office/powerpoint/2010/main">
+    <mc:Choice Requires="p14">
       <p:transition spd="med" p14:dur="700">
         <p:fade/>
       </p:transition>
     </mc:Choice>
-    <mc:Fallback>
+    <mc:Fallback xmlns="">
       <p:transition spd="med">
         <p:fade/>
       </p:transition>
@@ -42935,13 +40867,13 @@
   <p:clrMapOvr>
     <a:masterClrMapping/>
   </p:clrMapOvr>
-  <mc:AlternateContent xmlns:mc="http://schemas.openxmlformats.org/markup-compatibility/2006">
-    <mc:Choice xmlns:p14="http://schemas.microsoft.com/office/powerpoint/2010/main" Requires="p14">
+  <mc:AlternateContent xmlns:mc="http://schemas.openxmlformats.org/markup-compatibility/2006" xmlns:p14="http://schemas.microsoft.com/office/powerpoint/2010/main">
+    <mc:Choice Requires="p14">
       <p:transition spd="slow" p14:dur="1600">
         <p14:gallery dir="l"/>
       </p:transition>
     </mc:Choice>
-    <mc:Fallback>
+    <mc:Fallback xmlns="">
       <p:transition spd="slow">
         <p:fade/>
       </p:transition>
@@ -46246,13 +44178,13 @@
   <p:clrMapOvr>
     <a:masterClrMapping/>
   </p:clrMapOvr>
-  <mc:AlternateContent xmlns:mc="http://schemas.openxmlformats.org/markup-compatibility/2006">
-    <mc:Choice xmlns:p15="http://schemas.microsoft.com/office/powerpoint/2012/main" Requires="p15">
+  <mc:AlternateContent xmlns:mc="http://schemas.openxmlformats.org/markup-compatibility/2006" xmlns:p15="http://schemas.microsoft.com/office/powerpoint/2012/main">
+    <mc:Choice Requires="p15">
       <p:transition xmlns:p14="http://schemas.microsoft.com/office/powerpoint/2010/main" spd="slow" p14:dur="2000">
         <p15:prstTrans prst="drape"/>
       </p:transition>
     </mc:Choice>
-    <mc:Fallback>
+    <mc:Fallback xmlns="">
       <p:transition spd="slow">
         <p:fade/>
       </p:transition>
@@ -49393,13 +47325,13 @@
   <p:clrMapOvr>
     <a:masterClrMapping/>
   </p:clrMapOvr>
-  <mc:AlternateContent xmlns:mc="http://schemas.openxmlformats.org/markup-compatibility/2006">
-    <mc:Choice xmlns:p15="http://schemas.microsoft.com/office/powerpoint/2012/main" Requires="p15">
+  <mc:AlternateContent xmlns:mc="http://schemas.openxmlformats.org/markup-compatibility/2006" xmlns:p15="http://schemas.microsoft.com/office/powerpoint/2012/main">
+    <mc:Choice Requires="p15">
       <p:transition xmlns:p14="http://schemas.microsoft.com/office/powerpoint/2010/main" spd="slow" p14:dur="2000">
         <p15:prstTrans prst="fallOver"/>
       </p:transition>
     </mc:Choice>
-    <mc:Fallback>
+    <mc:Fallback xmlns="">
       <p:transition spd="slow">
         <p:fade/>
       </p:transition>
@@ -52615,830 +50547,6 @@
           <p:cNvPr id="2" name="Cím 1">
             <a:extLst>
               <a:ext uri="{FF2B5EF4-FFF2-40B4-BE49-F238E27FC236}">
-                <a16:creationId xmlns:a16="http://schemas.microsoft.com/office/drawing/2014/main" id="{F922565C-411C-49D0-A66B-32DEBB0D361D}"/>
-              </a:ext>
-            </a:extLst>
-          </p:cNvPr>
-          <p:cNvSpPr>
-            <a:spLocks noGrp="1"/>
-          </p:cNvSpPr>
-          <p:nvPr>
-            <p:ph type="ctrTitle"/>
-          </p:nvPr>
-        </p:nvSpPr>
-        <p:spPr>
-          <a:xfrm>
-            <a:off x="3299100" y="1632550"/>
-            <a:ext cx="10760400" cy="1470000"/>
-          </a:xfrm>
-        </p:spPr>
-        <p:txBody>
-          <a:bodyPr>
-            <a:normAutofit fontScale="90000"/>
-          </a:bodyPr>
-          <a:lstStyle/>
-          <a:p>
-            <a:r>
-              <a:rPr lang="hu-HU" dirty="0"/>
-              <a:t>Kezdő oldal</a:t>
-            </a:r>
-          </a:p>
-        </p:txBody>
-      </p:sp>
-      <p:pic>
-        <p:nvPicPr>
-          <p:cNvPr id="4" name="Kép 3">
-            <a:extLst>
-              <a:ext uri="{FF2B5EF4-FFF2-40B4-BE49-F238E27FC236}">
-                <a16:creationId xmlns:a16="http://schemas.microsoft.com/office/drawing/2014/main" id="{FDB44262-3196-4236-8D4A-F0E577000217}"/>
-              </a:ext>
-            </a:extLst>
-          </p:cNvPr>
-          <p:cNvPicPr>
-            <a:picLocks noChangeAspect="1"/>
-          </p:cNvPicPr>
-          <p:nvPr/>
-        </p:nvPicPr>
-        <p:blipFill>
-          <a:blip r:embed="rId2"/>
-          <a:stretch>
-            <a:fillRect/>
-          </a:stretch>
-        </p:blipFill>
-        <p:spPr>
-          <a:xfrm>
-            <a:off x="3061855" y="3048554"/>
-            <a:ext cx="11346872" cy="5605896"/>
-          </a:xfrm>
-          <a:prstGeom prst="rect">
-            <a:avLst/>
-          </a:prstGeom>
-        </p:spPr>
-      </p:pic>
-      <p:pic>
-        <p:nvPicPr>
-          <p:cNvPr id="5" name="Kép 4">
-            <a:extLst>
-              <a:ext uri="{FF2B5EF4-FFF2-40B4-BE49-F238E27FC236}">
-                <a16:creationId xmlns:a16="http://schemas.microsoft.com/office/drawing/2014/main" id="{B8BE26DC-B3C7-47AC-B403-BF957E643049}"/>
-              </a:ext>
-            </a:extLst>
-          </p:cNvPr>
-          <p:cNvPicPr>
-            <a:picLocks noChangeAspect="1"/>
-          </p:cNvPicPr>
-          <p:nvPr/>
-        </p:nvPicPr>
-        <p:blipFill>
-          <a:blip r:embed="rId3"/>
-          <a:stretch>
-            <a:fillRect/>
-          </a:stretch>
-        </p:blipFill>
-        <p:spPr>
-          <a:xfrm>
-            <a:off x="2792334" y="1371600"/>
-            <a:ext cx="11718570" cy="7590437"/>
-          </a:xfrm>
-          <a:prstGeom prst="rect">
-            <a:avLst/>
-          </a:prstGeom>
-        </p:spPr>
-      </p:pic>
-    </p:spTree>
-    <p:extLst>
-      <p:ext uri="{BB962C8B-B14F-4D97-AF65-F5344CB8AC3E}">
-        <p14:creationId xmlns:p14="http://schemas.microsoft.com/office/powerpoint/2010/main" val="266764837"/>
-      </p:ext>
-    </p:extLst>
-  </p:cSld>
-  <p:clrMapOvr>
-    <a:masterClrMapping/>
-  </p:clrMapOvr>
-  <p:transition spd="slow">
-    <p:push dir="u"/>
-  </p:transition>
-  <p:timing>
-    <p:tnLst>
-      <p:par>
-        <p:cTn id="1" dur="indefinite" restart="never" nodeType="tmRoot">
-          <p:childTnLst>
-            <p:seq concurrent="1" nextAc="seek">
-              <p:cTn id="2" dur="indefinite" nodeType="mainSeq">
-                <p:childTnLst>
-                  <p:par>
-                    <p:cTn id="3" fill="hold">
-                      <p:stCondLst>
-                        <p:cond delay="indefinite"/>
-                      </p:stCondLst>
-                      <p:childTnLst>
-                        <p:par>
-                          <p:cTn id="4" fill="hold">
-                            <p:stCondLst>
-                              <p:cond delay="0"/>
-                            </p:stCondLst>
-                            <p:childTnLst>
-                              <p:par>
-                                <p:cTn id="5" presetID="1" presetClass="entr" presetSubtype="0" fill="hold" nodeType="clickEffect">
-                                  <p:stCondLst>
-                                    <p:cond delay="0"/>
-                                  </p:stCondLst>
-                                  <p:childTnLst>
-                                    <p:set>
-                                      <p:cBhvr>
-                                        <p:cTn id="6" dur="1" fill="hold">
-                                          <p:stCondLst>
-                                            <p:cond delay="0"/>
-                                          </p:stCondLst>
-                                        </p:cTn>
-                                        <p:tgtEl>
-                                          <p:spTgt spid="5"/>
-                                        </p:tgtEl>
-                                        <p:attrNameLst>
-                                          <p:attrName>style.visibility</p:attrName>
-                                        </p:attrNameLst>
-                                      </p:cBhvr>
-                                      <p:to>
-                                        <p:strVal val="visible"/>
-                                      </p:to>
-                                    </p:set>
-                                  </p:childTnLst>
-                                </p:cTn>
-                              </p:par>
-                            </p:childTnLst>
-                          </p:cTn>
-                        </p:par>
-                      </p:childTnLst>
-                    </p:cTn>
-                  </p:par>
-                </p:childTnLst>
-              </p:cTn>
-              <p:prevCondLst>
-                <p:cond evt="onPrev" delay="0">
-                  <p:tgtEl>
-                    <p:sldTgt/>
-                  </p:tgtEl>
-                </p:cond>
-              </p:prevCondLst>
-              <p:nextCondLst>
-                <p:cond evt="onNext" delay="0">
-                  <p:tgtEl>
-                    <p:sldTgt/>
-                  </p:tgtEl>
-                </p:cond>
-              </p:nextCondLst>
-            </p:seq>
-          </p:childTnLst>
-        </p:cTn>
-      </p:par>
-    </p:tnLst>
-  </p:timing>
-</p:sld>
-</file>
-
-<file path=ppt/slides/slide6.xml><?xml version="1.0" encoding="utf-8"?>
-<p:sld xmlns:a="http://schemas.openxmlformats.org/drawingml/2006/main" xmlns:r="http://schemas.openxmlformats.org/officeDocument/2006/relationships" xmlns:p="http://schemas.openxmlformats.org/presentationml/2006/main">
-  <p:cSld>
-    <p:spTree>
-      <p:nvGrpSpPr>
-        <p:cNvPr id="1" name=""/>
-        <p:cNvGrpSpPr/>
-        <p:nvPr/>
-      </p:nvGrpSpPr>
-      <p:grpSpPr>
-        <a:xfrm>
-          <a:off x="0" y="0"/>
-          <a:ext cx="0" cy="0"/>
-          <a:chOff x="0" y="0"/>
-          <a:chExt cx="0" cy="0"/>
-        </a:xfrm>
-      </p:grpSpPr>
-      <p:sp>
-        <p:nvSpPr>
-          <p:cNvPr id="2" name="Cím 1">
-            <a:extLst>
-              <a:ext uri="{FF2B5EF4-FFF2-40B4-BE49-F238E27FC236}">
-                <a16:creationId xmlns:a16="http://schemas.microsoft.com/office/drawing/2014/main" id="{96F7CFFD-EC13-44C3-A1FB-510D5567DAE3}"/>
-              </a:ext>
-            </a:extLst>
-          </p:cNvPr>
-          <p:cNvSpPr>
-            <a:spLocks noGrp="1"/>
-          </p:cNvSpPr>
-          <p:nvPr>
-            <p:ph type="ctrTitle"/>
-          </p:nvPr>
-        </p:nvSpPr>
-        <p:spPr>
-          <a:xfrm>
-            <a:off x="5412492" y="4408500"/>
-            <a:ext cx="7915580" cy="1470000"/>
-          </a:xfrm>
-        </p:spPr>
-        <p:txBody>
-          <a:bodyPr>
-            <a:normAutofit fontScale="90000"/>
-          </a:bodyPr>
-          <a:lstStyle/>
-          <a:p>
-            <a:r>
-              <a:rPr lang="hu-HU" dirty="0"/>
-              <a:t>Kvíz kinézete</a:t>
-            </a:r>
-          </a:p>
-        </p:txBody>
-      </p:sp>
-      <p:pic>
-        <p:nvPicPr>
-          <p:cNvPr id="4" name="Kép 3">
-            <a:extLst>
-              <a:ext uri="{FF2B5EF4-FFF2-40B4-BE49-F238E27FC236}">
-                <a16:creationId xmlns:a16="http://schemas.microsoft.com/office/drawing/2014/main" id="{3AEA2D1A-041F-4598-A5CC-B45D6EF28794}"/>
-              </a:ext>
-            </a:extLst>
-          </p:cNvPr>
-          <p:cNvPicPr>
-            <a:picLocks noChangeAspect="1"/>
-          </p:cNvPicPr>
-          <p:nvPr/>
-        </p:nvPicPr>
-        <p:blipFill>
-          <a:blip r:embed="rId2"/>
-          <a:stretch>
-            <a:fillRect/>
-          </a:stretch>
-        </p:blipFill>
-        <p:spPr>
-          <a:xfrm>
-            <a:off x="1892431" y="1031117"/>
-            <a:ext cx="5893824" cy="8224766"/>
-          </a:xfrm>
-          <a:prstGeom prst="rect">
-            <a:avLst/>
-          </a:prstGeom>
-        </p:spPr>
-      </p:pic>
-      <p:pic>
-        <p:nvPicPr>
-          <p:cNvPr id="5" name="Kép 4">
-            <a:extLst>
-              <a:ext uri="{FF2B5EF4-FFF2-40B4-BE49-F238E27FC236}">
-                <a16:creationId xmlns:a16="http://schemas.microsoft.com/office/drawing/2014/main" id="{C149708D-1E73-4340-8788-F0AC741159F5}"/>
-              </a:ext>
-            </a:extLst>
-          </p:cNvPr>
-          <p:cNvPicPr>
-            <a:picLocks noChangeAspect="1"/>
-          </p:cNvPicPr>
-          <p:nvPr/>
-        </p:nvPicPr>
-        <p:blipFill>
-          <a:blip r:embed="rId3"/>
-          <a:stretch>
-            <a:fillRect/>
-          </a:stretch>
-        </p:blipFill>
-        <p:spPr>
-          <a:xfrm>
-            <a:off x="8936181" y="1031117"/>
-            <a:ext cx="5749877" cy="8039100"/>
-          </a:xfrm>
-          <a:prstGeom prst="rect">
-            <a:avLst/>
-          </a:prstGeom>
-        </p:spPr>
-      </p:pic>
-    </p:spTree>
-    <p:extLst>
-      <p:ext uri="{BB962C8B-B14F-4D97-AF65-F5344CB8AC3E}">
-        <p14:creationId xmlns:p14="http://schemas.microsoft.com/office/powerpoint/2010/main" val="3037937999"/>
-      </p:ext>
-    </p:extLst>
-  </p:cSld>
-  <p:clrMapOvr>
-    <a:masterClrMapping/>
-  </p:clrMapOvr>
-  <p:transition spd="slow">
-    <p:push dir="u"/>
-  </p:transition>
-  <p:timing>
-    <p:tnLst>
-      <p:par>
-        <p:cTn id="1" dur="indefinite" restart="never" nodeType="tmRoot">
-          <p:childTnLst>
-            <p:seq concurrent="1" nextAc="seek">
-              <p:cTn id="2" dur="indefinite" nodeType="mainSeq">
-                <p:childTnLst>
-                  <p:par>
-                    <p:cTn id="3" fill="hold">
-                      <p:stCondLst>
-                        <p:cond delay="indefinite"/>
-                      </p:stCondLst>
-                      <p:childTnLst>
-                        <p:par>
-                          <p:cTn id="4" fill="hold">
-                            <p:stCondLst>
-                              <p:cond delay="0"/>
-                            </p:stCondLst>
-                            <p:childTnLst>
-                              <p:par>
-                                <p:cTn id="5" presetID="1" presetClass="entr" presetSubtype="0" fill="hold" nodeType="clickEffect">
-                                  <p:stCondLst>
-                                    <p:cond delay="0"/>
-                                  </p:stCondLst>
-                                  <p:childTnLst>
-                                    <p:set>
-                                      <p:cBhvr>
-                                        <p:cTn id="6" dur="1" fill="hold">
-                                          <p:stCondLst>
-                                            <p:cond delay="0"/>
-                                          </p:stCondLst>
-                                        </p:cTn>
-                                        <p:tgtEl>
-                                          <p:spTgt spid="4"/>
-                                        </p:tgtEl>
-                                        <p:attrNameLst>
-                                          <p:attrName>style.visibility</p:attrName>
-                                        </p:attrNameLst>
-                                      </p:cBhvr>
-                                      <p:to>
-                                        <p:strVal val="visible"/>
-                                      </p:to>
-                                    </p:set>
-                                  </p:childTnLst>
-                                </p:cTn>
-                              </p:par>
-                            </p:childTnLst>
-                          </p:cTn>
-                        </p:par>
-                      </p:childTnLst>
-                    </p:cTn>
-                  </p:par>
-                  <p:par>
-                    <p:cTn id="7" fill="hold">
-                      <p:stCondLst>
-                        <p:cond delay="indefinite"/>
-                      </p:stCondLst>
-                      <p:childTnLst>
-                        <p:par>
-                          <p:cTn id="8" fill="hold">
-                            <p:stCondLst>
-                              <p:cond delay="0"/>
-                            </p:stCondLst>
-                            <p:childTnLst>
-                              <p:par>
-                                <p:cTn id="9" presetID="1" presetClass="entr" presetSubtype="0" fill="hold" nodeType="clickEffect">
-                                  <p:stCondLst>
-                                    <p:cond delay="0"/>
-                                  </p:stCondLst>
-                                  <p:childTnLst>
-                                    <p:set>
-                                      <p:cBhvr>
-                                        <p:cTn id="10" dur="1" fill="hold">
-                                          <p:stCondLst>
-                                            <p:cond delay="0"/>
-                                          </p:stCondLst>
-                                        </p:cTn>
-                                        <p:tgtEl>
-                                          <p:spTgt spid="5"/>
-                                        </p:tgtEl>
-                                        <p:attrNameLst>
-                                          <p:attrName>style.visibility</p:attrName>
-                                        </p:attrNameLst>
-                                      </p:cBhvr>
-                                      <p:to>
-                                        <p:strVal val="visible"/>
-                                      </p:to>
-                                    </p:set>
-                                  </p:childTnLst>
-                                </p:cTn>
-                              </p:par>
-                            </p:childTnLst>
-                          </p:cTn>
-                        </p:par>
-                      </p:childTnLst>
-                    </p:cTn>
-                  </p:par>
-                </p:childTnLst>
-              </p:cTn>
-              <p:prevCondLst>
-                <p:cond evt="onPrev" delay="0">
-                  <p:tgtEl>
-                    <p:sldTgt/>
-                  </p:tgtEl>
-                </p:cond>
-              </p:prevCondLst>
-              <p:nextCondLst>
-                <p:cond evt="onNext" delay="0">
-                  <p:tgtEl>
-                    <p:sldTgt/>
-                  </p:tgtEl>
-                </p:cond>
-              </p:nextCondLst>
-            </p:seq>
-          </p:childTnLst>
-        </p:cTn>
-      </p:par>
-    </p:tnLst>
-  </p:timing>
-</p:sld>
-</file>
-
-<file path=ppt/slides/slide7.xml><?xml version="1.0" encoding="utf-8"?>
-<p:sld xmlns:a="http://schemas.openxmlformats.org/drawingml/2006/main" xmlns:r="http://schemas.openxmlformats.org/officeDocument/2006/relationships" xmlns:p="http://schemas.openxmlformats.org/presentationml/2006/main">
-  <p:cSld>
-    <p:spTree>
-      <p:nvGrpSpPr>
-        <p:cNvPr id="1" name=""/>
-        <p:cNvGrpSpPr/>
-        <p:nvPr/>
-      </p:nvGrpSpPr>
-      <p:grpSpPr>
-        <a:xfrm>
-          <a:off x="0" y="0"/>
-          <a:ext cx="0" cy="0"/>
-          <a:chOff x="0" y="0"/>
-          <a:chExt cx="0" cy="0"/>
-        </a:xfrm>
-      </p:grpSpPr>
-      <p:sp>
-        <p:nvSpPr>
-          <p:cNvPr id="2" name="Cím 1">
-            <a:extLst>
-              <a:ext uri="{FF2B5EF4-FFF2-40B4-BE49-F238E27FC236}">
-                <a16:creationId xmlns:a16="http://schemas.microsoft.com/office/drawing/2014/main" id="{BF2459A4-BC36-4F9F-B0BB-E4610A0E8BEA}"/>
-              </a:ext>
-            </a:extLst>
-          </p:cNvPr>
-          <p:cNvSpPr>
-            <a:spLocks noGrp="1"/>
-          </p:cNvSpPr>
-          <p:nvPr>
-            <p:ph type="ctrTitle"/>
-          </p:nvPr>
-        </p:nvSpPr>
-        <p:spPr>
-          <a:xfrm>
-            <a:off x="10032291" y="3534209"/>
-            <a:ext cx="6426909" cy="2677390"/>
-          </a:xfrm>
-        </p:spPr>
-        <p:txBody>
-          <a:bodyPr>
-            <a:normAutofit fontScale="90000"/>
-          </a:bodyPr>
-          <a:lstStyle/>
-          <a:p>
-            <a:r>
-              <a:rPr lang="hu-HU" dirty="0"/>
-              <a:t>Kvíz Kódsora</a:t>
-            </a:r>
-          </a:p>
-        </p:txBody>
-      </p:sp>
-      <p:pic>
-        <p:nvPicPr>
-          <p:cNvPr id="4" name="Kép 3">
-            <a:extLst>
-              <a:ext uri="{FF2B5EF4-FFF2-40B4-BE49-F238E27FC236}">
-                <a16:creationId xmlns:a16="http://schemas.microsoft.com/office/drawing/2014/main" id="{5FCB8D1F-BA21-47C1-BD6D-2A7C9BB689FD}"/>
-              </a:ext>
-            </a:extLst>
-          </p:cNvPr>
-          <p:cNvPicPr>
-            <a:picLocks noChangeAspect="1"/>
-          </p:cNvPicPr>
-          <p:nvPr/>
-        </p:nvPicPr>
-        <p:blipFill>
-          <a:blip r:embed="rId2"/>
-          <a:stretch>
-            <a:fillRect/>
-          </a:stretch>
-        </p:blipFill>
-        <p:spPr>
-          <a:xfrm>
-            <a:off x="1607127" y="1690255"/>
-            <a:ext cx="8166798" cy="6365298"/>
-          </a:xfrm>
-          <a:prstGeom prst="rect">
-            <a:avLst/>
-          </a:prstGeom>
-        </p:spPr>
-      </p:pic>
-      <p:pic>
-        <p:nvPicPr>
-          <p:cNvPr id="5" name="Kép 4">
-            <a:extLst>
-              <a:ext uri="{FF2B5EF4-FFF2-40B4-BE49-F238E27FC236}">
-                <a16:creationId xmlns:a16="http://schemas.microsoft.com/office/drawing/2014/main" id="{5C7AA2E8-74B3-4419-93B3-E9E7F00B6BD1}"/>
-              </a:ext>
-            </a:extLst>
-          </p:cNvPr>
-          <p:cNvPicPr>
-            <a:picLocks noChangeAspect="1"/>
-          </p:cNvPicPr>
-          <p:nvPr/>
-        </p:nvPicPr>
-        <p:blipFill>
-          <a:blip r:embed="rId3"/>
-          <a:stretch>
-            <a:fillRect/>
-          </a:stretch>
-        </p:blipFill>
-        <p:spPr>
-          <a:xfrm>
-            <a:off x="12189402" y="3953741"/>
-            <a:ext cx="5133975" cy="1838325"/>
-          </a:xfrm>
-          <a:prstGeom prst="rect">
-            <a:avLst/>
-          </a:prstGeom>
-          <a:ln w="28575">
-            <a:solidFill>
-              <a:schemeClr val="bg2"/>
-            </a:solidFill>
-          </a:ln>
-        </p:spPr>
-      </p:pic>
-      <p:pic>
-        <p:nvPicPr>
-          <p:cNvPr id="6" name="Kép 5">
-            <a:extLst>
-              <a:ext uri="{FF2B5EF4-FFF2-40B4-BE49-F238E27FC236}">
-                <a16:creationId xmlns:a16="http://schemas.microsoft.com/office/drawing/2014/main" id="{F7906FD3-04CA-4279-B948-1616C3366D63}"/>
-              </a:ext>
-            </a:extLst>
-          </p:cNvPr>
-          <p:cNvPicPr>
-            <a:picLocks noChangeAspect="1"/>
-          </p:cNvPicPr>
-          <p:nvPr/>
-        </p:nvPicPr>
-        <p:blipFill>
-          <a:blip r:embed="rId4"/>
-          <a:stretch>
-            <a:fillRect/>
-          </a:stretch>
-        </p:blipFill>
-        <p:spPr>
-          <a:xfrm>
-            <a:off x="1348761" y="1190192"/>
-            <a:ext cx="6677025" cy="7629525"/>
-          </a:xfrm>
-          <a:prstGeom prst="roundRect">
-            <a:avLst>
-              <a:gd name="adj" fmla="val 8594"/>
-            </a:avLst>
-          </a:prstGeom>
-          <a:solidFill>
-            <a:srgbClr val="FFFFFF">
-              <a:shade val="85000"/>
-            </a:srgbClr>
-          </a:solidFill>
-          <a:ln w="28575">
-            <a:solidFill>
-              <a:schemeClr val="bg2"/>
-            </a:solidFill>
-          </a:ln>
-          <a:effectLst/>
-        </p:spPr>
-      </p:pic>
-      <p:pic>
-        <p:nvPicPr>
-          <p:cNvPr id="7" name="Kép 6">
-            <a:extLst>
-              <a:ext uri="{FF2B5EF4-FFF2-40B4-BE49-F238E27FC236}">
-                <a16:creationId xmlns:a16="http://schemas.microsoft.com/office/drawing/2014/main" id="{96BF1C29-D9B0-405F-ADEB-545E1A6B4CB0}"/>
-              </a:ext>
-            </a:extLst>
-          </p:cNvPr>
-          <p:cNvPicPr>
-            <a:picLocks noChangeAspect="1"/>
-          </p:cNvPicPr>
-          <p:nvPr/>
-        </p:nvPicPr>
-        <p:blipFill>
-          <a:blip r:embed="rId5"/>
-          <a:stretch>
-            <a:fillRect/>
-          </a:stretch>
-        </p:blipFill>
-        <p:spPr>
-          <a:xfrm>
-            <a:off x="8154969" y="1452995"/>
-            <a:ext cx="3905250" cy="7143750"/>
-          </a:xfrm>
-          <a:prstGeom prst="rect">
-            <a:avLst/>
-          </a:prstGeom>
-          <a:ln w="28575">
-            <a:solidFill>
-              <a:schemeClr val="bg2"/>
-            </a:solidFill>
-          </a:ln>
-        </p:spPr>
-      </p:pic>
-    </p:spTree>
-    <p:extLst>
-      <p:ext uri="{BB962C8B-B14F-4D97-AF65-F5344CB8AC3E}">
-        <p14:creationId xmlns:p14="http://schemas.microsoft.com/office/powerpoint/2010/main" val="2443653373"/>
-      </p:ext>
-    </p:extLst>
-  </p:cSld>
-  <p:clrMapOvr>
-    <a:masterClrMapping/>
-  </p:clrMapOvr>
-  <p:timing>
-    <p:tnLst>
-      <p:par>
-        <p:cTn id="1" dur="indefinite" restart="never" nodeType="tmRoot">
-          <p:childTnLst>
-            <p:seq concurrent="1" nextAc="seek">
-              <p:cTn id="2" dur="indefinite" nodeType="mainSeq">
-                <p:childTnLst>
-                  <p:par>
-                    <p:cTn id="3" fill="hold">
-                      <p:stCondLst>
-                        <p:cond delay="indefinite"/>
-                      </p:stCondLst>
-                      <p:childTnLst>
-                        <p:par>
-                          <p:cTn id="4" fill="hold">
-                            <p:stCondLst>
-                              <p:cond delay="0"/>
-                            </p:stCondLst>
-                            <p:childTnLst>
-                              <p:par>
-                                <p:cTn id="5" presetID="1" presetClass="entr" presetSubtype="0" fill="hold" nodeType="clickEffect">
-                                  <p:stCondLst>
-                                    <p:cond delay="0"/>
-                                  </p:stCondLst>
-                                  <p:childTnLst>
-                                    <p:set>
-                                      <p:cBhvr>
-                                        <p:cTn id="6" dur="1" fill="hold">
-                                          <p:stCondLst>
-                                            <p:cond delay="0"/>
-                                          </p:stCondLst>
-                                        </p:cTn>
-                                        <p:tgtEl>
-                                          <p:spTgt spid="5"/>
-                                        </p:tgtEl>
-                                        <p:attrNameLst>
-                                          <p:attrName>style.visibility</p:attrName>
-                                        </p:attrNameLst>
-                                      </p:cBhvr>
-                                      <p:to>
-                                        <p:strVal val="visible"/>
-                                      </p:to>
-                                    </p:set>
-                                  </p:childTnLst>
-                                </p:cTn>
-                              </p:par>
-                            </p:childTnLst>
-                          </p:cTn>
-                        </p:par>
-                      </p:childTnLst>
-                    </p:cTn>
-                  </p:par>
-                  <p:par>
-                    <p:cTn id="7" fill="hold">
-                      <p:stCondLst>
-                        <p:cond delay="indefinite"/>
-                      </p:stCondLst>
-                      <p:childTnLst>
-                        <p:par>
-                          <p:cTn id="8" fill="hold">
-                            <p:stCondLst>
-                              <p:cond delay="0"/>
-                            </p:stCondLst>
-                            <p:childTnLst>
-                              <p:par>
-                                <p:cTn id="9" presetID="1" presetClass="entr" presetSubtype="0" fill="hold" nodeType="clickEffect">
-                                  <p:stCondLst>
-                                    <p:cond delay="0"/>
-                                  </p:stCondLst>
-                                  <p:childTnLst>
-                                    <p:set>
-                                      <p:cBhvr>
-                                        <p:cTn id="10" dur="1" fill="hold">
-                                          <p:stCondLst>
-                                            <p:cond delay="0"/>
-                                          </p:stCondLst>
-                                        </p:cTn>
-                                        <p:tgtEl>
-                                          <p:spTgt spid="6"/>
-                                        </p:tgtEl>
-                                        <p:attrNameLst>
-                                          <p:attrName>style.visibility</p:attrName>
-                                        </p:attrNameLst>
-                                      </p:cBhvr>
-                                      <p:to>
-                                        <p:strVal val="visible"/>
-                                      </p:to>
-                                    </p:set>
-                                  </p:childTnLst>
-                                </p:cTn>
-                              </p:par>
-                            </p:childTnLst>
-                          </p:cTn>
-                        </p:par>
-                      </p:childTnLst>
-                    </p:cTn>
-                  </p:par>
-                  <p:par>
-                    <p:cTn id="11" fill="hold">
-                      <p:stCondLst>
-                        <p:cond delay="indefinite"/>
-                      </p:stCondLst>
-                      <p:childTnLst>
-                        <p:par>
-                          <p:cTn id="12" fill="hold">
-                            <p:stCondLst>
-                              <p:cond delay="0"/>
-                            </p:stCondLst>
-                            <p:childTnLst>
-                              <p:par>
-                                <p:cTn id="13" presetID="1" presetClass="entr" presetSubtype="0" fill="hold" nodeType="clickEffect">
-                                  <p:stCondLst>
-                                    <p:cond delay="0"/>
-                                  </p:stCondLst>
-                                  <p:childTnLst>
-                                    <p:set>
-                                      <p:cBhvr>
-                                        <p:cTn id="14" dur="1" fill="hold">
-                                          <p:stCondLst>
-                                            <p:cond delay="0"/>
-                                          </p:stCondLst>
-                                        </p:cTn>
-                                        <p:tgtEl>
-                                          <p:spTgt spid="7"/>
-                                        </p:tgtEl>
-                                        <p:attrNameLst>
-                                          <p:attrName>style.visibility</p:attrName>
-                                        </p:attrNameLst>
-                                      </p:cBhvr>
-                                      <p:to>
-                                        <p:strVal val="visible"/>
-                                      </p:to>
-                                    </p:set>
-                                  </p:childTnLst>
-                                </p:cTn>
-                              </p:par>
-                            </p:childTnLst>
-                          </p:cTn>
-                        </p:par>
-                      </p:childTnLst>
-                    </p:cTn>
-                  </p:par>
-                </p:childTnLst>
-              </p:cTn>
-              <p:prevCondLst>
-                <p:cond evt="onPrev" delay="0">
-                  <p:tgtEl>
-                    <p:sldTgt/>
-                  </p:tgtEl>
-                </p:cond>
-              </p:prevCondLst>
-              <p:nextCondLst>
-                <p:cond evt="onNext" delay="0">
-                  <p:tgtEl>
-                    <p:sldTgt/>
-                  </p:tgtEl>
-                </p:cond>
-              </p:nextCondLst>
-            </p:seq>
-          </p:childTnLst>
-        </p:cTn>
-      </p:par>
-    </p:tnLst>
-  </p:timing>
-</p:sld>
-</file>
-
-<file path=ppt/slides/slide8.xml><?xml version="1.0" encoding="utf-8"?>
-<p:sld xmlns:a="http://schemas.openxmlformats.org/drawingml/2006/main" xmlns:r="http://schemas.openxmlformats.org/officeDocument/2006/relationships" xmlns:p="http://schemas.openxmlformats.org/presentationml/2006/main">
-  <p:cSld>
-    <p:spTree>
-      <p:nvGrpSpPr>
-        <p:cNvPr id="1" name=""/>
-        <p:cNvGrpSpPr/>
-        <p:nvPr/>
-      </p:nvGrpSpPr>
-      <p:grpSpPr>
-        <a:xfrm>
-          <a:off x="0" y="0"/>
-          <a:ext cx="0" cy="0"/>
-          <a:chOff x="0" y="0"/>
-          <a:chExt cx="0" cy="0"/>
-        </a:xfrm>
-      </p:grpSpPr>
-      <p:sp>
-        <p:nvSpPr>
-          <p:cNvPr id="2" name="Cím 1">
-            <a:extLst>
-              <a:ext uri="{FF2B5EF4-FFF2-40B4-BE49-F238E27FC236}">
                 <a16:creationId xmlns:a16="http://schemas.microsoft.com/office/drawing/2014/main" id="{89F5A30B-FC7E-4355-9C89-F813B019D7C8}"/>
               </a:ext>
             </a:extLst>
@@ -53699,7 +50807,490 @@
 </p:sld>
 </file>
 
-<file path=ppt/slides/slide9.xml><?xml version="1.0" encoding="utf-8"?>
+<file path=ppt/slides/slide6.xml><?xml version="1.0" encoding="utf-8"?>
+<p:sld xmlns:a="http://schemas.openxmlformats.org/drawingml/2006/main" xmlns:r="http://schemas.openxmlformats.org/officeDocument/2006/relationships" xmlns:p="http://schemas.openxmlformats.org/presentationml/2006/main">
+  <p:cSld>
+    <p:spTree>
+      <p:nvGrpSpPr>
+        <p:cNvPr id="1" name=""/>
+        <p:cNvGrpSpPr/>
+        <p:nvPr/>
+      </p:nvGrpSpPr>
+      <p:grpSpPr>
+        <a:xfrm>
+          <a:off x="0" y="0"/>
+          <a:ext cx="0" cy="0"/>
+          <a:chOff x="0" y="0"/>
+          <a:chExt cx="0" cy="0"/>
+        </a:xfrm>
+      </p:grpSpPr>
+      <p:sp>
+        <p:nvSpPr>
+          <p:cNvPr id="2" name="Cím 1">
+            <a:extLst>
+              <a:ext uri="{FF2B5EF4-FFF2-40B4-BE49-F238E27FC236}">
+                <a16:creationId xmlns:a16="http://schemas.microsoft.com/office/drawing/2014/main" id="{32D2EA90-FFFE-4748-B7B4-993E9A6C9573}"/>
+              </a:ext>
+            </a:extLst>
+          </p:cNvPr>
+          <p:cNvSpPr>
+            <a:spLocks noGrp="1"/>
+          </p:cNvSpPr>
+          <p:nvPr>
+            <p:ph type="ctrTitle"/>
+          </p:nvPr>
+        </p:nvSpPr>
+        <p:spPr>
+          <a:xfrm>
+            <a:off x="817388" y="1784950"/>
+            <a:ext cx="10760400" cy="1470000"/>
+          </a:xfrm>
+        </p:spPr>
+        <p:txBody>
+          <a:bodyPr>
+            <a:normAutofit fontScale="90000"/>
+          </a:bodyPr>
+          <a:lstStyle/>
+          <a:p>
+            <a:r>
+              <a:rPr lang="hu-HU" dirty="0"/>
+              <a:t>Kígyós játék</a:t>
+            </a:r>
+          </a:p>
+        </p:txBody>
+      </p:sp>
+      <p:sp>
+        <p:nvSpPr>
+          <p:cNvPr id="3" name="Alcím 2">
+            <a:extLst>
+              <a:ext uri="{FF2B5EF4-FFF2-40B4-BE49-F238E27FC236}">
+                <a16:creationId xmlns:a16="http://schemas.microsoft.com/office/drawing/2014/main" id="{50763AEF-9D9A-406F-B1BE-3BD297BBE1D3}"/>
+              </a:ext>
+            </a:extLst>
+          </p:cNvPr>
+          <p:cNvSpPr>
+            <a:spLocks noGrp="1"/>
+          </p:cNvSpPr>
+          <p:nvPr>
+            <p:ph type="subTitle" idx="1"/>
+          </p:nvPr>
+        </p:nvSpPr>
+        <p:spPr>
+          <a:xfrm>
+            <a:off x="8598617" y="4064627"/>
+            <a:ext cx="6400800" cy="1752600"/>
+          </a:xfrm>
+        </p:spPr>
+        <p:txBody>
+          <a:bodyPr/>
+          <a:lstStyle/>
+          <a:p>
+            <a:pPr marL="596900" indent="-571500">
+              <a:buFont typeface="Wingdings" panose="05000000000000000000" pitchFamily="2" charset="2"/>
+              <a:buChar char="§"/>
+            </a:pPr>
+            <a:r>
+              <a:rPr lang="hu-HU" dirty="0"/>
+              <a:t>Kinézete </a:t>
+            </a:r>
+          </a:p>
+          <a:p>
+            <a:pPr marL="596900" indent="-571500">
+              <a:buFont typeface="Wingdings" panose="05000000000000000000" pitchFamily="2" charset="2"/>
+              <a:buChar char="§"/>
+            </a:pPr>
+            <a:r>
+              <a:rPr lang="hu-HU" dirty="0"/>
+              <a:t>Megvalósítása</a:t>
+            </a:r>
+          </a:p>
+        </p:txBody>
+      </p:sp>
+      <p:pic>
+        <p:nvPicPr>
+          <p:cNvPr id="5" name="Kép 4">
+            <a:extLst>
+              <a:ext uri="{FF2B5EF4-FFF2-40B4-BE49-F238E27FC236}">
+                <a16:creationId xmlns:a16="http://schemas.microsoft.com/office/drawing/2014/main" id="{1CDCE6EB-F37E-48D2-8D43-B550DB5B7164}"/>
+              </a:ext>
+            </a:extLst>
+          </p:cNvPr>
+          <p:cNvPicPr>
+            <a:picLocks noChangeAspect="1"/>
+          </p:cNvPicPr>
+          <p:nvPr/>
+        </p:nvPicPr>
+        <p:blipFill>
+          <a:blip r:embed="rId2"/>
+          <a:stretch>
+            <a:fillRect/>
+          </a:stretch>
+        </p:blipFill>
+        <p:spPr>
+          <a:xfrm>
+            <a:off x="3585215" y="3372361"/>
+            <a:ext cx="4199620" cy="5129689"/>
+          </a:xfrm>
+          <a:prstGeom prst="rect">
+            <a:avLst/>
+          </a:prstGeom>
+        </p:spPr>
+      </p:pic>
+    </p:spTree>
+    <p:extLst>
+      <p:ext uri="{BB962C8B-B14F-4D97-AF65-F5344CB8AC3E}">
+        <p14:creationId xmlns:p14="http://schemas.microsoft.com/office/powerpoint/2010/main" val="4164210501"/>
+      </p:ext>
+    </p:extLst>
+  </p:cSld>
+  <p:clrMapOvr>
+    <a:masterClrMapping/>
+  </p:clrMapOvr>
+  <p:transition spd="slow">
+    <p:wipe/>
+  </p:transition>
+</p:sld>
+</file>
+
+<file path=ppt/slides/slide7.xml><?xml version="1.0" encoding="utf-8"?>
+<p:sld xmlns:a="http://schemas.openxmlformats.org/drawingml/2006/main" xmlns:r="http://schemas.openxmlformats.org/officeDocument/2006/relationships" xmlns:p="http://schemas.openxmlformats.org/presentationml/2006/main">
+  <p:cSld>
+    <p:spTree>
+      <p:nvGrpSpPr>
+        <p:cNvPr id="1" name=""/>
+        <p:cNvGrpSpPr/>
+        <p:nvPr/>
+      </p:nvGrpSpPr>
+      <p:grpSpPr>
+        <a:xfrm>
+          <a:off x="0" y="0"/>
+          <a:ext cx="0" cy="0"/>
+          <a:chOff x="0" y="0"/>
+          <a:chExt cx="0" cy="0"/>
+        </a:xfrm>
+      </p:grpSpPr>
+      <p:sp>
+        <p:nvSpPr>
+          <p:cNvPr id="2" name="Cím 1">
+            <a:extLst>
+              <a:ext uri="{FF2B5EF4-FFF2-40B4-BE49-F238E27FC236}">
+                <a16:creationId xmlns:a16="http://schemas.microsoft.com/office/drawing/2014/main" id="{A383C154-E327-4CAC-B040-3B324F988893}"/>
+              </a:ext>
+            </a:extLst>
+          </p:cNvPr>
+          <p:cNvSpPr>
+            <a:spLocks noGrp="1"/>
+          </p:cNvSpPr>
+          <p:nvPr>
+            <p:ph type="ctrTitle"/>
+          </p:nvPr>
+        </p:nvSpPr>
+        <p:spPr>
+          <a:xfrm>
+            <a:off x="1035424" y="1411901"/>
+            <a:ext cx="16512988" cy="1470000"/>
+          </a:xfrm>
+        </p:spPr>
+        <p:txBody>
+          <a:bodyPr>
+            <a:normAutofit fontScale="90000"/>
+          </a:bodyPr>
+          <a:lstStyle/>
+          <a:p>
+            <a:r>
+              <a:rPr lang="hu-HU" dirty="0"/>
+              <a:t>Mozgás és maga a kígyó</a:t>
+            </a:r>
+          </a:p>
+        </p:txBody>
+      </p:sp>
+      <p:sp>
+        <p:nvSpPr>
+          <p:cNvPr id="3" name="Alcím 2">
+            <a:extLst>
+              <a:ext uri="{FF2B5EF4-FFF2-40B4-BE49-F238E27FC236}">
+                <a16:creationId xmlns:a16="http://schemas.microsoft.com/office/drawing/2014/main" id="{C7983AC1-8036-4DD1-A243-87F834AF14B5}"/>
+              </a:ext>
+            </a:extLst>
+          </p:cNvPr>
+          <p:cNvSpPr>
+            <a:spLocks noGrp="1"/>
+          </p:cNvSpPr>
+          <p:nvPr>
+            <p:ph type="subTitle" idx="1"/>
+          </p:nvPr>
+        </p:nvSpPr>
+        <p:spPr/>
+        <p:txBody>
+          <a:bodyPr/>
+          <a:lstStyle/>
+          <a:p>
+            <a:endParaRPr lang="hu-HU"/>
+          </a:p>
+        </p:txBody>
+      </p:sp>
+      <p:pic>
+        <p:nvPicPr>
+          <p:cNvPr id="5" name="Kép 4">
+            <a:extLst>
+              <a:ext uri="{FF2B5EF4-FFF2-40B4-BE49-F238E27FC236}">
+                <a16:creationId xmlns:a16="http://schemas.microsoft.com/office/drawing/2014/main" id="{BE158AC1-4A1C-4C9D-BA60-718BD72B4576}"/>
+              </a:ext>
+            </a:extLst>
+          </p:cNvPr>
+          <p:cNvPicPr>
+            <a:picLocks noChangeAspect="1"/>
+          </p:cNvPicPr>
+          <p:nvPr/>
+        </p:nvPicPr>
+        <p:blipFill>
+          <a:blip r:embed="rId2"/>
+          <a:stretch>
+            <a:fillRect/>
+          </a:stretch>
+        </p:blipFill>
+        <p:spPr>
+          <a:xfrm>
+            <a:off x="1752848" y="2971514"/>
+            <a:ext cx="6081078" cy="6214826"/>
+          </a:xfrm>
+          <a:prstGeom prst="rect">
+            <a:avLst/>
+          </a:prstGeom>
+        </p:spPr>
+      </p:pic>
+      <p:pic>
+        <p:nvPicPr>
+          <p:cNvPr id="7" name="Kép 6">
+            <a:extLst>
+              <a:ext uri="{FF2B5EF4-FFF2-40B4-BE49-F238E27FC236}">
+                <a16:creationId xmlns:a16="http://schemas.microsoft.com/office/drawing/2014/main" id="{11CC3245-4B22-401E-9A15-D233DA31097E}"/>
+              </a:ext>
+            </a:extLst>
+          </p:cNvPr>
+          <p:cNvPicPr>
+            <a:picLocks noChangeAspect="1"/>
+          </p:cNvPicPr>
+          <p:nvPr/>
+        </p:nvPicPr>
+        <p:blipFill>
+          <a:blip r:embed="rId3"/>
+          <a:stretch>
+            <a:fillRect/>
+          </a:stretch>
+        </p:blipFill>
+        <p:spPr>
+          <a:xfrm>
+            <a:off x="9399497" y="3751730"/>
+            <a:ext cx="6759138" cy="4163238"/>
+          </a:xfrm>
+          <a:prstGeom prst="rect">
+            <a:avLst/>
+          </a:prstGeom>
+        </p:spPr>
+      </p:pic>
+    </p:spTree>
+    <p:extLst>
+      <p:ext uri="{BB962C8B-B14F-4D97-AF65-F5344CB8AC3E}">
+        <p14:creationId xmlns:p14="http://schemas.microsoft.com/office/powerpoint/2010/main" val="2134143917"/>
+      </p:ext>
+    </p:extLst>
+  </p:cSld>
+  <p:clrMapOvr>
+    <a:masterClrMapping/>
+  </p:clrMapOvr>
+  <mc:AlternateContent xmlns:mc="http://schemas.openxmlformats.org/markup-compatibility/2006" xmlns:p14="http://schemas.microsoft.com/office/powerpoint/2010/main">
+    <mc:Choice Requires="p14">
+      <p:transition spd="slow" p14:dur="3400">
+        <p14:reveal/>
+      </p:transition>
+    </mc:Choice>
+    <mc:Fallback xmlns="">
+      <p:transition spd="slow">
+        <p:fade/>
+      </p:transition>
+    </mc:Fallback>
+  </mc:AlternateContent>
+  <p:timing>
+    <p:tnLst>
+      <p:par>
+        <p:cTn id="1" dur="indefinite" restart="never" nodeType="tmRoot">
+          <p:childTnLst>
+            <p:seq concurrent="1" nextAc="seek">
+              <p:cTn id="2" dur="indefinite" nodeType="mainSeq">
+                <p:childTnLst>
+                  <p:par>
+                    <p:cTn id="3" fill="hold">
+                      <p:stCondLst>
+                        <p:cond delay="indefinite"/>
+                        <p:cond evt="onBegin" delay="0">
+                          <p:tn val="2"/>
+                        </p:cond>
+                      </p:stCondLst>
+                      <p:childTnLst>
+                        <p:par>
+                          <p:cTn id="4" fill="hold">
+                            <p:stCondLst>
+                              <p:cond delay="0"/>
+                            </p:stCondLst>
+                            <p:childTnLst>
+                              <p:par>
+                                <p:cTn id="5" presetID="42" presetClass="entr" presetSubtype="0" fill="hold" nodeType="afterEffect">
+                                  <p:stCondLst>
+                                    <p:cond delay="0"/>
+                                  </p:stCondLst>
+                                  <p:childTnLst>
+                                    <p:set>
+                                      <p:cBhvr>
+                                        <p:cTn id="6" dur="1" fill="hold">
+                                          <p:stCondLst>
+                                            <p:cond delay="0"/>
+                                          </p:stCondLst>
+                                        </p:cTn>
+                                        <p:tgtEl>
+                                          <p:spTgt spid="5"/>
+                                        </p:tgtEl>
+                                        <p:attrNameLst>
+                                          <p:attrName>style.visibility</p:attrName>
+                                        </p:attrNameLst>
+                                      </p:cBhvr>
+                                      <p:to>
+                                        <p:strVal val="visible"/>
+                                      </p:to>
+                                    </p:set>
+                                    <p:animEffect transition="in" filter="fade">
+                                      <p:cBhvr>
+                                        <p:cTn id="7" dur="1000"/>
+                                        <p:tgtEl>
+                                          <p:spTgt spid="5"/>
+                                        </p:tgtEl>
+                                      </p:cBhvr>
+                                    </p:animEffect>
+                                    <p:anim calcmode="lin" valueType="num">
+                                      <p:cBhvr>
+                                        <p:cTn id="8" dur="1000" fill="hold"/>
+                                        <p:tgtEl>
+                                          <p:spTgt spid="5"/>
+                                        </p:tgtEl>
+                                        <p:attrNameLst>
+                                          <p:attrName>ppt_x</p:attrName>
+                                        </p:attrNameLst>
+                                      </p:cBhvr>
+                                      <p:tavLst>
+                                        <p:tav tm="0">
+                                          <p:val>
+                                            <p:strVal val="#ppt_x"/>
+                                          </p:val>
+                                        </p:tav>
+                                        <p:tav tm="100000">
+                                          <p:val>
+                                            <p:strVal val="#ppt_x"/>
+                                          </p:val>
+                                        </p:tav>
+                                      </p:tavLst>
+                                    </p:anim>
+                                    <p:anim calcmode="lin" valueType="num">
+                                      <p:cBhvr>
+                                        <p:cTn id="9" dur="1000" fill="hold"/>
+                                        <p:tgtEl>
+                                          <p:spTgt spid="5"/>
+                                        </p:tgtEl>
+                                        <p:attrNameLst>
+                                          <p:attrName>ppt_y</p:attrName>
+                                        </p:attrNameLst>
+                                      </p:cBhvr>
+                                      <p:tavLst>
+                                        <p:tav tm="0">
+                                          <p:val>
+                                            <p:strVal val="#ppt_y+.1"/>
+                                          </p:val>
+                                        </p:tav>
+                                        <p:tav tm="100000">
+                                          <p:val>
+                                            <p:strVal val="#ppt_y"/>
+                                          </p:val>
+                                        </p:tav>
+                                      </p:tavLst>
+                                    </p:anim>
+                                  </p:childTnLst>
+                                </p:cTn>
+                              </p:par>
+                            </p:childTnLst>
+                          </p:cTn>
+                        </p:par>
+                        <p:par>
+                          <p:cTn id="10" fill="hold">
+                            <p:stCondLst>
+                              <p:cond delay="1000"/>
+                            </p:stCondLst>
+                            <p:childTnLst>
+                              <p:par>
+                                <p:cTn id="11" presetID="14" presetClass="entr" presetSubtype="10" fill="hold" nodeType="afterEffect">
+                                  <p:stCondLst>
+                                    <p:cond delay="0"/>
+                                  </p:stCondLst>
+                                  <p:childTnLst>
+                                    <p:set>
+                                      <p:cBhvr>
+                                        <p:cTn id="12" dur="1" fill="hold">
+                                          <p:stCondLst>
+                                            <p:cond delay="0"/>
+                                          </p:stCondLst>
+                                        </p:cTn>
+                                        <p:tgtEl>
+                                          <p:spTgt spid="7"/>
+                                        </p:tgtEl>
+                                        <p:attrNameLst>
+                                          <p:attrName>style.visibility</p:attrName>
+                                        </p:attrNameLst>
+                                      </p:cBhvr>
+                                      <p:to>
+                                        <p:strVal val="visible"/>
+                                      </p:to>
+                                    </p:set>
+                                    <p:animEffect transition="in" filter="randombar(horizontal)">
+                                      <p:cBhvr>
+                                        <p:cTn id="13" dur="500"/>
+                                        <p:tgtEl>
+                                          <p:spTgt spid="7"/>
+                                        </p:tgtEl>
+                                      </p:cBhvr>
+                                    </p:animEffect>
+                                  </p:childTnLst>
+                                </p:cTn>
+                              </p:par>
+                            </p:childTnLst>
+                          </p:cTn>
+                        </p:par>
+                      </p:childTnLst>
+                    </p:cTn>
+                  </p:par>
+                </p:childTnLst>
+              </p:cTn>
+              <p:prevCondLst>
+                <p:cond evt="onPrev" delay="0">
+                  <p:tgtEl>
+                    <p:sldTgt/>
+                  </p:tgtEl>
+                </p:cond>
+              </p:prevCondLst>
+              <p:nextCondLst>
+                <p:cond evt="onNext" delay="0">
+                  <p:tgtEl>
+                    <p:sldTgt/>
+                  </p:tgtEl>
+                </p:cond>
+              </p:nextCondLst>
+            </p:seq>
+          </p:childTnLst>
+        </p:cTn>
+      </p:par>
+    </p:tnLst>
+  </p:timing>
+</p:sld>
+</file>
+
+<file path=ppt/slides/slide8.xml><?xml version="1.0" encoding="utf-8"?>
 <p:sld xmlns:a="http://schemas.openxmlformats.org/drawingml/2006/main" xmlns:r="http://schemas.openxmlformats.org/officeDocument/2006/relationships" xmlns:p="http://schemas.openxmlformats.org/presentationml/2006/main">
   <p:cSld>
     <p:spTree>
@@ -55119,18 +52710,2427 @@
   <p:clrMapOvr>
     <a:masterClrMapping/>
   </p:clrMapOvr>
-  <mc:AlternateContent xmlns:mc="http://schemas.openxmlformats.org/markup-compatibility/2006">
-    <mc:Choice xmlns:p14="http://schemas.microsoft.com/office/powerpoint/2010/main" Requires="p14">
+  <mc:AlternateContent xmlns:mc="http://schemas.openxmlformats.org/markup-compatibility/2006" xmlns:p14="http://schemas.microsoft.com/office/powerpoint/2010/main">
+    <mc:Choice Requires="p14">
       <p:transition spd="slow" p14:dur="1500">
         <p:split orient="vert"/>
       </p:transition>
     </mc:Choice>
-    <mc:Fallback>
+    <mc:Fallback xmlns="">
       <p:transition spd="slow">
         <p:split orient="vert"/>
       </p:transition>
     </mc:Fallback>
   </mc:AlternateContent>
+</p:sld>
+</file>
+
+<file path=ppt/slides/slide9.xml><?xml version="1.0" encoding="utf-8"?>
+<p:sld xmlns:a="http://schemas.openxmlformats.org/drawingml/2006/main" xmlns:r="http://schemas.openxmlformats.org/officeDocument/2006/relationships" xmlns:p="http://schemas.openxmlformats.org/presentationml/2006/main">
+  <p:cSld>
+    <p:bg>
+      <p:bgPr>
+        <a:solidFill>
+          <a:srgbClr val="7DBFF8"/>
+        </a:solidFill>
+        <a:effectLst/>
+      </p:bgPr>
+    </p:bg>
+    <p:spTree>
+      <p:nvGrpSpPr>
+        <p:cNvPr id="1" name="Shape 858"/>
+        <p:cNvGrpSpPr/>
+        <p:nvPr/>
+      </p:nvGrpSpPr>
+      <p:grpSpPr>
+        <a:xfrm>
+          <a:off x="0" y="0"/>
+          <a:ext cx="0" cy="0"/>
+          <a:chOff x="0" y="0"/>
+          <a:chExt cx="0" cy="0"/>
+        </a:xfrm>
+      </p:grpSpPr>
+      <p:grpSp>
+        <p:nvGrpSpPr>
+          <p:cNvPr id="859" name="Google Shape;859;p20"/>
+          <p:cNvGrpSpPr/>
+          <p:nvPr/>
+        </p:nvGrpSpPr>
+        <p:grpSpPr>
+          <a:xfrm>
+            <a:off x="15384711" y="-7367874"/>
+            <a:ext cx="6568145" cy="10644284"/>
+            <a:chOff x="1" y="1"/>
+            <a:chExt cx="8757526" cy="14192379"/>
+          </a:xfrm>
+        </p:grpSpPr>
+        <p:grpSp>
+          <p:nvGrpSpPr>
+            <p:cNvPr id="860" name="Google Shape;860;p20"/>
+            <p:cNvGrpSpPr/>
+            <p:nvPr/>
+          </p:nvGrpSpPr>
+          <p:grpSpPr>
+            <a:xfrm rot="-13330">
+              <a:off x="27419" y="16820"/>
+              <a:ext cx="8702690" cy="14158740"/>
+              <a:chOff x="0" y="0"/>
+              <a:chExt cx="660400" cy="1074430"/>
+            </a:xfrm>
+          </p:grpSpPr>
+          <p:sp>
+            <p:nvSpPr>
+              <p:cNvPr id="861" name="Google Shape;861;p20"/>
+              <p:cNvSpPr/>
+              <p:nvPr/>
+            </p:nvSpPr>
+            <p:spPr>
+              <a:xfrm>
+                <a:off x="0" y="0"/>
+                <a:ext cx="660400" cy="1074430"/>
+              </a:xfrm>
+              <a:custGeom>
+                <a:avLst/>
+                <a:gdLst/>
+                <a:ahLst/>
+                <a:cxnLst/>
+                <a:rect l="l" t="t" r="r" b="b"/>
+                <a:pathLst>
+                  <a:path w="660400" h="1074430" extrusionOk="0">
+                    <a:moveTo>
+                      <a:pt x="220252" y="1055361"/>
+                    </a:moveTo>
+                    <a:cubicBezTo>
+                      <a:pt x="254109" y="1066875"/>
+                      <a:pt x="292600" y="1074430"/>
+                      <a:pt x="330378" y="1074430"/>
+                    </a:cubicBezTo>
+                    <a:cubicBezTo>
+                      <a:pt x="368157" y="1074430"/>
+                      <a:pt x="404509" y="1067953"/>
+                      <a:pt x="438009" y="1056439"/>
+                    </a:cubicBezTo>
+                    <a:cubicBezTo>
+                      <a:pt x="438723" y="1056080"/>
+                      <a:pt x="439435" y="1056080"/>
+                      <a:pt x="440148" y="1055720"/>
+                    </a:cubicBezTo>
+                    <a:cubicBezTo>
+                      <a:pt x="565955" y="1009665"/>
+                      <a:pt x="658618" y="888051"/>
+                      <a:pt x="660400" y="740117"/>
+                    </a:cubicBezTo>
+                    <a:lnTo>
+                      <a:pt x="660400" y="0"/>
+                    </a:lnTo>
+                    <a:lnTo>
+                      <a:pt x="0" y="0"/>
+                    </a:lnTo>
+                    <a:lnTo>
+                      <a:pt x="0" y="739567"/>
+                    </a:lnTo>
+                    <a:cubicBezTo>
+                      <a:pt x="1782" y="888770"/>
+                      <a:pt x="93019" y="1010385"/>
+                      <a:pt x="220252" y="1055361"/>
+                    </a:cubicBezTo>
+                    <a:close/>
+                  </a:path>
+                </a:pathLst>
+              </a:custGeom>
+              <a:solidFill>
+                <a:srgbClr val="000000">
+                  <a:alpha val="0"/>
+                </a:srgbClr>
+              </a:solidFill>
+              <a:ln w="57150" cap="flat" cmpd="sng">
+                <a:solidFill>
+                  <a:srgbClr val="FFFFFF"/>
+                </a:solidFill>
+                <a:prstDash val="solid"/>
+                <a:round/>
+                <a:headEnd type="none" w="sm" len="sm"/>
+                <a:tailEnd type="none" w="sm" len="sm"/>
+              </a:ln>
+            </p:spPr>
+            <p:txBody>
+              <a:bodyPr spcFirstLastPara="1" wrap="square" lIns="91425" tIns="91425" rIns="91425" bIns="91425" anchor="ctr" anchorCtr="0">
+                <a:noAutofit/>
+              </a:bodyPr>
+              <a:lstStyle/>
+              <a:p>
+                <a:pPr marL="0" lvl="0" indent="0" algn="l" rtl="0">
+                  <a:spcBef>
+                    <a:spcPts val="0"/>
+                  </a:spcBef>
+                  <a:spcAft>
+                    <a:spcPts val="0"/>
+                  </a:spcAft>
+                  <a:buNone/>
+                </a:pPr>
+                <a:endParaRPr/>
+              </a:p>
+            </p:txBody>
+          </p:sp>
+          <p:sp>
+            <p:nvSpPr>
+              <p:cNvPr id="862" name="Google Shape;862;p20"/>
+              <p:cNvSpPr txBox="1"/>
+              <p:nvPr/>
+            </p:nvSpPr>
+            <p:spPr>
+              <a:xfrm>
+                <a:off x="0" y="0"/>
+                <a:ext cx="660400" cy="685800"/>
+              </a:xfrm>
+              <a:prstGeom prst="rect">
+                <a:avLst/>
+              </a:prstGeom>
+              <a:noFill/>
+              <a:ln>
+                <a:noFill/>
+              </a:ln>
+            </p:spPr>
+            <p:txBody>
+              <a:bodyPr spcFirstLastPara="1" wrap="square" lIns="95725" tIns="95725" rIns="95725" bIns="95725" anchor="ctr" anchorCtr="0">
+                <a:noAutofit/>
+              </a:bodyPr>
+              <a:lstStyle/>
+              <a:p>
+                <a:pPr marL="0" marR="0" lvl="0" indent="0" algn="ctr" rtl="0">
+                  <a:lnSpc>
+                    <a:spcPct val="183055"/>
+                  </a:lnSpc>
+                  <a:spcBef>
+                    <a:spcPts val="0"/>
+                  </a:spcBef>
+                  <a:spcAft>
+                    <a:spcPts val="0"/>
+                  </a:spcAft>
+                  <a:buNone/>
+                </a:pPr>
+                <a:endParaRPr sz="1800" b="0" i="0" u="none" strike="noStrike" cap="none">
+                  <a:solidFill>
+                    <a:schemeClr val="dk1"/>
+                  </a:solidFill>
+                  <a:latin typeface="Calibri"/>
+                  <a:ea typeface="Calibri"/>
+                  <a:cs typeface="Calibri"/>
+                  <a:sym typeface="Calibri"/>
+                </a:endParaRPr>
+              </a:p>
+            </p:txBody>
+          </p:sp>
+        </p:grpSp>
+        <p:grpSp>
+          <p:nvGrpSpPr>
+            <p:cNvPr id="863" name="Google Shape;863;p20"/>
+            <p:cNvGrpSpPr/>
+            <p:nvPr/>
+          </p:nvGrpSpPr>
+          <p:grpSpPr>
+            <a:xfrm rot="-13330">
+              <a:off x="648402" y="705475"/>
+              <a:ext cx="7537530" cy="12832230"/>
+              <a:chOff x="0" y="0"/>
+              <a:chExt cx="660400" cy="1124295"/>
+            </a:xfrm>
+          </p:grpSpPr>
+          <p:sp>
+            <p:nvSpPr>
+              <p:cNvPr id="864" name="Google Shape;864;p20"/>
+              <p:cNvSpPr/>
+              <p:nvPr/>
+            </p:nvSpPr>
+            <p:spPr>
+              <a:xfrm>
+                <a:off x="0" y="0"/>
+                <a:ext cx="660400" cy="1124295"/>
+              </a:xfrm>
+              <a:custGeom>
+                <a:avLst/>
+                <a:gdLst/>
+                <a:ahLst/>
+                <a:cxnLst/>
+                <a:rect l="l" t="t" r="r" b="b"/>
+                <a:pathLst>
+                  <a:path w="660400" h="1124295" extrusionOk="0">
+                    <a:moveTo>
+                      <a:pt x="220252" y="1105226"/>
+                    </a:moveTo>
+                    <a:cubicBezTo>
+                      <a:pt x="254109" y="1116739"/>
+                      <a:pt x="292600" y="1124295"/>
+                      <a:pt x="330378" y="1124295"/>
+                    </a:cubicBezTo>
+                    <a:cubicBezTo>
+                      <a:pt x="368157" y="1124295"/>
+                      <a:pt x="404509" y="1117818"/>
+                      <a:pt x="438009" y="1106304"/>
+                    </a:cubicBezTo>
+                    <a:cubicBezTo>
+                      <a:pt x="438723" y="1105945"/>
+                      <a:pt x="439435" y="1105945"/>
+                      <a:pt x="440148" y="1105585"/>
+                    </a:cubicBezTo>
+                    <a:cubicBezTo>
+                      <a:pt x="565955" y="1059530"/>
+                      <a:pt x="658618" y="937916"/>
+                      <a:pt x="660400" y="788874"/>
+                    </a:cubicBezTo>
+                    <a:lnTo>
+                      <a:pt x="660400" y="0"/>
+                    </a:lnTo>
+                    <a:lnTo>
+                      <a:pt x="0" y="0"/>
+                    </a:lnTo>
+                    <a:lnTo>
+                      <a:pt x="0" y="788288"/>
+                    </a:lnTo>
+                    <a:cubicBezTo>
+                      <a:pt x="1782" y="938635"/>
+                      <a:pt x="93019" y="1060250"/>
+                      <a:pt x="220252" y="1105226"/>
+                    </a:cubicBezTo>
+                    <a:close/>
+                  </a:path>
+                </a:pathLst>
+              </a:custGeom>
+              <a:solidFill>
+                <a:srgbClr val="000000">
+                  <a:alpha val="0"/>
+                </a:srgbClr>
+              </a:solidFill>
+              <a:ln w="57150" cap="flat" cmpd="sng">
+                <a:solidFill>
+                  <a:srgbClr val="FFFFFF"/>
+                </a:solidFill>
+                <a:prstDash val="solid"/>
+                <a:round/>
+                <a:headEnd type="none" w="sm" len="sm"/>
+                <a:tailEnd type="none" w="sm" len="sm"/>
+              </a:ln>
+            </p:spPr>
+            <p:txBody>
+              <a:bodyPr spcFirstLastPara="1" wrap="square" lIns="91425" tIns="91425" rIns="91425" bIns="91425" anchor="ctr" anchorCtr="0">
+                <a:noAutofit/>
+              </a:bodyPr>
+              <a:lstStyle/>
+              <a:p>
+                <a:pPr marL="0" lvl="0" indent="0" algn="l" rtl="0">
+                  <a:spcBef>
+                    <a:spcPts val="0"/>
+                  </a:spcBef>
+                  <a:spcAft>
+                    <a:spcPts val="0"/>
+                  </a:spcAft>
+                  <a:buNone/>
+                </a:pPr>
+                <a:endParaRPr/>
+              </a:p>
+            </p:txBody>
+          </p:sp>
+          <p:sp>
+            <p:nvSpPr>
+              <p:cNvPr id="865" name="Google Shape;865;p20"/>
+              <p:cNvSpPr txBox="1"/>
+              <p:nvPr/>
+            </p:nvSpPr>
+            <p:spPr>
+              <a:xfrm>
+                <a:off x="0" y="0"/>
+                <a:ext cx="660400" cy="685800"/>
+              </a:xfrm>
+              <a:prstGeom prst="rect">
+                <a:avLst/>
+              </a:prstGeom>
+              <a:noFill/>
+              <a:ln>
+                <a:noFill/>
+              </a:ln>
+            </p:spPr>
+            <p:txBody>
+              <a:bodyPr spcFirstLastPara="1" wrap="square" lIns="95725" tIns="95725" rIns="95725" bIns="95725" anchor="ctr" anchorCtr="0">
+                <a:noAutofit/>
+              </a:bodyPr>
+              <a:lstStyle/>
+              <a:p>
+                <a:pPr marL="0" marR="0" lvl="0" indent="0" algn="ctr" rtl="0">
+                  <a:lnSpc>
+                    <a:spcPct val="183055"/>
+                  </a:lnSpc>
+                  <a:spcBef>
+                    <a:spcPts val="0"/>
+                  </a:spcBef>
+                  <a:spcAft>
+                    <a:spcPts val="0"/>
+                  </a:spcAft>
+                  <a:buNone/>
+                </a:pPr>
+                <a:endParaRPr sz="1800" b="0" i="0" u="none" strike="noStrike" cap="none">
+                  <a:solidFill>
+                    <a:schemeClr val="dk1"/>
+                  </a:solidFill>
+                  <a:latin typeface="Calibri"/>
+                  <a:ea typeface="Calibri"/>
+                  <a:cs typeface="Calibri"/>
+                  <a:sym typeface="Calibri"/>
+                </a:endParaRPr>
+              </a:p>
+            </p:txBody>
+          </p:sp>
+        </p:grpSp>
+        <p:grpSp>
+          <p:nvGrpSpPr>
+            <p:cNvPr id="866" name="Google Shape;866;p20"/>
+            <p:cNvGrpSpPr/>
+            <p:nvPr/>
+          </p:nvGrpSpPr>
+          <p:grpSpPr>
+            <a:xfrm rot="-13330">
+              <a:off x="1299019" y="1526588"/>
+              <a:ext cx="6236652" cy="11291604"/>
+              <a:chOff x="0" y="0"/>
+              <a:chExt cx="660400" cy="1195670"/>
+            </a:xfrm>
+          </p:grpSpPr>
+          <p:sp>
+            <p:nvSpPr>
+              <p:cNvPr id="867" name="Google Shape;867;p20"/>
+              <p:cNvSpPr/>
+              <p:nvPr/>
+            </p:nvSpPr>
+            <p:spPr>
+              <a:xfrm>
+                <a:off x="0" y="0"/>
+                <a:ext cx="660400" cy="1195670"/>
+              </a:xfrm>
+              <a:custGeom>
+                <a:avLst/>
+                <a:gdLst/>
+                <a:ahLst/>
+                <a:cxnLst/>
+                <a:rect l="l" t="t" r="r" b="b"/>
+                <a:pathLst>
+                  <a:path w="660400" h="1195670" extrusionOk="0">
+                    <a:moveTo>
+                      <a:pt x="220252" y="1176601"/>
+                    </a:moveTo>
+                    <a:cubicBezTo>
+                      <a:pt x="254109" y="1188114"/>
+                      <a:pt x="292600" y="1195670"/>
+                      <a:pt x="330378" y="1195670"/>
+                    </a:cubicBezTo>
+                    <a:cubicBezTo>
+                      <a:pt x="368157" y="1195670"/>
+                      <a:pt x="404509" y="1189193"/>
+                      <a:pt x="438009" y="1177679"/>
+                    </a:cubicBezTo>
+                    <a:cubicBezTo>
+                      <a:pt x="438723" y="1177320"/>
+                      <a:pt x="439435" y="1177320"/>
+                      <a:pt x="440148" y="1176960"/>
+                    </a:cubicBezTo>
+                    <a:cubicBezTo>
+                      <a:pt x="565955" y="1130905"/>
+                      <a:pt x="658618" y="1009291"/>
+                      <a:pt x="660400" y="858663"/>
+                    </a:cubicBezTo>
+                    <a:lnTo>
+                      <a:pt x="660400" y="0"/>
+                    </a:lnTo>
+                    <a:lnTo>
+                      <a:pt x="0" y="0"/>
+                    </a:lnTo>
+                    <a:lnTo>
+                      <a:pt x="0" y="858026"/>
+                    </a:lnTo>
+                    <a:cubicBezTo>
+                      <a:pt x="1782" y="1010010"/>
+                      <a:pt x="93019" y="1131625"/>
+                      <a:pt x="220252" y="1176601"/>
+                    </a:cubicBezTo>
+                    <a:close/>
+                  </a:path>
+                </a:pathLst>
+              </a:custGeom>
+              <a:solidFill>
+                <a:srgbClr val="000000">
+                  <a:alpha val="0"/>
+                </a:srgbClr>
+              </a:solidFill>
+              <a:ln w="57150" cap="flat" cmpd="sng">
+                <a:solidFill>
+                  <a:srgbClr val="FFFFFF"/>
+                </a:solidFill>
+                <a:prstDash val="solid"/>
+                <a:round/>
+                <a:headEnd type="none" w="sm" len="sm"/>
+                <a:tailEnd type="none" w="sm" len="sm"/>
+              </a:ln>
+            </p:spPr>
+            <p:txBody>
+              <a:bodyPr spcFirstLastPara="1" wrap="square" lIns="91425" tIns="91425" rIns="91425" bIns="91425" anchor="ctr" anchorCtr="0">
+                <a:noAutofit/>
+              </a:bodyPr>
+              <a:lstStyle/>
+              <a:p>
+                <a:pPr marL="0" lvl="0" indent="0" algn="l" rtl="0">
+                  <a:spcBef>
+                    <a:spcPts val="0"/>
+                  </a:spcBef>
+                  <a:spcAft>
+                    <a:spcPts val="0"/>
+                  </a:spcAft>
+                  <a:buNone/>
+                </a:pPr>
+                <a:endParaRPr/>
+              </a:p>
+            </p:txBody>
+          </p:sp>
+          <p:sp>
+            <p:nvSpPr>
+              <p:cNvPr id="868" name="Google Shape;868;p20"/>
+              <p:cNvSpPr txBox="1"/>
+              <p:nvPr/>
+            </p:nvSpPr>
+            <p:spPr>
+              <a:xfrm>
+                <a:off x="0" y="0"/>
+                <a:ext cx="660400" cy="685800"/>
+              </a:xfrm>
+              <a:prstGeom prst="rect">
+                <a:avLst/>
+              </a:prstGeom>
+              <a:noFill/>
+              <a:ln>
+                <a:noFill/>
+              </a:ln>
+            </p:spPr>
+            <p:txBody>
+              <a:bodyPr spcFirstLastPara="1" wrap="square" lIns="95725" tIns="95725" rIns="95725" bIns="95725" anchor="ctr" anchorCtr="0">
+                <a:noAutofit/>
+              </a:bodyPr>
+              <a:lstStyle/>
+              <a:p>
+                <a:pPr marL="0" marR="0" lvl="0" indent="0" algn="ctr" rtl="0">
+                  <a:lnSpc>
+                    <a:spcPct val="183055"/>
+                  </a:lnSpc>
+                  <a:spcBef>
+                    <a:spcPts val="0"/>
+                  </a:spcBef>
+                  <a:spcAft>
+                    <a:spcPts val="0"/>
+                  </a:spcAft>
+                  <a:buNone/>
+                </a:pPr>
+                <a:endParaRPr sz="1800" b="0" i="0" u="none" strike="noStrike" cap="none">
+                  <a:solidFill>
+                    <a:schemeClr val="dk1"/>
+                  </a:solidFill>
+                  <a:latin typeface="Calibri"/>
+                  <a:ea typeface="Calibri"/>
+                  <a:cs typeface="Calibri"/>
+                  <a:sym typeface="Calibri"/>
+                </a:endParaRPr>
+              </a:p>
+            </p:txBody>
+          </p:sp>
+        </p:grpSp>
+        <p:grpSp>
+          <p:nvGrpSpPr>
+            <p:cNvPr id="869" name="Google Shape;869;p20"/>
+            <p:cNvGrpSpPr/>
+            <p:nvPr/>
+          </p:nvGrpSpPr>
+          <p:grpSpPr>
+            <a:xfrm rot="-13330">
+              <a:off x="1959040" y="2341986"/>
+              <a:ext cx="4915848" cy="9763559"/>
+              <a:chOff x="0" y="0"/>
+              <a:chExt cx="660400" cy="1311646"/>
+            </a:xfrm>
+          </p:grpSpPr>
+          <p:sp>
+            <p:nvSpPr>
+              <p:cNvPr id="870" name="Google Shape;870;p20"/>
+              <p:cNvSpPr/>
+              <p:nvPr/>
+            </p:nvSpPr>
+            <p:spPr>
+              <a:xfrm>
+                <a:off x="0" y="0"/>
+                <a:ext cx="660400" cy="1311646"/>
+              </a:xfrm>
+              <a:custGeom>
+                <a:avLst/>
+                <a:gdLst/>
+                <a:ahLst/>
+                <a:cxnLst/>
+                <a:rect l="l" t="t" r="r" b="b"/>
+                <a:pathLst>
+                  <a:path w="660400" h="1311646" extrusionOk="0">
+                    <a:moveTo>
+                      <a:pt x="220252" y="1292577"/>
+                    </a:moveTo>
+                    <a:cubicBezTo>
+                      <a:pt x="254109" y="1304091"/>
+                      <a:pt x="292600" y="1311646"/>
+                      <a:pt x="330378" y="1311646"/>
+                    </a:cubicBezTo>
+                    <a:cubicBezTo>
+                      <a:pt x="368157" y="1311646"/>
+                      <a:pt x="404509" y="1305169"/>
+                      <a:pt x="438009" y="1293656"/>
+                    </a:cubicBezTo>
+                    <a:cubicBezTo>
+                      <a:pt x="438723" y="1293296"/>
+                      <a:pt x="439435" y="1293296"/>
+                      <a:pt x="440148" y="1292937"/>
+                    </a:cubicBezTo>
+                    <a:cubicBezTo>
+                      <a:pt x="565955" y="1246881"/>
+                      <a:pt x="658618" y="1125267"/>
+                      <a:pt x="660400" y="972064"/>
+                    </a:cubicBezTo>
+                    <a:lnTo>
+                      <a:pt x="660400" y="0"/>
+                    </a:lnTo>
+                    <a:lnTo>
+                      <a:pt x="0" y="0"/>
+                    </a:lnTo>
+                    <a:lnTo>
+                      <a:pt x="0" y="971342"/>
+                    </a:lnTo>
+                    <a:cubicBezTo>
+                      <a:pt x="1782" y="1125986"/>
+                      <a:pt x="93019" y="1247601"/>
+                      <a:pt x="220252" y="1292577"/>
+                    </a:cubicBezTo>
+                    <a:close/>
+                  </a:path>
+                </a:pathLst>
+              </a:custGeom>
+              <a:solidFill>
+                <a:srgbClr val="000000">
+                  <a:alpha val="0"/>
+                </a:srgbClr>
+              </a:solidFill>
+              <a:ln w="57150" cap="flat" cmpd="sng">
+                <a:solidFill>
+                  <a:srgbClr val="FFFFFF"/>
+                </a:solidFill>
+                <a:prstDash val="solid"/>
+                <a:round/>
+                <a:headEnd type="none" w="sm" len="sm"/>
+                <a:tailEnd type="none" w="sm" len="sm"/>
+              </a:ln>
+            </p:spPr>
+            <p:txBody>
+              <a:bodyPr spcFirstLastPara="1" wrap="square" lIns="91425" tIns="91425" rIns="91425" bIns="91425" anchor="ctr" anchorCtr="0">
+                <a:noAutofit/>
+              </a:bodyPr>
+              <a:lstStyle/>
+              <a:p>
+                <a:pPr marL="0" lvl="0" indent="0" algn="l" rtl="0">
+                  <a:spcBef>
+                    <a:spcPts val="0"/>
+                  </a:spcBef>
+                  <a:spcAft>
+                    <a:spcPts val="0"/>
+                  </a:spcAft>
+                  <a:buNone/>
+                </a:pPr>
+                <a:endParaRPr/>
+              </a:p>
+            </p:txBody>
+          </p:sp>
+          <p:sp>
+            <p:nvSpPr>
+              <p:cNvPr id="871" name="Google Shape;871;p20"/>
+              <p:cNvSpPr txBox="1"/>
+              <p:nvPr/>
+            </p:nvSpPr>
+            <p:spPr>
+              <a:xfrm>
+                <a:off x="0" y="0"/>
+                <a:ext cx="660400" cy="685800"/>
+              </a:xfrm>
+              <a:prstGeom prst="rect">
+                <a:avLst/>
+              </a:prstGeom>
+              <a:noFill/>
+              <a:ln>
+                <a:noFill/>
+              </a:ln>
+            </p:spPr>
+            <p:txBody>
+              <a:bodyPr spcFirstLastPara="1" wrap="square" lIns="95725" tIns="95725" rIns="95725" bIns="95725" anchor="ctr" anchorCtr="0">
+                <a:noAutofit/>
+              </a:bodyPr>
+              <a:lstStyle/>
+              <a:p>
+                <a:pPr marL="0" marR="0" lvl="0" indent="0" algn="ctr" rtl="0">
+                  <a:lnSpc>
+                    <a:spcPct val="183055"/>
+                  </a:lnSpc>
+                  <a:spcBef>
+                    <a:spcPts val="0"/>
+                  </a:spcBef>
+                  <a:spcAft>
+                    <a:spcPts val="0"/>
+                  </a:spcAft>
+                  <a:buNone/>
+                </a:pPr>
+                <a:endParaRPr sz="1800" b="0" i="0" u="none" strike="noStrike" cap="none">
+                  <a:solidFill>
+                    <a:schemeClr val="dk1"/>
+                  </a:solidFill>
+                  <a:latin typeface="Calibri"/>
+                  <a:ea typeface="Calibri"/>
+                  <a:cs typeface="Calibri"/>
+                  <a:sym typeface="Calibri"/>
+                </a:endParaRPr>
+              </a:p>
+            </p:txBody>
+          </p:sp>
+        </p:grpSp>
+        <p:grpSp>
+          <p:nvGrpSpPr>
+            <p:cNvPr id="872" name="Google Shape;872;p20"/>
+            <p:cNvGrpSpPr/>
+            <p:nvPr/>
+          </p:nvGrpSpPr>
+          <p:grpSpPr>
+            <a:xfrm rot="-13330">
+              <a:off x="2514030" y="2969157"/>
+              <a:ext cx="3805887" cy="8513792"/>
+              <a:chOff x="0" y="0"/>
+              <a:chExt cx="660400" cy="1477319"/>
+            </a:xfrm>
+          </p:grpSpPr>
+          <p:sp>
+            <p:nvSpPr>
+              <p:cNvPr id="873" name="Google Shape;873;p20"/>
+              <p:cNvSpPr/>
+              <p:nvPr/>
+            </p:nvSpPr>
+            <p:spPr>
+              <a:xfrm>
+                <a:off x="0" y="0"/>
+                <a:ext cx="660400" cy="1477319"/>
+              </a:xfrm>
+              <a:custGeom>
+                <a:avLst/>
+                <a:gdLst/>
+                <a:ahLst/>
+                <a:cxnLst/>
+                <a:rect l="l" t="t" r="r" b="b"/>
+                <a:pathLst>
+                  <a:path w="660400" h="1477319" extrusionOk="0">
+                    <a:moveTo>
+                      <a:pt x="220252" y="1458250"/>
+                    </a:moveTo>
+                    <a:cubicBezTo>
+                      <a:pt x="254109" y="1469763"/>
+                      <a:pt x="292600" y="1477319"/>
+                      <a:pt x="330378" y="1477319"/>
+                    </a:cubicBezTo>
+                    <a:cubicBezTo>
+                      <a:pt x="368157" y="1477319"/>
+                      <a:pt x="404509" y="1470842"/>
+                      <a:pt x="438009" y="1459328"/>
+                    </a:cubicBezTo>
+                    <a:cubicBezTo>
+                      <a:pt x="438723" y="1458968"/>
+                      <a:pt x="439435" y="1458968"/>
+                      <a:pt x="440148" y="1458609"/>
+                    </a:cubicBezTo>
+                    <a:cubicBezTo>
+                      <a:pt x="565955" y="1412554"/>
+                      <a:pt x="658618" y="1290940"/>
+                      <a:pt x="660400" y="1134056"/>
+                    </a:cubicBezTo>
+                    <a:lnTo>
+                      <a:pt x="660400" y="0"/>
+                    </a:lnTo>
+                    <a:lnTo>
+                      <a:pt x="0" y="0"/>
+                    </a:lnTo>
+                    <a:lnTo>
+                      <a:pt x="0" y="1133214"/>
+                    </a:lnTo>
+                    <a:cubicBezTo>
+                      <a:pt x="1782" y="1291659"/>
+                      <a:pt x="93019" y="1413274"/>
+                      <a:pt x="220252" y="1458250"/>
+                    </a:cubicBezTo>
+                    <a:close/>
+                  </a:path>
+                </a:pathLst>
+              </a:custGeom>
+              <a:solidFill>
+                <a:srgbClr val="000000">
+                  <a:alpha val="0"/>
+                </a:srgbClr>
+              </a:solidFill>
+              <a:ln w="57150" cap="flat" cmpd="sng">
+                <a:solidFill>
+                  <a:srgbClr val="FFFFFF"/>
+                </a:solidFill>
+                <a:prstDash val="solid"/>
+                <a:round/>
+                <a:headEnd type="none" w="sm" len="sm"/>
+                <a:tailEnd type="none" w="sm" len="sm"/>
+              </a:ln>
+            </p:spPr>
+            <p:txBody>
+              <a:bodyPr spcFirstLastPara="1" wrap="square" lIns="91425" tIns="91425" rIns="91425" bIns="91425" anchor="ctr" anchorCtr="0">
+                <a:noAutofit/>
+              </a:bodyPr>
+              <a:lstStyle/>
+              <a:p>
+                <a:pPr marL="0" lvl="0" indent="0" algn="l" rtl="0">
+                  <a:spcBef>
+                    <a:spcPts val="0"/>
+                  </a:spcBef>
+                  <a:spcAft>
+                    <a:spcPts val="0"/>
+                  </a:spcAft>
+                  <a:buNone/>
+                </a:pPr>
+                <a:endParaRPr/>
+              </a:p>
+            </p:txBody>
+          </p:sp>
+          <p:sp>
+            <p:nvSpPr>
+              <p:cNvPr id="874" name="Google Shape;874;p20"/>
+              <p:cNvSpPr txBox="1"/>
+              <p:nvPr/>
+            </p:nvSpPr>
+            <p:spPr>
+              <a:xfrm>
+                <a:off x="0" y="0"/>
+                <a:ext cx="660400" cy="685800"/>
+              </a:xfrm>
+              <a:prstGeom prst="rect">
+                <a:avLst/>
+              </a:prstGeom>
+              <a:noFill/>
+              <a:ln>
+                <a:noFill/>
+              </a:ln>
+            </p:spPr>
+            <p:txBody>
+              <a:bodyPr spcFirstLastPara="1" wrap="square" lIns="95725" tIns="95725" rIns="95725" bIns="95725" anchor="ctr" anchorCtr="0">
+                <a:noAutofit/>
+              </a:bodyPr>
+              <a:lstStyle/>
+              <a:p>
+                <a:pPr marL="0" marR="0" lvl="0" indent="0" algn="ctr" rtl="0">
+                  <a:lnSpc>
+                    <a:spcPct val="183055"/>
+                  </a:lnSpc>
+                  <a:spcBef>
+                    <a:spcPts val="0"/>
+                  </a:spcBef>
+                  <a:spcAft>
+                    <a:spcPts val="0"/>
+                  </a:spcAft>
+                  <a:buNone/>
+                </a:pPr>
+                <a:endParaRPr sz="1800" b="0" i="0" u="none" strike="noStrike" cap="none">
+                  <a:solidFill>
+                    <a:schemeClr val="dk1"/>
+                  </a:solidFill>
+                  <a:latin typeface="Calibri"/>
+                  <a:ea typeface="Calibri"/>
+                  <a:cs typeface="Calibri"/>
+                  <a:sym typeface="Calibri"/>
+                </a:endParaRPr>
+              </a:p>
+            </p:txBody>
+          </p:sp>
+        </p:grpSp>
+        <p:grpSp>
+          <p:nvGrpSpPr>
+            <p:cNvPr id="875" name="Google Shape;875;p20"/>
+            <p:cNvGrpSpPr/>
+            <p:nvPr/>
+          </p:nvGrpSpPr>
+          <p:grpSpPr>
+            <a:xfrm rot="-13330">
+              <a:off x="2995591" y="3536797"/>
+              <a:ext cx="2842534" cy="7318907"/>
+              <a:chOff x="0" y="0"/>
+              <a:chExt cx="660400" cy="1700386"/>
+            </a:xfrm>
+          </p:grpSpPr>
+          <p:sp>
+            <p:nvSpPr>
+              <p:cNvPr id="876" name="Google Shape;876;p20"/>
+              <p:cNvSpPr/>
+              <p:nvPr/>
+            </p:nvSpPr>
+            <p:spPr>
+              <a:xfrm>
+                <a:off x="0" y="0"/>
+                <a:ext cx="660400" cy="1700386"/>
+              </a:xfrm>
+              <a:custGeom>
+                <a:avLst/>
+                <a:gdLst/>
+                <a:ahLst/>
+                <a:cxnLst/>
+                <a:rect l="l" t="t" r="r" b="b"/>
+                <a:pathLst>
+                  <a:path w="660400" h="1700386" extrusionOk="0">
+                    <a:moveTo>
+                      <a:pt x="220252" y="1681317"/>
+                    </a:moveTo>
+                    <a:cubicBezTo>
+                      <a:pt x="254109" y="1692831"/>
+                      <a:pt x="292600" y="1700386"/>
+                      <a:pt x="330378" y="1700386"/>
+                    </a:cubicBezTo>
+                    <a:cubicBezTo>
+                      <a:pt x="368157" y="1700386"/>
+                      <a:pt x="404509" y="1693909"/>
+                      <a:pt x="438009" y="1682396"/>
+                    </a:cubicBezTo>
+                    <a:cubicBezTo>
+                      <a:pt x="438723" y="1682036"/>
+                      <a:pt x="439435" y="1682036"/>
+                      <a:pt x="440148" y="1681677"/>
+                    </a:cubicBezTo>
+                    <a:cubicBezTo>
+                      <a:pt x="565955" y="1635621"/>
+                      <a:pt x="658618" y="1514007"/>
+                      <a:pt x="660400" y="1352169"/>
+                    </a:cubicBezTo>
+                    <a:lnTo>
+                      <a:pt x="660400" y="0"/>
+                    </a:lnTo>
+                    <a:lnTo>
+                      <a:pt x="0" y="0"/>
+                    </a:lnTo>
+                    <a:lnTo>
+                      <a:pt x="0" y="1351165"/>
+                    </a:lnTo>
+                    <a:cubicBezTo>
+                      <a:pt x="1782" y="1514726"/>
+                      <a:pt x="93019" y="1636342"/>
+                      <a:pt x="220252" y="1681317"/>
+                    </a:cubicBezTo>
+                    <a:close/>
+                  </a:path>
+                </a:pathLst>
+              </a:custGeom>
+              <a:solidFill>
+                <a:srgbClr val="000000">
+                  <a:alpha val="0"/>
+                </a:srgbClr>
+              </a:solidFill>
+              <a:ln w="57150" cap="flat" cmpd="sng">
+                <a:solidFill>
+                  <a:srgbClr val="FFFFFF"/>
+                </a:solidFill>
+                <a:prstDash val="solid"/>
+                <a:round/>
+                <a:headEnd type="none" w="sm" len="sm"/>
+                <a:tailEnd type="none" w="sm" len="sm"/>
+              </a:ln>
+            </p:spPr>
+            <p:txBody>
+              <a:bodyPr spcFirstLastPara="1" wrap="square" lIns="91425" tIns="91425" rIns="91425" bIns="91425" anchor="ctr" anchorCtr="0">
+                <a:noAutofit/>
+              </a:bodyPr>
+              <a:lstStyle/>
+              <a:p>
+                <a:pPr marL="0" lvl="0" indent="0" algn="l" rtl="0">
+                  <a:spcBef>
+                    <a:spcPts val="0"/>
+                  </a:spcBef>
+                  <a:spcAft>
+                    <a:spcPts val="0"/>
+                  </a:spcAft>
+                  <a:buNone/>
+                </a:pPr>
+                <a:endParaRPr/>
+              </a:p>
+            </p:txBody>
+          </p:sp>
+          <p:sp>
+            <p:nvSpPr>
+              <p:cNvPr id="877" name="Google Shape;877;p20"/>
+              <p:cNvSpPr txBox="1"/>
+              <p:nvPr/>
+            </p:nvSpPr>
+            <p:spPr>
+              <a:xfrm>
+                <a:off x="0" y="0"/>
+                <a:ext cx="660400" cy="685800"/>
+              </a:xfrm>
+              <a:prstGeom prst="rect">
+                <a:avLst/>
+              </a:prstGeom>
+              <a:noFill/>
+              <a:ln>
+                <a:noFill/>
+              </a:ln>
+            </p:spPr>
+            <p:txBody>
+              <a:bodyPr spcFirstLastPara="1" wrap="square" lIns="95725" tIns="95725" rIns="95725" bIns="95725" anchor="ctr" anchorCtr="0">
+                <a:noAutofit/>
+              </a:bodyPr>
+              <a:lstStyle/>
+              <a:p>
+                <a:pPr marL="0" marR="0" lvl="0" indent="0" algn="ctr" rtl="0">
+                  <a:lnSpc>
+                    <a:spcPct val="183055"/>
+                  </a:lnSpc>
+                  <a:spcBef>
+                    <a:spcPts val="0"/>
+                  </a:spcBef>
+                  <a:spcAft>
+                    <a:spcPts val="0"/>
+                  </a:spcAft>
+                  <a:buNone/>
+                </a:pPr>
+                <a:endParaRPr sz="1800" b="0" i="0" u="none" strike="noStrike" cap="none">
+                  <a:solidFill>
+                    <a:schemeClr val="dk1"/>
+                  </a:solidFill>
+                  <a:latin typeface="Calibri"/>
+                  <a:ea typeface="Calibri"/>
+                  <a:cs typeface="Calibri"/>
+                  <a:sym typeface="Calibri"/>
+                </a:endParaRPr>
+              </a:p>
+            </p:txBody>
+          </p:sp>
+        </p:grpSp>
+      </p:grpSp>
+      <p:grpSp>
+        <p:nvGrpSpPr>
+          <p:cNvPr id="878" name="Google Shape;878;p20"/>
+          <p:cNvGrpSpPr/>
+          <p:nvPr/>
+        </p:nvGrpSpPr>
+        <p:grpSpPr>
+          <a:xfrm>
+            <a:off x="-3263509" y="6649625"/>
+            <a:ext cx="6527018" cy="10619055"/>
+            <a:chOff x="0" y="0"/>
+            <a:chExt cx="8702690" cy="14158740"/>
+          </a:xfrm>
+        </p:grpSpPr>
+        <p:grpSp>
+          <p:nvGrpSpPr>
+            <p:cNvPr id="879" name="Google Shape;879;p20"/>
+            <p:cNvGrpSpPr/>
+            <p:nvPr/>
+          </p:nvGrpSpPr>
+          <p:grpSpPr>
+            <a:xfrm rot="10800000">
+              <a:off x="0" y="0"/>
+              <a:ext cx="8702690" cy="14158740"/>
+              <a:chOff x="0" y="0"/>
+              <a:chExt cx="660400" cy="1074430"/>
+            </a:xfrm>
+          </p:grpSpPr>
+          <p:sp>
+            <p:nvSpPr>
+              <p:cNvPr id="880" name="Google Shape;880;p20"/>
+              <p:cNvSpPr/>
+              <p:nvPr/>
+            </p:nvSpPr>
+            <p:spPr>
+              <a:xfrm>
+                <a:off x="0" y="0"/>
+                <a:ext cx="660400" cy="1074430"/>
+              </a:xfrm>
+              <a:custGeom>
+                <a:avLst/>
+                <a:gdLst/>
+                <a:ahLst/>
+                <a:cxnLst/>
+                <a:rect l="l" t="t" r="r" b="b"/>
+                <a:pathLst>
+                  <a:path w="660400" h="1074430" extrusionOk="0">
+                    <a:moveTo>
+                      <a:pt x="220252" y="1055361"/>
+                    </a:moveTo>
+                    <a:cubicBezTo>
+                      <a:pt x="254109" y="1066875"/>
+                      <a:pt x="292600" y="1074430"/>
+                      <a:pt x="330378" y="1074430"/>
+                    </a:cubicBezTo>
+                    <a:cubicBezTo>
+                      <a:pt x="368157" y="1074430"/>
+                      <a:pt x="404509" y="1067953"/>
+                      <a:pt x="438009" y="1056439"/>
+                    </a:cubicBezTo>
+                    <a:cubicBezTo>
+                      <a:pt x="438723" y="1056080"/>
+                      <a:pt x="439435" y="1056080"/>
+                      <a:pt x="440148" y="1055720"/>
+                    </a:cubicBezTo>
+                    <a:cubicBezTo>
+                      <a:pt x="565955" y="1009665"/>
+                      <a:pt x="658618" y="888051"/>
+                      <a:pt x="660400" y="740117"/>
+                    </a:cubicBezTo>
+                    <a:lnTo>
+                      <a:pt x="660400" y="0"/>
+                    </a:lnTo>
+                    <a:lnTo>
+                      <a:pt x="0" y="0"/>
+                    </a:lnTo>
+                    <a:lnTo>
+                      <a:pt x="0" y="739567"/>
+                    </a:lnTo>
+                    <a:cubicBezTo>
+                      <a:pt x="1782" y="888770"/>
+                      <a:pt x="93019" y="1010385"/>
+                      <a:pt x="220252" y="1055361"/>
+                    </a:cubicBezTo>
+                    <a:close/>
+                  </a:path>
+                </a:pathLst>
+              </a:custGeom>
+              <a:solidFill>
+                <a:srgbClr val="000000">
+                  <a:alpha val="0"/>
+                </a:srgbClr>
+              </a:solidFill>
+              <a:ln w="57150" cap="flat" cmpd="sng">
+                <a:solidFill>
+                  <a:srgbClr val="FFFFFF"/>
+                </a:solidFill>
+                <a:prstDash val="solid"/>
+                <a:round/>
+                <a:headEnd type="none" w="sm" len="sm"/>
+                <a:tailEnd type="none" w="sm" len="sm"/>
+              </a:ln>
+            </p:spPr>
+            <p:txBody>
+              <a:bodyPr spcFirstLastPara="1" wrap="square" lIns="91425" tIns="91425" rIns="91425" bIns="91425" anchor="ctr" anchorCtr="0">
+                <a:noAutofit/>
+              </a:bodyPr>
+              <a:lstStyle/>
+              <a:p>
+                <a:pPr marL="0" lvl="0" indent="0" algn="l" rtl="0">
+                  <a:spcBef>
+                    <a:spcPts val="0"/>
+                  </a:spcBef>
+                  <a:spcAft>
+                    <a:spcPts val="0"/>
+                  </a:spcAft>
+                  <a:buNone/>
+                </a:pPr>
+                <a:endParaRPr/>
+              </a:p>
+            </p:txBody>
+          </p:sp>
+          <p:sp>
+            <p:nvSpPr>
+              <p:cNvPr id="881" name="Google Shape;881;p20"/>
+              <p:cNvSpPr txBox="1"/>
+              <p:nvPr/>
+            </p:nvSpPr>
+            <p:spPr>
+              <a:xfrm>
+                <a:off x="0" y="0"/>
+                <a:ext cx="660400" cy="685800"/>
+              </a:xfrm>
+              <a:prstGeom prst="rect">
+                <a:avLst/>
+              </a:prstGeom>
+              <a:noFill/>
+              <a:ln>
+                <a:noFill/>
+              </a:ln>
+            </p:spPr>
+            <p:txBody>
+              <a:bodyPr spcFirstLastPara="1" wrap="square" lIns="50800" tIns="50800" rIns="50800" bIns="50800" anchor="ctr" anchorCtr="0">
+                <a:noAutofit/>
+              </a:bodyPr>
+              <a:lstStyle/>
+              <a:p>
+                <a:pPr marL="0" marR="0" lvl="0" indent="0" algn="ctr" rtl="0">
+                  <a:lnSpc>
+                    <a:spcPct val="183055"/>
+                  </a:lnSpc>
+                  <a:spcBef>
+                    <a:spcPts val="0"/>
+                  </a:spcBef>
+                  <a:spcAft>
+                    <a:spcPts val="0"/>
+                  </a:spcAft>
+                  <a:buNone/>
+                </a:pPr>
+                <a:endParaRPr sz="1800" b="0" i="0" u="none" strike="noStrike" cap="none">
+                  <a:solidFill>
+                    <a:schemeClr val="dk1"/>
+                  </a:solidFill>
+                  <a:latin typeface="Calibri"/>
+                  <a:ea typeface="Calibri"/>
+                  <a:cs typeface="Calibri"/>
+                  <a:sym typeface="Calibri"/>
+                </a:endParaRPr>
+              </a:p>
+            </p:txBody>
+          </p:sp>
+        </p:grpSp>
+        <p:grpSp>
+          <p:nvGrpSpPr>
+            <p:cNvPr id="882" name="Google Shape;882;p20"/>
+            <p:cNvGrpSpPr/>
+            <p:nvPr/>
+          </p:nvGrpSpPr>
+          <p:grpSpPr>
+            <a:xfrm rot="10800000">
+              <a:off x="582580" y="585023"/>
+              <a:ext cx="7537530" cy="12832230"/>
+              <a:chOff x="0" y="0"/>
+              <a:chExt cx="660400" cy="1124295"/>
+            </a:xfrm>
+          </p:grpSpPr>
+          <p:sp>
+            <p:nvSpPr>
+              <p:cNvPr id="883" name="Google Shape;883;p20"/>
+              <p:cNvSpPr/>
+              <p:nvPr/>
+            </p:nvSpPr>
+            <p:spPr>
+              <a:xfrm>
+                <a:off x="0" y="0"/>
+                <a:ext cx="660400" cy="1124295"/>
+              </a:xfrm>
+              <a:custGeom>
+                <a:avLst/>
+                <a:gdLst/>
+                <a:ahLst/>
+                <a:cxnLst/>
+                <a:rect l="l" t="t" r="r" b="b"/>
+                <a:pathLst>
+                  <a:path w="660400" h="1124295" extrusionOk="0">
+                    <a:moveTo>
+                      <a:pt x="220252" y="1105226"/>
+                    </a:moveTo>
+                    <a:cubicBezTo>
+                      <a:pt x="254109" y="1116739"/>
+                      <a:pt x="292600" y="1124295"/>
+                      <a:pt x="330378" y="1124295"/>
+                    </a:cubicBezTo>
+                    <a:cubicBezTo>
+                      <a:pt x="368157" y="1124295"/>
+                      <a:pt x="404509" y="1117818"/>
+                      <a:pt x="438009" y="1106304"/>
+                    </a:cubicBezTo>
+                    <a:cubicBezTo>
+                      <a:pt x="438723" y="1105945"/>
+                      <a:pt x="439435" y="1105945"/>
+                      <a:pt x="440148" y="1105585"/>
+                    </a:cubicBezTo>
+                    <a:cubicBezTo>
+                      <a:pt x="565955" y="1059530"/>
+                      <a:pt x="658618" y="937916"/>
+                      <a:pt x="660400" y="788874"/>
+                    </a:cubicBezTo>
+                    <a:lnTo>
+                      <a:pt x="660400" y="0"/>
+                    </a:lnTo>
+                    <a:lnTo>
+                      <a:pt x="0" y="0"/>
+                    </a:lnTo>
+                    <a:lnTo>
+                      <a:pt x="0" y="788288"/>
+                    </a:lnTo>
+                    <a:cubicBezTo>
+                      <a:pt x="1782" y="938635"/>
+                      <a:pt x="93019" y="1060250"/>
+                      <a:pt x="220252" y="1105226"/>
+                    </a:cubicBezTo>
+                    <a:close/>
+                  </a:path>
+                </a:pathLst>
+              </a:custGeom>
+              <a:solidFill>
+                <a:srgbClr val="000000">
+                  <a:alpha val="0"/>
+                </a:srgbClr>
+              </a:solidFill>
+              <a:ln w="57150" cap="flat" cmpd="sng">
+                <a:solidFill>
+                  <a:srgbClr val="FFFFFF"/>
+                </a:solidFill>
+                <a:prstDash val="solid"/>
+                <a:round/>
+                <a:headEnd type="none" w="sm" len="sm"/>
+                <a:tailEnd type="none" w="sm" len="sm"/>
+              </a:ln>
+            </p:spPr>
+            <p:txBody>
+              <a:bodyPr spcFirstLastPara="1" wrap="square" lIns="91425" tIns="91425" rIns="91425" bIns="91425" anchor="ctr" anchorCtr="0">
+                <a:noAutofit/>
+              </a:bodyPr>
+              <a:lstStyle/>
+              <a:p>
+                <a:pPr marL="0" lvl="0" indent="0" algn="l" rtl="0">
+                  <a:spcBef>
+                    <a:spcPts val="0"/>
+                  </a:spcBef>
+                  <a:spcAft>
+                    <a:spcPts val="0"/>
+                  </a:spcAft>
+                  <a:buNone/>
+                </a:pPr>
+                <a:endParaRPr/>
+              </a:p>
+            </p:txBody>
+          </p:sp>
+          <p:sp>
+            <p:nvSpPr>
+              <p:cNvPr id="884" name="Google Shape;884;p20"/>
+              <p:cNvSpPr txBox="1"/>
+              <p:nvPr/>
+            </p:nvSpPr>
+            <p:spPr>
+              <a:xfrm>
+                <a:off x="0" y="0"/>
+                <a:ext cx="660400" cy="685800"/>
+              </a:xfrm>
+              <a:prstGeom prst="rect">
+                <a:avLst/>
+              </a:prstGeom>
+              <a:noFill/>
+              <a:ln>
+                <a:noFill/>
+              </a:ln>
+            </p:spPr>
+            <p:txBody>
+              <a:bodyPr spcFirstLastPara="1" wrap="square" lIns="50800" tIns="50800" rIns="50800" bIns="50800" anchor="ctr" anchorCtr="0">
+                <a:noAutofit/>
+              </a:bodyPr>
+              <a:lstStyle/>
+              <a:p>
+                <a:pPr marL="0" marR="0" lvl="0" indent="0" algn="ctr" rtl="0">
+                  <a:lnSpc>
+                    <a:spcPct val="183055"/>
+                  </a:lnSpc>
+                  <a:spcBef>
+                    <a:spcPts val="0"/>
+                  </a:spcBef>
+                  <a:spcAft>
+                    <a:spcPts val="0"/>
+                  </a:spcAft>
+                  <a:buNone/>
+                </a:pPr>
+                <a:endParaRPr sz="1800" b="0" i="0" u="none" strike="noStrike" cap="none">
+                  <a:solidFill>
+                    <a:schemeClr val="dk1"/>
+                  </a:solidFill>
+                  <a:latin typeface="Calibri"/>
+                  <a:ea typeface="Calibri"/>
+                  <a:cs typeface="Calibri"/>
+                  <a:sym typeface="Calibri"/>
+                </a:endParaRPr>
+              </a:p>
+            </p:txBody>
+          </p:sp>
+        </p:grpSp>
+        <p:grpSp>
+          <p:nvGrpSpPr>
+            <p:cNvPr id="885" name="Google Shape;885;p20"/>
+            <p:cNvGrpSpPr/>
+            <p:nvPr/>
+          </p:nvGrpSpPr>
+          <p:grpSpPr>
+            <a:xfrm rot="10800000">
+              <a:off x="1233019" y="1309578"/>
+              <a:ext cx="6236652" cy="11291604"/>
+              <a:chOff x="0" y="0"/>
+              <a:chExt cx="660400" cy="1195670"/>
+            </a:xfrm>
+          </p:grpSpPr>
+          <p:sp>
+            <p:nvSpPr>
+              <p:cNvPr id="886" name="Google Shape;886;p20"/>
+              <p:cNvSpPr/>
+              <p:nvPr/>
+            </p:nvSpPr>
+            <p:spPr>
+              <a:xfrm>
+                <a:off x="0" y="0"/>
+                <a:ext cx="660400" cy="1195670"/>
+              </a:xfrm>
+              <a:custGeom>
+                <a:avLst/>
+                <a:gdLst/>
+                <a:ahLst/>
+                <a:cxnLst/>
+                <a:rect l="l" t="t" r="r" b="b"/>
+                <a:pathLst>
+                  <a:path w="660400" h="1195670" extrusionOk="0">
+                    <a:moveTo>
+                      <a:pt x="220252" y="1176601"/>
+                    </a:moveTo>
+                    <a:cubicBezTo>
+                      <a:pt x="254109" y="1188114"/>
+                      <a:pt x="292600" y="1195670"/>
+                      <a:pt x="330378" y="1195670"/>
+                    </a:cubicBezTo>
+                    <a:cubicBezTo>
+                      <a:pt x="368157" y="1195670"/>
+                      <a:pt x="404509" y="1189193"/>
+                      <a:pt x="438009" y="1177679"/>
+                    </a:cubicBezTo>
+                    <a:cubicBezTo>
+                      <a:pt x="438723" y="1177320"/>
+                      <a:pt x="439435" y="1177320"/>
+                      <a:pt x="440148" y="1176960"/>
+                    </a:cubicBezTo>
+                    <a:cubicBezTo>
+                      <a:pt x="565955" y="1130905"/>
+                      <a:pt x="658618" y="1009291"/>
+                      <a:pt x="660400" y="858663"/>
+                    </a:cubicBezTo>
+                    <a:lnTo>
+                      <a:pt x="660400" y="0"/>
+                    </a:lnTo>
+                    <a:lnTo>
+                      <a:pt x="0" y="0"/>
+                    </a:lnTo>
+                    <a:lnTo>
+                      <a:pt x="0" y="858026"/>
+                    </a:lnTo>
+                    <a:cubicBezTo>
+                      <a:pt x="1782" y="1010010"/>
+                      <a:pt x="93019" y="1131625"/>
+                      <a:pt x="220252" y="1176601"/>
+                    </a:cubicBezTo>
+                    <a:close/>
+                  </a:path>
+                </a:pathLst>
+              </a:custGeom>
+              <a:solidFill>
+                <a:srgbClr val="000000">
+                  <a:alpha val="0"/>
+                </a:srgbClr>
+              </a:solidFill>
+              <a:ln w="57150" cap="flat" cmpd="sng">
+                <a:solidFill>
+                  <a:srgbClr val="FFFFFF"/>
+                </a:solidFill>
+                <a:prstDash val="solid"/>
+                <a:round/>
+                <a:headEnd type="none" w="sm" len="sm"/>
+                <a:tailEnd type="none" w="sm" len="sm"/>
+              </a:ln>
+            </p:spPr>
+            <p:txBody>
+              <a:bodyPr spcFirstLastPara="1" wrap="square" lIns="91425" tIns="91425" rIns="91425" bIns="91425" anchor="ctr" anchorCtr="0">
+                <a:noAutofit/>
+              </a:bodyPr>
+              <a:lstStyle/>
+              <a:p>
+                <a:pPr marL="0" lvl="0" indent="0" algn="l" rtl="0">
+                  <a:spcBef>
+                    <a:spcPts val="0"/>
+                  </a:spcBef>
+                  <a:spcAft>
+                    <a:spcPts val="0"/>
+                  </a:spcAft>
+                  <a:buNone/>
+                </a:pPr>
+                <a:endParaRPr/>
+              </a:p>
+            </p:txBody>
+          </p:sp>
+          <p:sp>
+            <p:nvSpPr>
+              <p:cNvPr id="887" name="Google Shape;887;p20"/>
+              <p:cNvSpPr txBox="1"/>
+              <p:nvPr/>
+            </p:nvSpPr>
+            <p:spPr>
+              <a:xfrm>
+                <a:off x="0" y="0"/>
+                <a:ext cx="660400" cy="685800"/>
+              </a:xfrm>
+              <a:prstGeom prst="rect">
+                <a:avLst/>
+              </a:prstGeom>
+              <a:noFill/>
+              <a:ln>
+                <a:noFill/>
+              </a:ln>
+            </p:spPr>
+            <p:txBody>
+              <a:bodyPr spcFirstLastPara="1" wrap="square" lIns="50800" tIns="50800" rIns="50800" bIns="50800" anchor="ctr" anchorCtr="0">
+                <a:noAutofit/>
+              </a:bodyPr>
+              <a:lstStyle/>
+              <a:p>
+                <a:pPr marL="0" marR="0" lvl="0" indent="0" algn="ctr" rtl="0">
+                  <a:lnSpc>
+                    <a:spcPct val="183055"/>
+                  </a:lnSpc>
+                  <a:spcBef>
+                    <a:spcPts val="0"/>
+                  </a:spcBef>
+                  <a:spcAft>
+                    <a:spcPts val="0"/>
+                  </a:spcAft>
+                  <a:buNone/>
+                </a:pPr>
+                <a:endParaRPr sz="1800" b="0" i="0" u="none" strike="noStrike" cap="none">
+                  <a:solidFill>
+                    <a:schemeClr val="dk1"/>
+                  </a:solidFill>
+                  <a:latin typeface="Calibri"/>
+                  <a:ea typeface="Calibri"/>
+                  <a:cs typeface="Calibri"/>
+                  <a:sym typeface="Calibri"/>
+                </a:endParaRPr>
+              </a:p>
+            </p:txBody>
+          </p:sp>
+        </p:grpSp>
+        <p:grpSp>
+          <p:nvGrpSpPr>
+            <p:cNvPr id="888" name="Google Shape;888;p20"/>
+            <p:cNvGrpSpPr/>
+            <p:nvPr/>
+          </p:nvGrpSpPr>
+          <p:grpSpPr>
+            <a:xfrm rot="10800000">
+              <a:off x="1893421" y="2171615"/>
+              <a:ext cx="4915848" cy="9763559"/>
+              <a:chOff x="0" y="0"/>
+              <a:chExt cx="660400" cy="1311646"/>
+            </a:xfrm>
+          </p:grpSpPr>
+          <p:sp>
+            <p:nvSpPr>
+              <p:cNvPr id="889" name="Google Shape;889;p20"/>
+              <p:cNvSpPr/>
+              <p:nvPr/>
+            </p:nvSpPr>
+            <p:spPr>
+              <a:xfrm>
+                <a:off x="0" y="0"/>
+                <a:ext cx="660400" cy="1311646"/>
+              </a:xfrm>
+              <a:custGeom>
+                <a:avLst/>
+                <a:gdLst/>
+                <a:ahLst/>
+                <a:cxnLst/>
+                <a:rect l="l" t="t" r="r" b="b"/>
+                <a:pathLst>
+                  <a:path w="660400" h="1311646" extrusionOk="0">
+                    <a:moveTo>
+                      <a:pt x="220252" y="1292577"/>
+                    </a:moveTo>
+                    <a:cubicBezTo>
+                      <a:pt x="254109" y="1304091"/>
+                      <a:pt x="292600" y="1311646"/>
+                      <a:pt x="330378" y="1311646"/>
+                    </a:cubicBezTo>
+                    <a:cubicBezTo>
+                      <a:pt x="368157" y="1311646"/>
+                      <a:pt x="404509" y="1305169"/>
+                      <a:pt x="438009" y="1293656"/>
+                    </a:cubicBezTo>
+                    <a:cubicBezTo>
+                      <a:pt x="438723" y="1293296"/>
+                      <a:pt x="439435" y="1293296"/>
+                      <a:pt x="440148" y="1292937"/>
+                    </a:cubicBezTo>
+                    <a:cubicBezTo>
+                      <a:pt x="565955" y="1246881"/>
+                      <a:pt x="658618" y="1125267"/>
+                      <a:pt x="660400" y="972064"/>
+                    </a:cubicBezTo>
+                    <a:lnTo>
+                      <a:pt x="660400" y="0"/>
+                    </a:lnTo>
+                    <a:lnTo>
+                      <a:pt x="0" y="0"/>
+                    </a:lnTo>
+                    <a:lnTo>
+                      <a:pt x="0" y="971342"/>
+                    </a:lnTo>
+                    <a:cubicBezTo>
+                      <a:pt x="1782" y="1125986"/>
+                      <a:pt x="93019" y="1247601"/>
+                      <a:pt x="220252" y="1292577"/>
+                    </a:cubicBezTo>
+                    <a:close/>
+                  </a:path>
+                </a:pathLst>
+              </a:custGeom>
+              <a:solidFill>
+                <a:srgbClr val="000000">
+                  <a:alpha val="0"/>
+                </a:srgbClr>
+              </a:solidFill>
+              <a:ln w="57150" cap="flat" cmpd="sng">
+                <a:solidFill>
+                  <a:srgbClr val="FFFFFF"/>
+                </a:solidFill>
+                <a:prstDash val="solid"/>
+                <a:round/>
+                <a:headEnd type="none" w="sm" len="sm"/>
+                <a:tailEnd type="none" w="sm" len="sm"/>
+              </a:ln>
+            </p:spPr>
+            <p:txBody>
+              <a:bodyPr spcFirstLastPara="1" wrap="square" lIns="91425" tIns="91425" rIns="91425" bIns="91425" anchor="ctr" anchorCtr="0">
+                <a:noAutofit/>
+              </a:bodyPr>
+              <a:lstStyle/>
+              <a:p>
+                <a:pPr marL="0" lvl="0" indent="0" algn="l" rtl="0">
+                  <a:spcBef>
+                    <a:spcPts val="0"/>
+                  </a:spcBef>
+                  <a:spcAft>
+                    <a:spcPts val="0"/>
+                  </a:spcAft>
+                  <a:buNone/>
+                </a:pPr>
+                <a:endParaRPr/>
+              </a:p>
+            </p:txBody>
+          </p:sp>
+          <p:sp>
+            <p:nvSpPr>
+              <p:cNvPr id="890" name="Google Shape;890;p20"/>
+              <p:cNvSpPr txBox="1"/>
+              <p:nvPr/>
+            </p:nvSpPr>
+            <p:spPr>
+              <a:xfrm>
+                <a:off x="0" y="0"/>
+                <a:ext cx="660400" cy="685800"/>
+              </a:xfrm>
+              <a:prstGeom prst="rect">
+                <a:avLst/>
+              </a:prstGeom>
+              <a:noFill/>
+              <a:ln>
+                <a:noFill/>
+              </a:ln>
+            </p:spPr>
+            <p:txBody>
+              <a:bodyPr spcFirstLastPara="1" wrap="square" lIns="50800" tIns="50800" rIns="50800" bIns="50800" anchor="ctr" anchorCtr="0">
+                <a:noAutofit/>
+              </a:bodyPr>
+              <a:lstStyle/>
+              <a:p>
+                <a:pPr marL="0" marR="0" lvl="0" indent="0" algn="ctr" rtl="0">
+                  <a:lnSpc>
+                    <a:spcPct val="183055"/>
+                  </a:lnSpc>
+                  <a:spcBef>
+                    <a:spcPts val="0"/>
+                  </a:spcBef>
+                  <a:spcAft>
+                    <a:spcPts val="0"/>
+                  </a:spcAft>
+                  <a:buNone/>
+                </a:pPr>
+                <a:endParaRPr sz="1800" b="0" i="0" u="none" strike="noStrike" cap="none">
+                  <a:solidFill>
+                    <a:schemeClr val="dk1"/>
+                  </a:solidFill>
+                  <a:latin typeface="Calibri"/>
+                  <a:ea typeface="Calibri"/>
+                  <a:cs typeface="Calibri"/>
+                  <a:sym typeface="Calibri"/>
+                </a:endParaRPr>
+              </a:p>
+            </p:txBody>
+          </p:sp>
+        </p:grpSp>
+        <p:grpSp>
+          <p:nvGrpSpPr>
+            <p:cNvPr id="891" name="Google Shape;891;p20"/>
+            <p:cNvGrpSpPr/>
+            <p:nvPr/>
+          </p:nvGrpSpPr>
+          <p:grpSpPr>
+            <a:xfrm rot="10800000">
+              <a:off x="2448402" y="2794211"/>
+              <a:ext cx="3805887" cy="8513792"/>
+              <a:chOff x="0" y="0"/>
+              <a:chExt cx="660400" cy="1477319"/>
+            </a:xfrm>
+          </p:grpSpPr>
+          <p:sp>
+            <p:nvSpPr>
+              <p:cNvPr id="892" name="Google Shape;892;p20"/>
+              <p:cNvSpPr/>
+              <p:nvPr/>
+            </p:nvSpPr>
+            <p:spPr>
+              <a:xfrm>
+                <a:off x="0" y="0"/>
+                <a:ext cx="660400" cy="1477319"/>
+              </a:xfrm>
+              <a:custGeom>
+                <a:avLst/>
+                <a:gdLst/>
+                <a:ahLst/>
+                <a:cxnLst/>
+                <a:rect l="l" t="t" r="r" b="b"/>
+                <a:pathLst>
+                  <a:path w="660400" h="1477319" extrusionOk="0">
+                    <a:moveTo>
+                      <a:pt x="220252" y="1458250"/>
+                    </a:moveTo>
+                    <a:cubicBezTo>
+                      <a:pt x="254109" y="1469763"/>
+                      <a:pt x="292600" y="1477319"/>
+                      <a:pt x="330378" y="1477319"/>
+                    </a:cubicBezTo>
+                    <a:cubicBezTo>
+                      <a:pt x="368157" y="1477319"/>
+                      <a:pt x="404509" y="1470842"/>
+                      <a:pt x="438009" y="1459328"/>
+                    </a:cubicBezTo>
+                    <a:cubicBezTo>
+                      <a:pt x="438723" y="1458968"/>
+                      <a:pt x="439435" y="1458968"/>
+                      <a:pt x="440148" y="1458609"/>
+                    </a:cubicBezTo>
+                    <a:cubicBezTo>
+                      <a:pt x="565955" y="1412554"/>
+                      <a:pt x="658618" y="1290940"/>
+                      <a:pt x="660400" y="1134056"/>
+                    </a:cubicBezTo>
+                    <a:lnTo>
+                      <a:pt x="660400" y="0"/>
+                    </a:lnTo>
+                    <a:lnTo>
+                      <a:pt x="0" y="0"/>
+                    </a:lnTo>
+                    <a:lnTo>
+                      <a:pt x="0" y="1133214"/>
+                    </a:lnTo>
+                    <a:cubicBezTo>
+                      <a:pt x="1782" y="1291659"/>
+                      <a:pt x="93019" y="1413274"/>
+                      <a:pt x="220252" y="1458250"/>
+                    </a:cubicBezTo>
+                    <a:close/>
+                  </a:path>
+                </a:pathLst>
+              </a:custGeom>
+              <a:solidFill>
+                <a:srgbClr val="000000">
+                  <a:alpha val="0"/>
+                </a:srgbClr>
+              </a:solidFill>
+              <a:ln w="57150" cap="flat" cmpd="sng">
+                <a:solidFill>
+                  <a:srgbClr val="FFFFFF"/>
+                </a:solidFill>
+                <a:prstDash val="solid"/>
+                <a:round/>
+                <a:headEnd type="none" w="sm" len="sm"/>
+                <a:tailEnd type="none" w="sm" len="sm"/>
+              </a:ln>
+            </p:spPr>
+            <p:txBody>
+              <a:bodyPr spcFirstLastPara="1" wrap="square" lIns="91425" tIns="91425" rIns="91425" bIns="91425" anchor="ctr" anchorCtr="0">
+                <a:noAutofit/>
+              </a:bodyPr>
+              <a:lstStyle/>
+              <a:p>
+                <a:pPr marL="0" lvl="0" indent="0" algn="l" rtl="0">
+                  <a:spcBef>
+                    <a:spcPts val="0"/>
+                  </a:spcBef>
+                  <a:spcAft>
+                    <a:spcPts val="0"/>
+                  </a:spcAft>
+                  <a:buNone/>
+                </a:pPr>
+                <a:endParaRPr/>
+              </a:p>
+            </p:txBody>
+          </p:sp>
+          <p:sp>
+            <p:nvSpPr>
+              <p:cNvPr id="893" name="Google Shape;893;p20"/>
+              <p:cNvSpPr txBox="1"/>
+              <p:nvPr/>
+            </p:nvSpPr>
+            <p:spPr>
+              <a:xfrm>
+                <a:off x="0" y="0"/>
+                <a:ext cx="660400" cy="685800"/>
+              </a:xfrm>
+              <a:prstGeom prst="rect">
+                <a:avLst/>
+              </a:prstGeom>
+              <a:noFill/>
+              <a:ln>
+                <a:noFill/>
+              </a:ln>
+            </p:spPr>
+            <p:txBody>
+              <a:bodyPr spcFirstLastPara="1" wrap="square" lIns="50800" tIns="50800" rIns="50800" bIns="50800" anchor="ctr" anchorCtr="0">
+                <a:noAutofit/>
+              </a:bodyPr>
+              <a:lstStyle/>
+              <a:p>
+                <a:pPr marL="0" marR="0" lvl="0" indent="0" algn="ctr" rtl="0">
+                  <a:lnSpc>
+                    <a:spcPct val="183055"/>
+                  </a:lnSpc>
+                  <a:spcBef>
+                    <a:spcPts val="0"/>
+                  </a:spcBef>
+                  <a:spcAft>
+                    <a:spcPts val="0"/>
+                  </a:spcAft>
+                  <a:buNone/>
+                </a:pPr>
+                <a:endParaRPr sz="1800" b="0" i="0" u="none" strike="noStrike" cap="none">
+                  <a:solidFill>
+                    <a:schemeClr val="dk1"/>
+                  </a:solidFill>
+                  <a:latin typeface="Calibri"/>
+                  <a:ea typeface="Calibri"/>
+                  <a:cs typeface="Calibri"/>
+                  <a:sym typeface="Calibri"/>
+                </a:endParaRPr>
+              </a:p>
+            </p:txBody>
+          </p:sp>
+        </p:grpSp>
+        <p:grpSp>
+          <p:nvGrpSpPr>
+            <p:cNvPr id="894" name="Google Shape;894;p20"/>
+            <p:cNvGrpSpPr/>
+            <p:nvPr/>
+          </p:nvGrpSpPr>
+          <p:grpSpPr>
+            <a:xfrm rot="10800000">
+              <a:off x="2930078" y="3421456"/>
+              <a:ext cx="2842534" cy="7318907"/>
+              <a:chOff x="0" y="0"/>
+              <a:chExt cx="660400" cy="1700386"/>
+            </a:xfrm>
+          </p:grpSpPr>
+          <p:sp>
+            <p:nvSpPr>
+              <p:cNvPr id="895" name="Google Shape;895;p20"/>
+              <p:cNvSpPr/>
+              <p:nvPr/>
+            </p:nvSpPr>
+            <p:spPr>
+              <a:xfrm>
+                <a:off x="0" y="0"/>
+                <a:ext cx="660400" cy="1700386"/>
+              </a:xfrm>
+              <a:custGeom>
+                <a:avLst/>
+                <a:gdLst/>
+                <a:ahLst/>
+                <a:cxnLst/>
+                <a:rect l="l" t="t" r="r" b="b"/>
+                <a:pathLst>
+                  <a:path w="660400" h="1700386" extrusionOk="0">
+                    <a:moveTo>
+                      <a:pt x="220252" y="1681317"/>
+                    </a:moveTo>
+                    <a:cubicBezTo>
+                      <a:pt x="254109" y="1692831"/>
+                      <a:pt x="292600" y="1700386"/>
+                      <a:pt x="330378" y="1700386"/>
+                    </a:cubicBezTo>
+                    <a:cubicBezTo>
+                      <a:pt x="368157" y="1700386"/>
+                      <a:pt x="404509" y="1693909"/>
+                      <a:pt x="438009" y="1682396"/>
+                    </a:cubicBezTo>
+                    <a:cubicBezTo>
+                      <a:pt x="438723" y="1682036"/>
+                      <a:pt x="439435" y="1682036"/>
+                      <a:pt x="440148" y="1681677"/>
+                    </a:cubicBezTo>
+                    <a:cubicBezTo>
+                      <a:pt x="565955" y="1635621"/>
+                      <a:pt x="658618" y="1514007"/>
+                      <a:pt x="660400" y="1352169"/>
+                    </a:cubicBezTo>
+                    <a:lnTo>
+                      <a:pt x="660400" y="0"/>
+                    </a:lnTo>
+                    <a:lnTo>
+                      <a:pt x="0" y="0"/>
+                    </a:lnTo>
+                    <a:lnTo>
+                      <a:pt x="0" y="1351165"/>
+                    </a:lnTo>
+                    <a:cubicBezTo>
+                      <a:pt x="1782" y="1514726"/>
+                      <a:pt x="93019" y="1636342"/>
+                      <a:pt x="220252" y="1681317"/>
+                    </a:cubicBezTo>
+                    <a:close/>
+                  </a:path>
+                </a:pathLst>
+              </a:custGeom>
+              <a:solidFill>
+                <a:srgbClr val="000000">
+                  <a:alpha val="0"/>
+                </a:srgbClr>
+              </a:solidFill>
+              <a:ln w="57150" cap="flat" cmpd="sng">
+                <a:solidFill>
+                  <a:srgbClr val="FFFFFF"/>
+                </a:solidFill>
+                <a:prstDash val="solid"/>
+                <a:round/>
+                <a:headEnd type="none" w="sm" len="sm"/>
+                <a:tailEnd type="none" w="sm" len="sm"/>
+              </a:ln>
+            </p:spPr>
+            <p:txBody>
+              <a:bodyPr spcFirstLastPara="1" wrap="square" lIns="91425" tIns="91425" rIns="91425" bIns="91425" anchor="ctr" anchorCtr="0">
+                <a:noAutofit/>
+              </a:bodyPr>
+              <a:lstStyle/>
+              <a:p>
+                <a:pPr marL="0" lvl="0" indent="0" algn="l" rtl="0">
+                  <a:spcBef>
+                    <a:spcPts val="0"/>
+                  </a:spcBef>
+                  <a:spcAft>
+                    <a:spcPts val="0"/>
+                  </a:spcAft>
+                  <a:buNone/>
+                </a:pPr>
+                <a:endParaRPr/>
+              </a:p>
+            </p:txBody>
+          </p:sp>
+          <p:sp>
+            <p:nvSpPr>
+              <p:cNvPr id="896" name="Google Shape;896;p20"/>
+              <p:cNvSpPr txBox="1"/>
+              <p:nvPr/>
+            </p:nvSpPr>
+            <p:spPr>
+              <a:xfrm>
+                <a:off x="0" y="0"/>
+                <a:ext cx="660400" cy="685800"/>
+              </a:xfrm>
+              <a:prstGeom prst="rect">
+                <a:avLst/>
+              </a:prstGeom>
+              <a:noFill/>
+              <a:ln>
+                <a:noFill/>
+              </a:ln>
+            </p:spPr>
+            <p:txBody>
+              <a:bodyPr spcFirstLastPara="1" wrap="square" lIns="50800" tIns="50800" rIns="50800" bIns="50800" anchor="ctr" anchorCtr="0">
+                <a:noAutofit/>
+              </a:bodyPr>
+              <a:lstStyle/>
+              <a:p>
+                <a:pPr marL="0" marR="0" lvl="0" indent="0" algn="ctr" rtl="0">
+                  <a:lnSpc>
+                    <a:spcPct val="183055"/>
+                  </a:lnSpc>
+                  <a:spcBef>
+                    <a:spcPts val="0"/>
+                  </a:spcBef>
+                  <a:spcAft>
+                    <a:spcPts val="0"/>
+                  </a:spcAft>
+                  <a:buNone/>
+                </a:pPr>
+                <a:endParaRPr sz="1800" b="0" i="0" u="none" strike="noStrike" cap="none">
+                  <a:solidFill>
+                    <a:schemeClr val="dk1"/>
+                  </a:solidFill>
+                  <a:latin typeface="Calibri"/>
+                  <a:ea typeface="Calibri"/>
+                  <a:cs typeface="Calibri"/>
+                  <a:sym typeface="Calibri"/>
+                </a:endParaRPr>
+              </a:p>
+            </p:txBody>
+          </p:sp>
+        </p:grpSp>
+      </p:grpSp>
+      <p:grpSp>
+        <p:nvGrpSpPr>
+          <p:cNvPr id="897" name="Google Shape;897;p20"/>
+          <p:cNvGrpSpPr/>
+          <p:nvPr/>
+        </p:nvGrpSpPr>
+        <p:grpSpPr>
+          <a:xfrm>
+            <a:off x="1028700" y="1028700"/>
+            <a:ext cx="16230600" cy="8229600"/>
+            <a:chOff x="0" y="0"/>
+            <a:chExt cx="4274726" cy="2167467"/>
+          </a:xfrm>
+        </p:grpSpPr>
+        <p:sp>
+          <p:nvSpPr>
+            <p:cNvPr id="898" name="Google Shape;898;p20"/>
+            <p:cNvSpPr/>
+            <p:nvPr/>
+          </p:nvSpPr>
+          <p:spPr>
+            <a:xfrm>
+              <a:off x="0" y="0"/>
+              <a:ext cx="4274726" cy="2167467"/>
+            </a:xfrm>
+            <a:custGeom>
+              <a:avLst/>
+              <a:gdLst/>
+              <a:ahLst/>
+              <a:cxnLst/>
+              <a:rect l="l" t="t" r="r" b="b"/>
+              <a:pathLst>
+                <a:path w="4274726" h="2167467" extrusionOk="0">
+                  <a:moveTo>
+                    <a:pt x="0" y="0"/>
+                  </a:moveTo>
+                  <a:lnTo>
+                    <a:pt x="4274726" y="0"/>
+                  </a:lnTo>
+                  <a:lnTo>
+                    <a:pt x="4274726" y="2167467"/>
+                  </a:lnTo>
+                  <a:lnTo>
+                    <a:pt x="0" y="2167467"/>
+                  </a:lnTo>
+                  <a:close/>
+                </a:path>
+              </a:pathLst>
+            </a:custGeom>
+            <a:solidFill>
+              <a:srgbClr val="FFFFFF"/>
+            </a:solidFill>
+            <a:ln>
+              <a:noFill/>
+            </a:ln>
+          </p:spPr>
+        </p:sp>
+        <p:sp>
+          <p:nvSpPr>
+            <p:cNvPr id="899" name="Google Shape;899;p20"/>
+            <p:cNvSpPr txBox="1"/>
+            <p:nvPr/>
+          </p:nvSpPr>
+          <p:spPr>
+            <a:xfrm>
+              <a:off x="0" y="0"/>
+              <a:ext cx="812800" cy="812800"/>
+            </a:xfrm>
+            <a:prstGeom prst="rect">
+              <a:avLst/>
+            </a:prstGeom>
+            <a:noFill/>
+            <a:ln>
+              <a:noFill/>
+            </a:ln>
+          </p:spPr>
+          <p:txBody>
+            <a:bodyPr spcFirstLastPara="1" wrap="square" lIns="50800" tIns="50800" rIns="50800" bIns="50800" anchor="ctr" anchorCtr="0">
+              <a:noAutofit/>
+            </a:bodyPr>
+            <a:lstStyle/>
+            <a:p>
+              <a:pPr marL="0" marR="0" lvl="0" indent="0" algn="ctr" rtl="0">
+                <a:lnSpc>
+                  <a:spcPct val="97111"/>
+                </a:lnSpc>
+                <a:spcBef>
+                  <a:spcPts val="0"/>
+                </a:spcBef>
+                <a:spcAft>
+                  <a:spcPts val="0"/>
+                </a:spcAft>
+                <a:buNone/>
+              </a:pPr>
+              <a:endParaRPr sz="1800" b="0" i="0" u="none" strike="noStrike" cap="none">
+                <a:solidFill>
+                  <a:schemeClr val="dk1"/>
+                </a:solidFill>
+                <a:latin typeface="Calibri"/>
+                <a:ea typeface="Calibri"/>
+                <a:cs typeface="Calibri"/>
+                <a:sym typeface="Calibri"/>
+              </a:endParaRPr>
+            </a:p>
+          </p:txBody>
+        </p:sp>
+      </p:grpSp>
+      <p:grpSp>
+        <p:nvGrpSpPr>
+          <p:cNvPr id="900" name="Google Shape;900;p20"/>
+          <p:cNvGrpSpPr/>
+          <p:nvPr/>
+        </p:nvGrpSpPr>
+        <p:grpSpPr>
+          <a:xfrm>
+            <a:off x="1509264" y="1566144"/>
+            <a:ext cx="15312697" cy="7237746"/>
+            <a:chOff x="0" y="0"/>
+            <a:chExt cx="4032974" cy="1906238"/>
+          </a:xfrm>
+        </p:grpSpPr>
+        <p:sp>
+          <p:nvSpPr>
+            <p:cNvPr id="901" name="Google Shape;901;p20"/>
+            <p:cNvSpPr/>
+            <p:nvPr/>
+          </p:nvSpPr>
+          <p:spPr>
+            <a:xfrm>
+              <a:off x="0" y="0"/>
+              <a:ext cx="4032974" cy="1906238"/>
+            </a:xfrm>
+            <a:custGeom>
+              <a:avLst/>
+              <a:gdLst/>
+              <a:ahLst/>
+              <a:cxnLst/>
+              <a:rect l="l" t="t" r="r" b="b"/>
+              <a:pathLst>
+                <a:path w="4032974" h="1906238" extrusionOk="0">
+                  <a:moveTo>
+                    <a:pt x="0" y="0"/>
+                  </a:moveTo>
+                  <a:lnTo>
+                    <a:pt x="4032974" y="0"/>
+                  </a:lnTo>
+                  <a:lnTo>
+                    <a:pt x="4032974" y="1906238"/>
+                  </a:lnTo>
+                  <a:lnTo>
+                    <a:pt x="0" y="1906238"/>
+                  </a:lnTo>
+                  <a:close/>
+                </a:path>
+              </a:pathLst>
+            </a:custGeom>
+            <a:solidFill>
+              <a:srgbClr val="000000">
+                <a:alpha val="0"/>
+              </a:srgbClr>
+            </a:solidFill>
+            <a:ln w="57150" cap="flat" cmpd="sng">
+              <a:solidFill>
+                <a:srgbClr val="B89D40"/>
+              </a:solidFill>
+              <a:prstDash val="solid"/>
+              <a:round/>
+              <a:headEnd type="none" w="sm" len="sm"/>
+              <a:tailEnd type="none" w="sm" len="sm"/>
+            </a:ln>
+          </p:spPr>
+        </p:sp>
+        <p:sp>
+          <p:nvSpPr>
+            <p:cNvPr id="902" name="Google Shape;902;p20"/>
+            <p:cNvSpPr txBox="1"/>
+            <p:nvPr/>
+          </p:nvSpPr>
+          <p:spPr>
+            <a:xfrm>
+              <a:off x="0" y="0"/>
+              <a:ext cx="812800" cy="812800"/>
+            </a:xfrm>
+            <a:prstGeom prst="rect">
+              <a:avLst/>
+            </a:prstGeom>
+            <a:noFill/>
+            <a:ln>
+              <a:noFill/>
+            </a:ln>
+          </p:spPr>
+          <p:txBody>
+            <a:bodyPr spcFirstLastPara="1" wrap="square" lIns="50800" tIns="50800" rIns="50800" bIns="50800" anchor="ctr" anchorCtr="0">
+              <a:noAutofit/>
+            </a:bodyPr>
+            <a:lstStyle/>
+            <a:p>
+              <a:pPr marL="0" marR="0" lvl="0" indent="0" algn="ctr" rtl="0">
+                <a:lnSpc>
+                  <a:spcPct val="97111"/>
+                </a:lnSpc>
+                <a:spcBef>
+                  <a:spcPts val="0"/>
+                </a:spcBef>
+                <a:spcAft>
+                  <a:spcPts val="0"/>
+                </a:spcAft>
+                <a:buNone/>
+              </a:pPr>
+              <a:endParaRPr sz="1800" b="0" i="0" u="none" strike="noStrike" cap="none">
+                <a:solidFill>
+                  <a:schemeClr val="dk1"/>
+                </a:solidFill>
+                <a:latin typeface="Calibri"/>
+                <a:ea typeface="Calibri"/>
+                <a:cs typeface="Calibri"/>
+                <a:sym typeface="Calibri"/>
+              </a:endParaRPr>
+            </a:p>
+          </p:txBody>
+        </p:sp>
+      </p:grpSp>
+      <p:sp>
+        <p:nvSpPr>
+          <p:cNvPr id="904" name="Google Shape;904;p20"/>
+          <p:cNvSpPr txBox="1"/>
+          <p:nvPr/>
+        </p:nvSpPr>
+        <p:spPr>
+          <a:xfrm>
+            <a:off x="5777346" y="1866308"/>
+            <a:ext cx="7842072" cy="1661993"/>
+          </a:xfrm>
+          <a:prstGeom prst="rect">
+            <a:avLst/>
+          </a:prstGeom>
+          <a:noFill/>
+          <a:ln>
+            <a:noFill/>
+          </a:ln>
+        </p:spPr>
+        <p:txBody>
+          <a:bodyPr spcFirstLastPara="1" wrap="square" lIns="0" tIns="0" rIns="0" bIns="0" anchor="t" anchorCtr="0">
+            <a:spAutoFit/>
+          </a:bodyPr>
+          <a:lstStyle/>
+          <a:p>
+            <a:pPr marL="0" marR="0" lvl="0" indent="0" algn="l" rtl="0">
+              <a:lnSpc>
+                <a:spcPct val="120000"/>
+              </a:lnSpc>
+              <a:spcBef>
+                <a:spcPts val="0"/>
+              </a:spcBef>
+              <a:spcAft>
+                <a:spcPts val="0"/>
+              </a:spcAft>
+              <a:buNone/>
+            </a:pPr>
+            <a:r>
+              <a:rPr lang="hu-HU" sz="9000" b="0" i="0" u="none" strike="noStrike" cap="none" dirty="0">
+                <a:solidFill>
+                  <a:srgbClr val="000000"/>
+                </a:solidFill>
+                <a:latin typeface="Alice"/>
+                <a:ea typeface="Alice"/>
+                <a:cs typeface="Alice"/>
+                <a:sym typeface="Alice"/>
+              </a:rPr>
+              <a:t>Mozgás alapja</a:t>
+            </a:r>
+            <a:endParaRPr lang="en-US" dirty="0"/>
+          </a:p>
+        </p:txBody>
+      </p:sp>
+      <p:grpSp>
+        <p:nvGrpSpPr>
+          <p:cNvPr id="905" name="Google Shape;905;p20"/>
+          <p:cNvGrpSpPr/>
+          <p:nvPr/>
+        </p:nvGrpSpPr>
+        <p:grpSpPr>
+          <a:xfrm>
+            <a:off x="6193367" y="3792056"/>
+            <a:ext cx="5901267" cy="3086086"/>
+            <a:chOff x="0" y="0"/>
+            <a:chExt cx="1554243" cy="812800"/>
+          </a:xfrm>
+        </p:grpSpPr>
+        <p:sp>
+          <p:nvSpPr>
+            <p:cNvPr id="906" name="Google Shape;906;p20"/>
+            <p:cNvSpPr/>
+            <p:nvPr/>
+          </p:nvSpPr>
+          <p:spPr>
+            <a:xfrm>
+              <a:off x="0" y="0"/>
+              <a:ext cx="1554243" cy="38441"/>
+            </a:xfrm>
+            <a:custGeom>
+              <a:avLst/>
+              <a:gdLst/>
+              <a:ahLst/>
+              <a:cxnLst/>
+              <a:rect l="l" t="t" r="r" b="b"/>
+              <a:pathLst>
+                <a:path w="1554243" h="38441" extrusionOk="0">
+                  <a:moveTo>
+                    <a:pt x="0" y="0"/>
+                  </a:moveTo>
+                  <a:lnTo>
+                    <a:pt x="1554243" y="0"/>
+                  </a:lnTo>
+                  <a:lnTo>
+                    <a:pt x="1554243" y="38441"/>
+                  </a:lnTo>
+                  <a:lnTo>
+                    <a:pt x="0" y="38441"/>
+                  </a:lnTo>
+                  <a:close/>
+                </a:path>
+              </a:pathLst>
+            </a:custGeom>
+            <a:solidFill>
+              <a:srgbClr val="B89D40"/>
+            </a:solidFill>
+            <a:ln>
+              <a:noFill/>
+            </a:ln>
+          </p:spPr>
+        </p:sp>
+        <p:sp>
+          <p:nvSpPr>
+            <p:cNvPr id="907" name="Google Shape;907;p20"/>
+            <p:cNvSpPr txBox="1"/>
+            <p:nvPr/>
+          </p:nvSpPr>
+          <p:spPr>
+            <a:xfrm>
+              <a:off x="0" y="0"/>
+              <a:ext cx="812800" cy="812800"/>
+            </a:xfrm>
+            <a:prstGeom prst="rect">
+              <a:avLst/>
+            </a:prstGeom>
+            <a:noFill/>
+            <a:ln>
+              <a:noFill/>
+            </a:ln>
+          </p:spPr>
+          <p:txBody>
+            <a:bodyPr spcFirstLastPara="1" wrap="square" lIns="50800" tIns="50800" rIns="50800" bIns="50800" anchor="ctr" anchorCtr="0">
+              <a:noAutofit/>
+            </a:bodyPr>
+            <a:lstStyle/>
+            <a:p>
+              <a:pPr marL="0" marR="0" lvl="0" indent="0" algn="ctr" rtl="0">
+                <a:lnSpc>
+                  <a:spcPct val="97111"/>
+                </a:lnSpc>
+                <a:spcBef>
+                  <a:spcPts val="0"/>
+                </a:spcBef>
+                <a:spcAft>
+                  <a:spcPts val="0"/>
+                </a:spcAft>
+                <a:buNone/>
+              </a:pPr>
+              <a:endParaRPr sz="1800" b="0" i="0" u="none" strike="noStrike" cap="none">
+                <a:solidFill>
+                  <a:schemeClr val="dk1"/>
+                </a:solidFill>
+                <a:latin typeface="Calibri"/>
+                <a:ea typeface="Calibri"/>
+                <a:cs typeface="Calibri"/>
+                <a:sym typeface="Calibri"/>
+              </a:endParaRPr>
+            </a:p>
+          </p:txBody>
+        </p:sp>
+      </p:grpSp>
+      <p:pic>
+        <p:nvPicPr>
+          <p:cNvPr id="3" name="Kép 2">
+            <a:extLst>
+              <a:ext uri="{FF2B5EF4-FFF2-40B4-BE49-F238E27FC236}">
+                <a16:creationId xmlns:a16="http://schemas.microsoft.com/office/drawing/2014/main" id="{CD42463D-99F7-5299-500F-6DB44873EE54}"/>
+              </a:ext>
+            </a:extLst>
+          </p:cNvPr>
+          <p:cNvPicPr>
+            <a:picLocks noChangeAspect="1"/>
+          </p:cNvPicPr>
+          <p:nvPr/>
+        </p:nvPicPr>
+        <p:blipFill>
+          <a:blip r:embed="rId3"/>
+          <a:stretch>
+            <a:fillRect/>
+          </a:stretch>
+        </p:blipFill>
+        <p:spPr>
+          <a:xfrm>
+            <a:off x="7257330" y="4650915"/>
+            <a:ext cx="9321485" cy="3440071"/>
+          </a:xfrm>
+          <a:prstGeom prst="rect">
+            <a:avLst/>
+          </a:prstGeom>
+        </p:spPr>
+      </p:pic>
+      <p:pic>
+        <p:nvPicPr>
+          <p:cNvPr id="11" name="Kép 10" descr="A képen szöveg, poggyász, bőrönd, bélelt látható&#10;&#10;Automatikusan generált leírás">
+            <a:extLst>
+              <a:ext uri="{FF2B5EF4-FFF2-40B4-BE49-F238E27FC236}">
+                <a16:creationId xmlns:a16="http://schemas.microsoft.com/office/drawing/2014/main" id="{AAECFCDC-37A7-4DC9-774E-571AD72A303D}"/>
+              </a:ext>
+            </a:extLst>
+          </p:cNvPr>
+          <p:cNvPicPr>
+            <a:picLocks noChangeAspect="1"/>
+          </p:cNvPicPr>
+          <p:nvPr/>
+        </p:nvPicPr>
+        <p:blipFill>
+          <a:blip r:embed="rId4"/>
+          <a:stretch>
+            <a:fillRect/>
+          </a:stretch>
+        </p:blipFill>
+        <p:spPr>
+          <a:xfrm>
+            <a:off x="2582670" y="4421729"/>
+            <a:ext cx="3661795" cy="3854521"/>
+          </a:xfrm>
+          <a:prstGeom prst="rect">
+            <a:avLst/>
+          </a:prstGeom>
+        </p:spPr>
+      </p:pic>
+    </p:spTree>
+    <p:extLst>
+      <p:ext uri="{BB962C8B-B14F-4D97-AF65-F5344CB8AC3E}">
+        <p14:creationId xmlns:p14="http://schemas.microsoft.com/office/powerpoint/2010/main" val="3620260426"/>
+      </p:ext>
+    </p:extLst>
+  </p:cSld>
+  <p:clrMapOvr>
+    <a:masterClrMapping/>
+  </p:clrMapOvr>
+  <p:transition spd="slow">
+    <p:randomBar dir="vert"/>
+  </p:transition>
 </p:sld>
 </file>
 
